--- a/Presentations/Technical Presentation (20-12-2020).pptx
+++ b/Presentations/Technical Presentation (20-12-2020).pptx
@@ -3013,7 +3013,7 @@
           <a:p>
             <a:fld id="{C1866161-D383-45DC-9645-1D21647A8641}" type="datetimeFigureOut">
               <a:rPr lang="en-US" smtClean="0"/>
-              <a:t>12/20/2020</a:t>
+              <a:t>1/10/2021</a:t>
             </a:fld>
             <a:endParaRPr lang="en-US" dirty="0"/>
           </a:p>
@@ -3190,7 +3190,7 @@
           <a:p>
             <a:fld id="{733789D0-CA34-4934-A369-C3113E12A3EF}" type="datetimeFigureOut">
               <a:rPr lang="en-US" smtClean="0"/>
-              <a:t>12/20/2020</a:t>
+              <a:t>1/10/2021</a:t>
             </a:fld>
             <a:endParaRPr lang="en-US" dirty="0"/>
           </a:p>
@@ -4281,7 +4281,7 @@
                   <a14:useLocalDpi xmlns:a14="http://schemas.microsoft.com/office/drawing/2010/main" val="0"/>
                 </a:ext>
                 <a:ext uri="{96DAC541-7B7A-43D3-8B79-37D633B846F1}">
-                  <asvg:svgBlip xmlns:asvg="http://schemas.microsoft.com/office/drawing/2016/SVG/main" xmlns="" r:embed="rId3"/>
+                  <asvg:svgBlip xmlns="" xmlns:asvg="http://schemas.microsoft.com/office/drawing/2016/SVG/main" r:embed="rId3"/>
                 </a:ext>
               </a:extLst>
             </a:blip>
@@ -4319,7 +4319,7 @@
                   <a14:useLocalDpi xmlns:a14="http://schemas.microsoft.com/office/drawing/2010/main" val="0"/>
                 </a:ext>
                 <a:ext uri="{96DAC541-7B7A-43D3-8B79-37D633B846F1}">
-                  <asvg:svgBlip xmlns:asvg="http://schemas.microsoft.com/office/drawing/2016/SVG/main" xmlns="" r:embed="rId3"/>
+                  <asvg:svgBlip xmlns="" xmlns:asvg="http://schemas.microsoft.com/office/drawing/2016/SVG/main" r:embed="rId3"/>
                 </a:ext>
               </a:extLst>
             </a:blip>
@@ -4358,7 +4358,7 @@
                   <a14:useLocalDpi xmlns:a14="http://schemas.microsoft.com/office/drawing/2010/main" val="0"/>
                 </a:ext>
                 <a:ext uri="{96DAC541-7B7A-43D3-8B79-37D633B846F1}">
-                  <asvg:svgBlip xmlns:asvg="http://schemas.microsoft.com/office/drawing/2016/SVG/main" xmlns="" r:embed="rId3"/>
+                  <asvg:svgBlip xmlns="" xmlns:asvg="http://schemas.microsoft.com/office/drawing/2016/SVG/main" r:embed="rId3"/>
                 </a:ext>
               </a:extLst>
             </a:blip>
@@ -4397,7 +4397,7 @@
                   <a14:useLocalDpi xmlns:a14="http://schemas.microsoft.com/office/drawing/2010/main" val="0"/>
                 </a:ext>
                 <a:ext uri="{96DAC541-7B7A-43D3-8B79-37D633B846F1}">
-                  <asvg:svgBlip xmlns:asvg="http://schemas.microsoft.com/office/drawing/2016/SVG/main" xmlns="" r:embed="rId3"/>
+                  <asvg:svgBlip xmlns="" xmlns:asvg="http://schemas.microsoft.com/office/drawing/2016/SVG/main" r:embed="rId3"/>
                 </a:ext>
               </a:extLst>
             </a:blip>
@@ -4587,7 +4587,7 @@
           <a:p>
             <a:fld id="{616D6166-2B42-4F11-BAA6-8ABAE1BE810C}" type="datetimeFigureOut">
               <a:rPr lang="en-US" noProof="0" smtClean="0"/>
-              <a:t>12/20/2020</a:t>
+              <a:t>1/10/2021</a:t>
             </a:fld>
             <a:endParaRPr lang="en-US" noProof="0" dirty="0"/>
           </a:p>
@@ -4826,7 +4826,7 @@
                   <a14:useLocalDpi xmlns:a14="http://schemas.microsoft.com/office/drawing/2010/main" val="0"/>
                 </a:ext>
                 <a:ext uri="{96DAC541-7B7A-43D3-8B79-37D633B846F1}">
-                  <asvg:svgBlip xmlns:asvg="http://schemas.microsoft.com/office/drawing/2016/SVG/main" xmlns="" r:embed="rId3"/>
+                  <asvg:svgBlip xmlns="" xmlns:asvg="http://schemas.microsoft.com/office/drawing/2016/SVG/main" r:embed="rId3"/>
                 </a:ext>
               </a:extLst>
             </a:blip>
@@ -4864,7 +4864,7 @@
                   <a14:useLocalDpi xmlns:a14="http://schemas.microsoft.com/office/drawing/2010/main" val="0"/>
                 </a:ext>
                 <a:ext uri="{96DAC541-7B7A-43D3-8B79-37D633B846F1}">
-                  <asvg:svgBlip xmlns:asvg="http://schemas.microsoft.com/office/drawing/2016/SVG/main" xmlns="" r:embed="rId3"/>
+                  <asvg:svgBlip xmlns="" xmlns:asvg="http://schemas.microsoft.com/office/drawing/2016/SVG/main" r:embed="rId3"/>
                 </a:ext>
               </a:extLst>
             </a:blip>
@@ -4903,7 +4903,7 @@
                   <a14:useLocalDpi xmlns:a14="http://schemas.microsoft.com/office/drawing/2010/main" val="0"/>
                 </a:ext>
                 <a:ext uri="{96DAC541-7B7A-43D3-8B79-37D633B846F1}">
-                  <asvg:svgBlip xmlns:asvg="http://schemas.microsoft.com/office/drawing/2016/SVG/main" xmlns="" r:embed="rId3"/>
+                  <asvg:svgBlip xmlns="" xmlns:asvg="http://schemas.microsoft.com/office/drawing/2016/SVG/main" r:embed="rId3"/>
                 </a:ext>
               </a:extLst>
             </a:blip>
@@ -4942,7 +4942,7 @@
                   <a14:useLocalDpi xmlns:a14="http://schemas.microsoft.com/office/drawing/2010/main" val="0"/>
                 </a:ext>
                 <a:ext uri="{96DAC541-7B7A-43D3-8B79-37D633B846F1}">
-                  <asvg:svgBlip xmlns:asvg="http://schemas.microsoft.com/office/drawing/2016/SVG/main" xmlns="" r:embed="rId3"/>
+                  <asvg:svgBlip xmlns="" xmlns:asvg="http://schemas.microsoft.com/office/drawing/2016/SVG/main" r:embed="rId3"/>
                 </a:ext>
               </a:extLst>
             </a:blip>
@@ -5046,7 +5046,7 @@
           <a:p>
             <a:fld id="{616D6166-2B42-4F11-BAA6-8ABAE1BE810C}" type="datetimeFigureOut">
               <a:rPr lang="en-US" noProof="0" smtClean="0"/>
-              <a:t>12/20/2020</a:t>
+              <a:t>1/10/2021</a:t>
             </a:fld>
             <a:endParaRPr lang="en-US" noProof="0" dirty="0"/>
           </a:p>
@@ -5173,7 +5173,7 @@
                   <a14:useLocalDpi xmlns:a14="http://schemas.microsoft.com/office/drawing/2010/main" val="0"/>
                 </a:ext>
                 <a:ext uri="{96DAC541-7B7A-43D3-8B79-37D633B846F1}">
-                  <asvg:svgBlip xmlns:asvg="http://schemas.microsoft.com/office/drawing/2016/SVG/main" xmlns="" r:embed="rId3"/>
+                  <asvg:svgBlip xmlns="" xmlns:asvg="http://schemas.microsoft.com/office/drawing/2016/SVG/main" r:embed="rId3"/>
                 </a:ext>
               </a:extLst>
             </a:blip>
@@ -5211,7 +5211,7 @@
                   <a14:useLocalDpi xmlns:a14="http://schemas.microsoft.com/office/drawing/2010/main" val="0"/>
                 </a:ext>
                 <a:ext uri="{96DAC541-7B7A-43D3-8B79-37D633B846F1}">
-                  <asvg:svgBlip xmlns:asvg="http://schemas.microsoft.com/office/drawing/2016/SVG/main" xmlns="" r:embed="rId3"/>
+                  <asvg:svgBlip xmlns="" xmlns:asvg="http://schemas.microsoft.com/office/drawing/2016/SVG/main" r:embed="rId3"/>
                 </a:ext>
               </a:extLst>
             </a:blip>
@@ -5250,7 +5250,7 @@
                   <a14:useLocalDpi xmlns:a14="http://schemas.microsoft.com/office/drawing/2010/main" val="0"/>
                 </a:ext>
                 <a:ext uri="{96DAC541-7B7A-43D3-8B79-37D633B846F1}">
-                  <asvg:svgBlip xmlns:asvg="http://schemas.microsoft.com/office/drawing/2016/SVG/main" xmlns="" r:embed="rId3"/>
+                  <asvg:svgBlip xmlns="" xmlns:asvg="http://schemas.microsoft.com/office/drawing/2016/SVG/main" r:embed="rId3"/>
                 </a:ext>
               </a:extLst>
             </a:blip>
@@ -5289,7 +5289,7 @@
                   <a14:useLocalDpi xmlns:a14="http://schemas.microsoft.com/office/drawing/2010/main" val="0"/>
                 </a:ext>
                 <a:ext uri="{96DAC541-7B7A-43D3-8B79-37D633B846F1}">
-                  <asvg:svgBlip xmlns:asvg="http://schemas.microsoft.com/office/drawing/2016/SVG/main" xmlns="" r:embed="rId3"/>
+                  <asvg:svgBlip xmlns="" xmlns:asvg="http://schemas.microsoft.com/office/drawing/2016/SVG/main" r:embed="rId3"/>
                 </a:ext>
               </a:extLst>
             </a:blip>
@@ -5602,7 +5602,7 @@
           <a:p>
             <a:fld id="{616D6166-2B42-4F11-BAA6-8ABAE1BE810C}" type="datetimeFigureOut">
               <a:rPr lang="en-US" noProof="0" smtClean="0"/>
-              <a:t>12/20/2020</a:t>
+              <a:t>1/10/2021</a:t>
             </a:fld>
             <a:endParaRPr lang="en-US" noProof="0" dirty="0"/>
           </a:p>
@@ -5739,7 +5739,7 @@
                   <a14:useLocalDpi xmlns:a14="http://schemas.microsoft.com/office/drawing/2010/main" val="0"/>
                 </a:ext>
                 <a:ext uri="{96DAC541-7B7A-43D3-8B79-37D633B846F1}">
-                  <asvg:svgBlip xmlns:asvg="http://schemas.microsoft.com/office/drawing/2016/SVG/main" xmlns="" r:embed="rId3"/>
+                  <asvg:svgBlip xmlns="" xmlns:asvg="http://schemas.microsoft.com/office/drawing/2016/SVG/main" r:embed="rId3"/>
                 </a:ext>
               </a:extLst>
             </a:blip>
@@ -5777,7 +5777,7 @@
                   <a14:useLocalDpi xmlns:a14="http://schemas.microsoft.com/office/drawing/2010/main" val="0"/>
                 </a:ext>
                 <a:ext uri="{96DAC541-7B7A-43D3-8B79-37D633B846F1}">
-                  <asvg:svgBlip xmlns:asvg="http://schemas.microsoft.com/office/drawing/2016/SVG/main" xmlns="" r:embed="rId3"/>
+                  <asvg:svgBlip xmlns="" xmlns:asvg="http://schemas.microsoft.com/office/drawing/2016/SVG/main" r:embed="rId3"/>
                 </a:ext>
               </a:extLst>
             </a:blip>
@@ -5816,7 +5816,7 @@
                   <a14:useLocalDpi xmlns:a14="http://schemas.microsoft.com/office/drawing/2010/main" val="0"/>
                 </a:ext>
                 <a:ext uri="{96DAC541-7B7A-43D3-8B79-37D633B846F1}">
-                  <asvg:svgBlip xmlns:asvg="http://schemas.microsoft.com/office/drawing/2016/SVG/main" xmlns="" r:embed="rId3"/>
+                  <asvg:svgBlip xmlns="" xmlns:asvg="http://schemas.microsoft.com/office/drawing/2016/SVG/main" r:embed="rId3"/>
                 </a:ext>
               </a:extLst>
             </a:blip>
@@ -5855,7 +5855,7 @@
                   <a14:useLocalDpi xmlns:a14="http://schemas.microsoft.com/office/drawing/2010/main" val="0"/>
                 </a:ext>
                 <a:ext uri="{96DAC541-7B7A-43D3-8B79-37D633B846F1}">
-                  <asvg:svgBlip xmlns:asvg="http://schemas.microsoft.com/office/drawing/2016/SVG/main" xmlns="" r:embed="rId3"/>
+                  <asvg:svgBlip xmlns="" xmlns:asvg="http://schemas.microsoft.com/office/drawing/2016/SVG/main" r:embed="rId3"/>
                 </a:ext>
               </a:extLst>
             </a:blip>
@@ -6111,7 +6111,7 @@
           <a:p>
             <a:fld id="{616D6166-2B42-4F11-BAA6-8ABAE1BE810C}" type="datetimeFigureOut">
               <a:rPr lang="en-US" noProof="0" smtClean="0"/>
-              <a:t>12/20/2020</a:t>
+              <a:t>1/10/2021</a:t>
             </a:fld>
             <a:endParaRPr lang="en-US" noProof="0" dirty="0"/>
           </a:p>
@@ -6463,7 +6463,7 @@
           <a:p>
             <a:fld id="{616D6166-2B42-4F11-BAA6-8ABAE1BE810C}" type="datetimeFigureOut">
               <a:rPr lang="en-US" noProof="0" smtClean="0"/>
-              <a:t>12/20/2020</a:t>
+              <a:t>1/10/2021</a:t>
             </a:fld>
             <a:endParaRPr lang="en-US" noProof="0" dirty="0"/>
           </a:p>
@@ -6629,7 +6629,7 @@
                   <a14:useLocalDpi xmlns:a14="http://schemas.microsoft.com/office/drawing/2010/main" val="0"/>
                 </a:ext>
                 <a:ext uri="{96DAC541-7B7A-43D3-8B79-37D633B846F1}">
-                  <asvg:svgBlip xmlns:asvg="http://schemas.microsoft.com/office/drawing/2016/SVG/main" xmlns="" r:embed="rId3"/>
+                  <asvg:svgBlip xmlns="" xmlns:asvg="http://schemas.microsoft.com/office/drawing/2016/SVG/main" r:embed="rId3"/>
                 </a:ext>
               </a:extLst>
             </a:blip>
@@ -6667,7 +6667,7 @@
                   <a14:useLocalDpi xmlns:a14="http://schemas.microsoft.com/office/drawing/2010/main" val="0"/>
                 </a:ext>
                 <a:ext uri="{96DAC541-7B7A-43D3-8B79-37D633B846F1}">
-                  <asvg:svgBlip xmlns:asvg="http://schemas.microsoft.com/office/drawing/2016/SVG/main" xmlns="" r:embed="rId3"/>
+                  <asvg:svgBlip xmlns="" xmlns:asvg="http://schemas.microsoft.com/office/drawing/2016/SVG/main" r:embed="rId3"/>
                 </a:ext>
               </a:extLst>
             </a:blip>
@@ -6706,7 +6706,7 @@
                   <a14:useLocalDpi xmlns:a14="http://schemas.microsoft.com/office/drawing/2010/main" val="0"/>
                 </a:ext>
                 <a:ext uri="{96DAC541-7B7A-43D3-8B79-37D633B846F1}">
-                  <asvg:svgBlip xmlns:asvg="http://schemas.microsoft.com/office/drawing/2016/SVG/main" xmlns="" r:embed="rId3"/>
+                  <asvg:svgBlip xmlns="" xmlns:asvg="http://schemas.microsoft.com/office/drawing/2016/SVG/main" r:embed="rId3"/>
                 </a:ext>
               </a:extLst>
             </a:blip>
@@ -6745,7 +6745,7 @@
                   <a14:useLocalDpi xmlns:a14="http://schemas.microsoft.com/office/drawing/2010/main" val="0"/>
                 </a:ext>
                 <a:ext uri="{96DAC541-7B7A-43D3-8B79-37D633B846F1}">
-                  <asvg:svgBlip xmlns:asvg="http://schemas.microsoft.com/office/drawing/2016/SVG/main" xmlns="" r:embed="rId3"/>
+                  <asvg:svgBlip xmlns="" xmlns:asvg="http://schemas.microsoft.com/office/drawing/2016/SVG/main" r:embed="rId3"/>
                 </a:ext>
               </a:extLst>
             </a:blip>
@@ -6784,7 +6784,7 @@
                   <a14:useLocalDpi xmlns:a14="http://schemas.microsoft.com/office/drawing/2010/main" val="0"/>
                 </a:ext>
                 <a:ext uri="{96DAC541-7B7A-43D3-8B79-37D633B846F1}">
-                  <asvg:svgBlip xmlns:asvg="http://schemas.microsoft.com/office/drawing/2016/SVG/main" xmlns="" r:embed="rId3"/>
+                  <asvg:svgBlip xmlns="" xmlns:asvg="http://schemas.microsoft.com/office/drawing/2016/SVG/main" r:embed="rId3"/>
                 </a:ext>
               </a:extLst>
             </a:blip>
@@ -7056,7 +7056,7 @@
           <a:p>
             <a:fld id="{616D6166-2B42-4F11-BAA6-8ABAE1BE810C}" type="datetimeFigureOut">
               <a:rPr lang="en-US" noProof="0" smtClean="0"/>
-              <a:t>12/20/2020</a:t>
+              <a:t>1/10/2021</a:t>
             </a:fld>
             <a:endParaRPr lang="en-US" noProof="0" dirty="0"/>
           </a:p>
@@ -7188,7 +7188,7 @@
                   <a14:useLocalDpi xmlns:a14="http://schemas.microsoft.com/office/drawing/2010/main" val="0"/>
                 </a:ext>
                 <a:ext uri="{96DAC541-7B7A-43D3-8B79-37D633B846F1}">
-                  <asvg:svgBlip xmlns:asvg="http://schemas.microsoft.com/office/drawing/2016/SVG/main" xmlns="" r:embed="rId3"/>
+                  <asvg:svgBlip xmlns="" xmlns:asvg="http://schemas.microsoft.com/office/drawing/2016/SVG/main" r:embed="rId3"/>
                 </a:ext>
               </a:extLst>
             </a:blip>
@@ -7226,7 +7226,7 @@
                   <a14:useLocalDpi xmlns:a14="http://schemas.microsoft.com/office/drawing/2010/main" val="0"/>
                 </a:ext>
                 <a:ext uri="{96DAC541-7B7A-43D3-8B79-37D633B846F1}">
-                  <asvg:svgBlip xmlns:asvg="http://schemas.microsoft.com/office/drawing/2016/SVG/main" xmlns="" r:embed="rId3"/>
+                  <asvg:svgBlip xmlns="" xmlns:asvg="http://schemas.microsoft.com/office/drawing/2016/SVG/main" r:embed="rId3"/>
                 </a:ext>
               </a:extLst>
             </a:blip>
@@ -7265,7 +7265,7 @@
                   <a14:useLocalDpi xmlns:a14="http://schemas.microsoft.com/office/drawing/2010/main" val="0"/>
                 </a:ext>
                 <a:ext uri="{96DAC541-7B7A-43D3-8B79-37D633B846F1}">
-                  <asvg:svgBlip xmlns:asvg="http://schemas.microsoft.com/office/drawing/2016/SVG/main" xmlns="" r:embed="rId3"/>
+                  <asvg:svgBlip xmlns="" xmlns:asvg="http://schemas.microsoft.com/office/drawing/2016/SVG/main" r:embed="rId3"/>
                 </a:ext>
               </a:extLst>
             </a:blip>
@@ -7304,7 +7304,7 @@
                   <a14:useLocalDpi xmlns:a14="http://schemas.microsoft.com/office/drawing/2010/main" val="0"/>
                 </a:ext>
                 <a:ext uri="{96DAC541-7B7A-43D3-8B79-37D633B846F1}">
-                  <asvg:svgBlip xmlns:asvg="http://schemas.microsoft.com/office/drawing/2016/SVG/main" xmlns="" r:embed="rId3"/>
+                  <asvg:svgBlip xmlns="" xmlns:asvg="http://schemas.microsoft.com/office/drawing/2016/SVG/main" r:embed="rId3"/>
                 </a:ext>
               </a:extLst>
             </a:blip>
@@ -7645,7 +7645,7 @@
           <a:p>
             <a:fld id="{616D6166-2B42-4F11-BAA6-8ABAE1BE810C}" type="datetimeFigureOut">
               <a:rPr lang="en-US" noProof="0" smtClean="0"/>
-              <a:t>12/20/2020</a:t>
+              <a:t>1/10/2021</a:t>
             </a:fld>
             <a:endParaRPr lang="en-US" noProof="0" dirty="0"/>
           </a:p>
@@ -8009,7 +8009,7 @@
                   <a14:useLocalDpi xmlns:a14="http://schemas.microsoft.com/office/drawing/2010/main" val="0"/>
                 </a:ext>
                 <a:ext uri="{96DAC541-7B7A-43D3-8B79-37D633B846F1}">
-                  <asvg:svgBlip xmlns:asvg="http://schemas.microsoft.com/office/drawing/2016/SVG/main" xmlns="" r:embed="rId3"/>
+                  <asvg:svgBlip xmlns="" xmlns:asvg="http://schemas.microsoft.com/office/drawing/2016/SVG/main" r:embed="rId3"/>
                 </a:ext>
               </a:extLst>
             </a:blip>
@@ -8047,7 +8047,7 @@
                   <a14:useLocalDpi xmlns:a14="http://schemas.microsoft.com/office/drawing/2010/main" val="0"/>
                 </a:ext>
                 <a:ext uri="{96DAC541-7B7A-43D3-8B79-37D633B846F1}">
-                  <asvg:svgBlip xmlns:asvg="http://schemas.microsoft.com/office/drawing/2016/SVG/main" xmlns="" r:embed="rId3"/>
+                  <asvg:svgBlip xmlns="" xmlns:asvg="http://schemas.microsoft.com/office/drawing/2016/SVG/main" r:embed="rId3"/>
                 </a:ext>
               </a:extLst>
             </a:blip>
@@ -8086,7 +8086,7 @@
                   <a14:useLocalDpi xmlns:a14="http://schemas.microsoft.com/office/drawing/2010/main" val="0"/>
                 </a:ext>
                 <a:ext uri="{96DAC541-7B7A-43D3-8B79-37D633B846F1}">
-                  <asvg:svgBlip xmlns:asvg="http://schemas.microsoft.com/office/drawing/2016/SVG/main" xmlns="" r:embed="rId3"/>
+                  <asvg:svgBlip xmlns="" xmlns:asvg="http://schemas.microsoft.com/office/drawing/2016/SVG/main" r:embed="rId3"/>
                 </a:ext>
               </a:extLst>
             </a:blip>
@@ -8125,7 +8125,7 @@
                   <a14:useLocalDpi xmlns:a14="http://schemas.microsoft.com/office/drawing/2010/main" val="0"/>
                 </a:ext>
                 <a:ext uri="{96DAC541-7B7A-43D3-8B79-37D633B846F1}">
-                  <asvg:svgBlip xmlns:asvg="http://schemas.microsoft.com/office/drawing/2016/SVG/main" xmlns="" r:embed="rId3"/>
+                  <asvg:svgBlip xmlns="" xmlns:asvg="http://schemas.microsoft.com/office/drawing/2016/SVG/main" r:embed="rId3"/>
                 </a:ext>
               </a:extLst>
             </a:blip>
@@ -8164,7 +8164,7 @@
                   <a14:useLocalDpi xmlns:a14="http://schemas.microsoft.com/office/drawing/2010/main" val="0"/>
                 </a:ext>
                 <a:ext uri="{96DAC541-7B7A-43D3-8B79-37D633B846F1}">
-                  <asvg:svgBlip xmlns:asvg="http://schemas.microsoft.com/office/drawing/2016/SVG/main" xmlns="" r:embed="rId3"/>
+                  <asvg:svgBlip xmlns="" xmlns:asvg="http://schemas.microsoft.com/office/drawing/2016/SVG/main" r:embed="rId3"/>
                 </a:ext>
               </a:extLst>
             </a:blip>
@@ -8418,7 +8418,7 @@
           <a:p>
             <a:fld id="{616D6166-2B42-4F11-BAA6-8ABAE1BE810C}" type="datetimeFigureOut">
               <a:rPr lang="en-US" noProof="0" smtClean="0"/>
-              <a:t>12/20/2020</a:t>
+              <a:t>1/10/2021</a:t>
             </a:fld>
             <a:endParaRPr lang="en-US" noProof="0" dirty="0"/>
           </a:p>
@@ -8555,7 +8555,7 @@
                   <a14:useLocalDpi xmlns:a14="http://schemas.microsoft.com/office/drawing/2010/main" val="0"/>
                 </a:ext>
                 <a:ext uri="{96DAC541-7B7A-43D3-8B79-37D633B846F1}">
-                  <asvg:svgBlip xmlns:asvg="http://schemas.microsoft.com/office/drawing/2016/SVG/main" xmlns="" r:embed="rId3"/>
+                  <asvg:svgBlip xmlns="" xmlns:asvg="http://schemas.microsoft.com/office/drawing/2016/SVG/main" r:embed="rId3"/>
                 </a:ext>
               </a:extLst>
             </a:blip>
@@ -8593,7 +8593,7 @@
                   <a14:useLocalDpi xmlns:a14="http://schemas.microsoft.com/office/drawing/2010/main" val="0"/>
                 </a:ext>
                 <a:ext uri="{96DAC541-7B7A-43D3-8B79-37D633B846F1}">
-                  <asvg:svgBlip xmlns:asvg="http://schemas.microsoft.com/office/drawing/2016/SVG/main" xmlns="" r:embed="rId3"/>
+                  <asvg:svgBlip xmlns="" xmlns:asvg="http://schemas.microsoft.com/office/drawing/2016/SVG/main" r:embed="rId3"/>
                 </a:ext>
               </a:extLst>
             </a:blip>
@@ -8632,7 +8632,7 @@
                   <a14:useLocalDpi xmlns:a14="http://schemas.microsoft.com/office/drawing/2010/main" val="0"/>
                 </a:ext>
                 <a:ext uri="{96DAC541-7B7A-43D3-8B79-37D633B846F1}">
-                  <asvg:svgBlip xmlns:asvg="http://schemas.microsoft.com/office/drawing/2016/SVG/main" xmlns="" r:embed="rId3"/>
+                  <asvg:svgBlip xmlns="" xmlns:asvg="http://schemas.microsoft.com/office/drawing/2016/SVG/main" r:embed="rId3"/>
                 </a:ext>
               </a:extLst>
             </a:blip>
@@ -8671,7 +8671,7 @@
                   <a14:useLocalDpi xmlns:a14="http://schemas.microsoft.com/office/drawing/2010/main" val="0"/>
                 </a:ext>
                 <a:ext uri="{96DAC541-7B7A-43D3-8B79-37D633B846F1}">
-                  <asvg:svgBlip xmlns:asvg="http://schemas.microsoft.com/office/drawing/2016/SVG/main" xmlns="" r:embed="rId3"/>
+                  <asvg:svgBlip xmlns="" xmlns:asvg="http://schemas.microsoft.com/office/drawing/2016/SVG/main" r:embed="rId3"/>
                 </a:ext>
               </a:extLst>
             </a:blip>
@@ -9288,7 +9288,7 @@
           <a:p>
             <a:fld id="{616D6166-2B42-4F11-BAA6-8ABAE1BE810C}" type="datetimeFigureOut">
               <a:rPr lang="en-US" noProof="0" smtClean="0"/>
-              <a:t>12/20/2020</a:t>
+              <a:t>1/10/2021</a:t>
             </a:fld>
             <a:endParaRPr lang="en-US" noProof="0" dirty="0"/>
           </a:p>
@@ -9415,7 +9415,7 @@
                   <a14:useLocalDpi xmlns:a14="http://schemas.microsoft.com/office/drawing/2010/main" val="0"/>
                 </a:ext>
                 <a:ext uri="{96DAC541-7B7A-43D3-8B79-37D633B846F1}">
-                  <asvg:svgBlip xmlns:asvg="http://schemas.microsoft.com/office/drawing/2016/SVG/main" xmlns="" r:embed="rId3"/>
+                  <asvg:svgBlip xmlns="" xmlns:asvg="http://schemas.microsoft.com/office/drawing/2016/SVG/main" r:embed="rId3"/>
                 </a:ext>
               </a:extLst>
             </a:blip>
@@ -9453,7 +9453,7 @@
                   <a14:useLocalDpi xmlns:a14="http://schemas.microsoft.com/office/drawing/2010/main" val="0"/>
                 </a:ext>
                 <a:ext uri="{96DAC541-7B7A-43D3-8B79-37D633B846F1}">
-                  <asvg:svgBlip xmlns:asvg="http://schemas.microsoft.com/office/drawing/2016/SVG/main" xmlns="" r:embed="rId3"/>
+                  <asvg:svgBlip xmlns="" xmlns:asvg="http://schemas.microsoft.com/office/drawing/2016/SVG/main" r:embed="rId3"/>
                 </a:ext>
               </a:extLst>
             </a:blip>
@@ -9492,7 +9492,7 @@
                   <a14:useLocalDpi xmlns:a14="http://schemas.microsoft.com/office/drawing/2010/main" val="0"/>
                 </a:ext>
                 <a:ext uri="{96DAC541-7B7A-43D3-8B79-37D633B846F1}">
-                  <asvg:svgBlip xmlns:asvg="http://schemas.microsoft.com/office/drawing/2016/SVG/main" xmlns="" r:embed="rId3"/>
+                  <asvg:svgBlip xmlns="" xmlns:asvg="http://schemas.microsoft.com/office/drawing/2016/SVG/main" r:embed="rId3"/>
                 </a:ext>
               </a:extLst>
             </a:blip>
@@ -9531,7 +9531,7 @@
                   <a14:useLocalDpi xmlns:a14="http://schemas.microsoft.com/office/drawing/2010/main" val="0"/>
                 </a:ext>
                 <a:ext uri="{96DAC541-7B7A-43D3-8B79-37D633B846F1}">
-                  <asvg:svgBlip xmlns:asvg="http://schemas.microsoft.com/office/drawing/2016/SVG/main" xmlns="" r:embed="rId3"/>
+                  <asvg:svgBlip xmlns="" xmlns:asvg="http://schemas.microsoft.com/office/drawing/2016/SVG/main" r:embed="rId3"/>
                 </a:ext>
               </a:extLst>
             </a:blip>
@@ -9570,7 +9570,7 @@
                   <a14:useLocalDpi xmlns:a14="http://schemas.microsoft.com/office/drawing/2010/main" val="0"/>
                 </a:ext>
                 <a:ext uri="{96DAC541-7B7A-43D3-8B79-37D633B846F1}">
-                  <asvg:svgBlip xmlns:asvg="http://schemas.microsoft.com/office/drawing/2016/SVG/main" xmlns="" r:embed="rId3"/>
+                  <asvg:svgBlip xmlns="" xmlns:asvg="http://schemas.microsoft.com/office/drawing/2016/SVG/main" r:embed="rId3"/>
                 </a:ext>
               </a:extLst>
             </a:blip>
@@ -9757,7 +9757,7 @@
           <a:p>
             <a:fld id="{616D6166-2B42-4F11-BAA6-8ABAE1BE810C}" type="datetimeFigureOut">
               <a:rPr lang="en-US" noProof="0" smtClean="0"/>
-              <a:t>12/20/2020</a:t>
+              <a:t>1/10/2021</a:t>
             </a:fld>
             <a:endParaRPr lang="en-US" noProof="0" dirty="0"/>
           </a:p>
@@ -10373,7 +10373,7 @@
                   <a14:useLocalDpi xmlns:a14="http://schemas.microsoft.com/office/drawing/2010/main" val="0"/>
                 </a:ext>
                 <a:ext uri="{96DAC541-7B7A-43D3-8B79-37D633B846F1}">
-                  <asvg:svgBlip xmlns:asvg="http://schemas.microsoft.com/office/drawing/2016/SVG/main" xmlns="" r:embed="rId3"/>
+                  <asvg:svgBlip xmlns="" xmlns:asvg="http://schemas.microsoft.com/office/drawing/2016/SVG/main" r:embed="rId3"/>
                 </a:ext>
               </a:extLst>
             </a:blip>
@@ -10411,7 +10411,7 @@
                   <a14:useLocalDpi xmlns:a14="http://schemas.microsoft.com/office/drawing/2010/main" val="0"/>
                 </a:ext>
                 <a:ext uri="{96DAC541-7B7A-43D3-8B79-37D633B846F1}">
-                  <asvg:svgBlip xmlns:asvg="http://schemas.microsoft.com/office/drawing/2016/SVG/main" xmlns="" r:embed="rId3"/>
+                  <asvg:svgBlip xmlns="" xmlns:asvg="http://schemas.microsoft.com/office/drawing/2016/SVG/main" r:embed="rId3"/>
                 </a:ext>
               </a:extLst>
             </a:blip>
@@ -10450,7 +10450,7 @@
                   <a14:useLocalDpi xmlns:a14="http://schemas.microsoft.com/office/drawing/2010/main" val="0"/>
                 </a:ext>
                 <a:ext uri="{96DAC541-7B7A-43D3-8B79-37D633B846F1}">
-                  <asvg:svgBlip xmlns:asvg="http://schemas.microsoft.com/office/drawing/2016/SVG/main" xmlns="" r:embed="rId3"/>
+                  <asvg:svgBlip xmlns="" xmlns:asvg="http://schemas.microsoft.com/office/drawing/2016/SVG/main" r:embed="rId3"/>
                 </a:ext>
               </a:extLst>
             </a:blip>
@@ -10489,7 +10489,7 @@
                   <a14:useLocalDpi xmlns:a14="http://schemas.microsoft.com/office/drawing/2010/main" val="0"/>
                 </a:ext>
                 <a:ext uri="{96DAC541-7B7A-43D3-8B79-37D633B846F1}">
-                  <asvg:svgBlip xmlns:asvg="http://schemas.microsoft.com/office/drawing/2016/SVG/main" xmlns="" r:embed="rId3"/>
+                  <asvg:svgBlip xmlns="" xmlns:asvg="http://schemas.microsoft.com/office/drawing/2016/SVG/main" r:embed="rId3"/>
                 </a:ext>
               </a:extLst>
             </a:blip>
@@ -11343,7 +11343,7 @@
           <a:p>
             <a:fld id="{616D6166-2B42-4F11-BAA6-8ABAE1BE810C}" type="datetimeFigureOut">
               <a:rPr lang="en-US" noProof="0" smtClean="0"/>
-              <a:t>12/20/2020</a:t>
+              <a:t>1/10/2021</a:t>
             </a:fld>
             <a:endParaRPr lang="en-US" noProof="0" dirty="0"/>
           </a:p>
@@ -11549,7 +11549,7 @@
                   <a14:useLocalDpi xmlns:a14="http://schemas.microsoft.com/office/drawing/2010/main" val="0"/>
                 </a:ext>
                 <a:ext uri="{96DAC541-7B7A-43D3-8B79-37D633B846F1}">
-                  <asvg:svgBlip xmlns:asvg="http://schemas.microsoft.com/office/drawing/2016/SVG/main" xmlns="" r:embed="rId3"/>
+                  <asvg:svgBlip xmlns="" xmlns:asvg="http://schemas.microsoft.com/office/drawing/2016/SVG/main" r:embed="rId3"/>
                 </a:ext>
               </a:extLst>
             </a:blip>
@@ -11587,7 +11587,7 @@
                   <a14:useLocalDpi xmlns:a14="http://schemas.microsoft.com/office/drawing/2010/main" val="0"/>
                 </a:ext>
                 <a:ext uri="{96DAC541-7B7A-43D3-8B79-37D633B846F1}">
-                  <asvg:svgBlip xmlns:asvg="http://schemas.microsoft.com/office/drawing/2016/SVG/main" xmlns="" r:embed="rId3"/>
+                  <asvg:svgBlip xmlns="" xmlns:asvg="http://schemas.microsoft.com/office/drawing/2016/SVG/main" r:embed="rId3"/>
                 </a:ext>
               </a:extLst>
             </a:blip>
@@ -11626,7 +11626,7 @@
                   <a14:useLocalDpi xmlns:a14="http://schemas.microsoft.com/office/drawing/2010/main" val="0"/>
                 </a:ext>
                 <a:ext uri="{96DAC541-7B7A-43D3-8B79-37D633B846F1}">
-                  <asvg:svgBlip xmlns:asvg="http://schemas.microsoft.com/office/drawing/2016/SVG/main" xmlns="" r:embed="rId3"/>
+                  <asvg:svgBlip xmlns="" xmlns:asvg="http://schemas.microsoft.com/office/drawing/2016/SVG/main" r:embed="rId3"/>
                 </a:ext>
               </a:extLst>
             </a:blip>
@@ -11665,7 +11665,7 @@
                   <a14:useLocalDpi xmlns:a14="http://schemas.microsoft.com/office/drawing/2010/main" val="0"/>
                 </a:ext>
                 <a:ext uri="{96DAC541-7B7A-43D3-8B79-37D633B846F1}">
-                  <asvg:svgBlip xmlns:asvg="http://schemas.microsoft.com/office/drawing/2016/SVG/main" xmlns="" r:embed="rId3"/>
+                  <asvg:svgBlip xmlns="" xmlns:asvg="http://schemas.microsoft.com/office/drawing/2016/SVG/main" r:embed="rId3"/>
                 </a:ext>
               </a:extLst>
             </a:blip>
@@ -11863,7 +11863,7 @@
           <a:p>
             <a:fld id="{616D6166-2B42-4F11-BAA6-8ABAE1BE810C}" type="datetimeFigureOut">
               <a:rPr lang="en-US" noProof="0" smtClean="0"/>
-              <a:t>12/20/2020</a:t>
+              <a:t>1/10/2021</a:t>
             </a:fld>
             <a:endParaRPr lang="en-US" noProof="0" dirty="0"/>
           </a:p>
@@ -12501,7 +12501,7 @@
                   <a14:useLocalDpi xmlns:a14="http://schemas.microsoft.com/office/drawing/2010/main" val="0"/>
                 </a:ext>
                 <a:ext uri="{96DAC541-7B7A-43D3-8B79-37D633B846F1}">
-                  <asvg:svgBlip xmlns:asvg="http://schemas.microsoft.com/office/drawing/2016/SVG/main" xmlns="" r:embed="rId3"/>
+                  <asvg:svgBlip xmlns="" xmlns:asvg="http://schemas.microsoft.com/office/drawing/2016/SVG/main" r:embed="rId3"/>
                 </a:ext>
               </a:extLst>
             </a:blip>
@@ -12539,7 +12539,7 @@
                   <a14:useLocalDpi xmlns:a14="http://schemas.microsoft.com/office/drawing/2010/main" val="0"/>
                 </a:ext>
                 <a:ext uri="{96DAC541-7B7A-43D3-8B79-37D633B846F1}">
-                  <asvg:svgBlip xmlns:asvg="http://schemas.microsoft.com/office/drawing/2016/SVG/main" xmlns="" r:embed="rId3"/>
+                  <asvg:svgBlip xmlns="" xmlns:asvg="http://schemas.microsoft.com/office/drawing/2016/SVG/main" r:embed="rId3"/>
                 </a:ext>
               </a:extLst>
             </a:blip>
@@ -12578,7 +12578,7 @@
                   <a14:useLocalDpi xmlns:a14="http://schemas.microsoft.com/office/drawing/2010/main" val="0"/>
                 </a:ext>
                 <a:ext uri="{96DAC541-7B7A-43D3-8B79-37D633B846F1}">
-                  <asvg:svgBlip xmlns:asvg="http://schemas.microsoft.com/office/drawing/2016/SVG/main" xmlns="" r:embed="rId3"/>
+                  <asvg:svgBlip xmlns="" xmlns:asvg="http://schemas.microsoft.com/office/drawing/2016/SVG/main" r:embed="rId3"/>
                 </a:ext>
               </a:extLst>
             </a:blip>
@@ -12617,7 +12617,7 @@
                   <a14:useLocalDpi xmlns:a14="http://schemas.microsoft.com/office/drawing/2010/main" val="0"/>
                 </a:ext>
                 <a:ext uri="{96DAC541-7B7A-43D3-8B79-37D633B846F1}">
-                  <asvg:svgBlip xmlns:asvg="http://schemas.microsoft.com/office/drawing/2016/SVG/main" xmlns="" r:embed="rId3"/>
+                  <asvg:svgBlip xmlns="" xmlns:asvg="http://schemas.microsoft.com/office/drawing/2016/SVG/main" r:embed="rId3"/>
                 </a:ext>
               </a:extLst>
             </a:blip>
@@ -12656,7 +12656,7 @@
                   <a14:useLocalDpi xmlns:a14="http://schemas.microsoft.com/office/drawing/2010/main" val="0"/>
                 </a:ext>
                 <a:ext uri="{96DAC541-7B7A-43D3-8B79-37D633B846F1}">
-                  <asvg:svgBlip xmlns:asvg="http://schemas.microsoft.com/office/drawing/2016/SVG/main" xmlns="" r:embed="rId3"/>
+                  <asvg:svgBlip xmlns="" xmlns:asvg="http://schemas.microsoft.com/office/drawing/2016/SVG/main" r:embed="rId3"/>
                 </a:ext>
               </a:extLst>
             </a:blip>
@@ -12986,7 +12986,7 @@
           <a:p>
             <a:fld id="{616D6166-2B42-4F11-BAA6-8ABAE1BE810C}" type="datetimeFigureOut">
               <a:rPr lang="en-US" noProof="0" smtClean="0"/>
-              <a:t>12/20/2020</a:t>
+              <a:t>1/10/2021</a:t>
             </a:fld>
             <a:endParaRPr lang="en-US" noProof="0" dirty="0"/>
           </a:p>
@@ -13118,7 +13118,7 @@
                   <a14:useLocalDpi xmlns:a14="http://schemas.microsoft.com/office/drawing/2010/main" val="0"/>
                 </a:ext>
                 <a:ext uri="{96DAC541-7B7A-43D3-8B79-37D633B846F1}">
-                  <asvg:svgBlip xmlns:asvg="http://schemas.microsoft.com/office/drawing/2016/SVG/main" xmlns="" r:embed="rId3"/>
+                  <asvg:svgBlip xmlns="" xmlns:asvg="http://schemas.microsoft.com/office/drawing/2016/SVG/main" r:embed="rId3"/>
                 </a:ext>
               </a:extLst>
             </a:blip>
@@ -13156,7 +13156,7 @@
                   <a14:useLocalDpi xmlns:a14="http://schemas.microsoft.com/office/drawing/2010/main" val="0"/>
                 </a:ext>
                 <a:ext uri="{96DAC541-7B7A-43D3-8B79-37D633B846F1}">
-                  <asvg:svgBlip xmlns:asvg="http://schemas.microsoft.com/office/drawing/2016/SVG/main" xmlns="" r:embed="rId3"/>
+                  <asvg:svgBlip xmlns="" xmlns:asvg="http://schemas.microsoft.com/office/drawing/2016/SVG/main" r:embed="rId3"/>
                 </a:ext>
               </a:extLst>
             </a:blip>
@@ -13195,7 +13195,7 @@
                   <a14:useLocalDpi xmlns:a14="http://schemas.microsoft.com/office/drawing/2010/main" val="0"/>
                 </a:ext>
                 <a:ext uri="{96DAC541-7B7A-43D3-8B79-37D633B846F1}">
-                  <asvg:svgBlip xmlns:asvg="http://schemas.microsoft.com/office/drawing/2016/SVG/main" xmlns="" r:embed="rId3"/>
+                  <asvg:svgBlip xmlns="" xmlns:asvg="http://schemas.microsoft.com/office/drawing/2016/SVG/main" r:embed="rId3"/>
                 </a:ext>
               </a:extLst>
             </a:blip>
@@ -13234,7 +13234,7 @@
                   <a14:useLocalDpi xmlns:a14="http://schemas.microsoft.com/office/drawing/2010/main" val="0"/>
                 </a:ext>
                 <a:ext uri="{96DAC541-7B7A-43D3-8B79-37D633B846F1}">
-                  <asvg:svgBlip xmlns:asvg="http://schemas.microsoft.com/office/drawing/2016/SVG/main" xmlns="" r:embed="rId3"/>
+                  <asvg:svgBlip xmlns="" xmlns:asvg="http://schemas.microsoft.com/office/drawing/2016/SVG/main" r:embed="rId3"/>
                 </a:ext>
               </a:extLst>
             </a:blip>
@@ -13546,7 +13546,7 @@
           <a:p>
             <a:fld id="{616D6166-2B42-4F11-BAA6-8ABAE1BE810C}" type="datetimeFigureOut">
               <a:rPr lang="en-US" noProof="0" smtClean="0"/>
-              <a:t>12/20/2020</a:t>
+              <a:t>1/10/2021</a:t>
             </a:fld>
             <a:endParaRPr lang="en-US" noProof="0" dirty="0"/>
           </a:p>
@@ -13673,7 +13673,7 @@
                   <a14:useLocalDpi xmlns:a14="http://schemas.microsoft.com/office/drawing/2010/main" val="0"/>
                 </a:ext>
                 <a:ext uri="{96DAC541-7B7A-43D3-8B79-37D633B846F1}">
-                  <asvg:svgBlip xmlns:asvg="http://schemas.microsoft.com/office/drawing/2016/SVG/main" xmlns="" r:embed="rId3"/>
+                  <asvg:svgBlip xmlns="" xmlns:asvg="http://schemas.microsoft.com/office/drawing/2016/SVG/main" r:embed="rId3"/>
                 </a:ext>
               </a:extLst>
             </a:blip>
@@ -13711,7 +13711,7 @@
                   <a14:useLocalDpi xmlns:a14="http://schemas.microsoft.com/office/drawing/2010/main" val="0"/>
                 </a:ext>
                 <a:ext uri="{96DAC541-7B7A-43D3-8B79-37D633B846F1}">
-                  <asvg:svgBlip xmlns:asvg="http://schemas.microsoft.com/office/drawing/2016/SVG/main" xmlns="" r:embed="rId3"/>
+                  <asvg:svgBlip xmlns="" xmlns:asvg="http://schemas.microsoft.com/office/drawing/2016/SVG/main" r:embed="rId3"/>
                 </a:ext>
               </a:extLst>
             </a:blip>
@@ -13750,7 +13750,7 @@
                   <a14:useLocalDpi xmlns:a14="http://schemas.microsoft.com/office/drawing/2010/main" val="0"/>
                 </a:ext>
                 <a:ext uri="{96DAC541-7B7A-43D3-8B79-37D633B846F1}">
-                  <asvg:svgBlip xmlns:asvg="http://schemas.microsoft.com/office/drawing/2016/SVG/main" xmlns="" r:embed="rId3"/>
+                  <asvg:svgBlip xmlns="" xmlns:asvg="http://schemas.microsoft.com/office/drawing/2016/SVG/main" r:embed="rId3"/>
                 </a:ext>
               </a:extLst>
             </a:blip>
@@ -13789,7 +13789,7 @@
                   <a14:useLocalDpi xmlns:a14="http://schemas.microsoft.com/office/drawing/2010/main" val="0"/>
                 </a:ext>
                 <a:ext uri="{96DAC541-7B7A-43D3-8B79-37D633B846F1}">
-                  <asvg:svgBlip xmlns:asvg="http://schemas.microsoft.com/office/drawing/2016/SVG/main" xmlns="" r:embed="rId3"/>
+                  <asvg:svgBlip xmlns="" xmlns:asvg="http://schemas.microsoft.com/office/drawing/2016/SVG/main" r:embed="rId3"/>
                 </a:ext>
               </a:extLst>
             </a:blip>
@@ -13828,7 +13828,7 @@
                   <a14:useLocalDpi xmlns:a14="http://schemas.microsoft.com/office/drawing/2010/main" val="0"/>
                 </a:ext>
                 <a:ext uri="{96DAC541-7B7A-43D3-8B79-37D633B846F1}">
-                  <asvg:svgBlip xmlns:asvg="http://schemas.microsoft.com/office/drawing/2016/SVG/main" xmlns="" r:embed="rId3"/>
+                  <asvg:svgBlip xmlns="" xmlns:asvg="http://schemas.microsoft.com/office/drawing/2016/SVG/main" r:embed="rId3"/>
                 </a:ext>
               </a:extLst>
             </a:blip>
@@ -14143,7 +14143,7 @@
           <a:p>
             <a:fld id="{616D6166-2B42-4F11-BAA6-8ABAE1BE810C}" type="datetimeFigureOut">
               <a:rPr lang="en-US" noProof="0" smtClean="0"/>
-              <a:t>12/20/2020</a:t>
+              <a:t>1/10/2021</a:t>
             </a:fld>
             <a:endParaRPr lang="en-US" noProof="0" dirty="0"/>
           </a:p>
@@ -14280,7 +14280,7 @@
                   <a14:useLocalDpi xmlns:a14="http://schemas.microsoft.com/office/drawing/2010/main" val="0"/>
                 </a:ext>
                 <a:ext uri="{96DAC541-7B7A-43D3-8B79-37D633B846F1}">
-                  <asvg:svgBlip xmlns:asvg="http://schemas.microsoft.com/office/drawing/2016/SVG/main" xmlns="" r:embed="rId3"/>
+                  <asvg:svgBlip xmlns="" xmlns:asvg="http://schemas.microsoft.com/office/drawing/2016/SVG/main" r:embed="rId3"/>
                 </a:ext>
               </a:extLst>
             </a:blip>
@@ -14318,7 +14318,7 @@
                   <a14:useLocalDpi xmlns:a14="http://schemas.microsoft.com/office/drawing/2010/main" val="0"/>
                 </a:ext>
                 <a:ext uri="{96DAC541-7B7A-43D3-8B79-37D633B846F1}">
-                  <asvg:svgBlip xmlns:asvg="http://schemas.microsoft.com/office/drawing/2016/SVG/main" xmlns="" r:embed="rId3"/>
+                  <asvg:svgBlip xmlns="" xmlns:asvg="http://schemas.microsoft.com/office/drawing/2016/SVG/main" r:embed="rId3"/>
                 </a:ext>
               </a:extLst>
             </a:blip>
@@ -14357,7 +14357,7 @@
                   <a14:useLocalDpi xmlns:a14="http://schemas.microsoft.com/office/drawing/2010/main" val="0"/>
                 </a:ext>
                 <a:ext uri="{96DAC541-7B7A-43D3-8B79-37D633B846F1}">
-                  <asvg:svgBlip xmlns:asvg="http://schemas.microsoft.com/office/drawing/2016/SVG/main" xmlns="" r:embed="rId3"/>
+                  <asvg:svgBlip xmlns="" xmlns:asvg="http://schemas.microsoft.com/office/drawing/2016/SVG/main" r:embed="rId3"/>
                 </a:ext>
               </a:extLst>
             </a:blip>
@@ -14396,7 +14396,7 @@
                   <a14:useLocalDpi xmlns:a14="http://schemas.microsoft.com/office/drawing/2010/main" val="0"/>
                 </a:ext>
                 <a:ext uri="{96DAC541-7B7A-43D3-8B79-37D633B846F1}">
-                  <asvg:svgBlip xmlns:asvg="http://schemas.microsoft.com/office/drawing/2016/SVG/main" xmlns="" r:embed="rId3"/>
+                  <asvg:svgBlip xmlns="" xmlns:asvg="http://schemas.microsoft.com/office/drawing/2016/SVG/main" r:embed="rId3"/>
                 </a:ext>
               </a:extLst>
             </a:blip>
@@ -14435,7 +14435,7 @@
                   <a14:useLocalDpi xmlns:a14="http://schemas.microsoft.com/office/drawing/2010/main" val="0"/>
                 </a:ext>
                 <a:ext uri="{96DAC541-7B7A-43D3-8B79-37D633B846F1}">
-                  <asvg:svgBlip xmlns:asvg="http://schemas.microsoft.com/office/drawing/2016/SVG/main" xmlns="" r:embed="rId3"/>
+                  <asvg:svgBlip xmlns="" xmlns:asvg="http://schemas.microsoft.com/office/drawing/2016/SVG/main" r:embed="rId3"/>
                 </a:ext>
               </a:extLst>
             </a:blip>
@@ -14882,7 +14882,7 @@
           <a:p>
             <a:fld id="{616D6166-2B42-4F11-BAA6-8ABAE1BE810C}" type="datetimeFigureOut">
               <a:rPr lang="en-US" noProof="0" smtClean="0"/>
-              <a:t>12/20/2020</a:t>
+              <a:t>1/10/2021</a:t>
             </a:fld>
             <a:endParaRPr lang="en-US" noProof="0" dirty="0"/>
           </a:p>
@@ -15009,7 +15009,7 @@
                   <a14:useLocalDpi xmlns:a14="http://schemas.microsoft.com/office/drawing/2010/main" val="0"/>
                 </a:ext>
                 <a:ext uri="{96DAC541-7B7A-43D3-8B79-37D633B846F1}">
-                  <asvg:svgBlip xmlns:asvg="http://schemas.microsoft.com/office/drawing/2016/SVG/main" xmlns="" r:embed="rId3"/>
+                  <asvg:svgBlip xmlns="" xmlns:asvg="http://schemas.microsoft.com/office/drawing/2016/SVG/main" r:embed="rId3"/>
                 </a:ext>
               </a:extLst>
             </a:blip>
@@ -15047,7 +15047,7 @@
                   <a14:useLocalDpi xmlns:a14="http://schemas.microsoft.com/office/drawing/2010/main" val="0"/>
                 </a:ext>
                 <a:ext uri="{96DAC541-7B7A-43D3-8B79-37D633B846F1}">
-                  <asvg:svgBlip xmlns:asvg="http://schemas.microsoft.com/office/drawing/2016/SVG/main" xmlns="" r:embed="rId3"/>
+                  <asvg:svgBlip xmlns="" xmlns:asvg="http://schemas.microsoft.com/office/drawing/2016/SVG/main" r:embed="rId3"/>
                 </a:ext>
               </a:extLst>
             </a:blip>
@@ -15086,7 +15086,7 @@
                   <a14:useLocalDpi xmlns:a14="http://schemas.microsoft.com/office/drawing/2010/main" val="0"/>
                 </a:ext>
                 <a:ext uri="{96DAC541-7B7A-43D3-8B79-37D633B846F1}">
-                  <asvg:svgBlip xmlns:asvg="http://schemas.microsoft.com/office/drawing/2016/SVG/main" xmlns="" r:embed="rId3"/>
+                  <asvg:svgBlip xmlns="" xmlns:asvg="http://schemas.microsoft.com/office/drawing/2016/SVG/main" r:embed="rId3"/>
                 </a:ext>
               </a:extLst>
             </a:blip>
@@ -15125,7 +15125,7 @@
                   <a14:useLocalDpi xmlns:a14="http://schemas.microsoft.com/office/drawing/2010/main" val="0"/>
                 </a:ext>
                 <a:ext uri="{96DAC541-7B7A-43D3-8B79-37D633B846F1}">
-                  <asvg:svgBlip xmlns:asvg="http://schemas.microsoft.com/office/drawing/2016/SVG/main" xmlns="" r:embed="rId3"/>
+                  <asvg:svgBlip xmlns="" xmlns:asvg="http://schemas.microsoft.com/office/drawing/2016/SVG/main" r:embed="rId3"/>
                 </a:ext>
               </a:extLst>
             </a:blip>
@@ -15164,7 +15164,7 @@
                   <a14:useLocalDpi xmlns:a14="http://schemas.microsoft.com/office/drawing/2010/main" val="0"/>
                 </a:ext>
                 <a:ext uri="{96DAC541-7B7A-43D3-8B79-37D633B846F1}">
-                  <asvg:svgBlip xmlns:asvg="http://schemas.microsoft.com/office/drawing/2016/SVG/main" xmlns="" r:embed="rId3"/>
+                  <asvg:svgBlip xmlns="" xmlns:asvg="http://schemas.microsoft.com/office/drawing/2016/SVG/main" r:embed="rId3"/>
                 </a:ext>
               </a:extLst>
             </a:blip>
@@ -15349,7 +15349,7 @@
           <a:p>
             <a:fld id="{616D6166-2B42-4F11-BAA6-8ABAE1BE810C}" type="datetimeFigureOut">
               <a:rPr lang="en-US" noProof="0" smtClean="0"/>
-              <a:t>12/20/2020</a:t>
+              <a:t>1/10/2021</a:t>
             </a:fld>
             <a:endParaRPr lang="en-US" noProof="0" dirty="0"/>
           </a:p>
@@ -15549,7 +15549,7 @@
                   <a14:useLocalDpi xmlns:a14="http://schemas.microsoft.com/office/drawing/2010/main" val="0"/>
                 </a:ext>
                 <a:ext uri="{96DAC541-7B7A-43D3-8B79-37D633B846F1}">
-                  <asvg:svgBlip xmlns:asvg="http://schemas.microsoft.com/office/drawing/2016/SVG/main" xmlns="" r:embed="rId3"/>
+                  <asvg:svgBlip xmlns="" xmlns:asvg="http://schemas.microsoft.com/office/drawing/2016/SVG/main" r:embed="rId3"/>
                 </a:ext>
               </a:extLst>
             </a:blip>
@@ -15587,7 +15587,7 @@
                   <a14:useLocalDpi xmlns:a14="http://schemas.microsoft.com/office/drawing/2010/main" val="0"/>
                 </a:ext>
                 <a:ext uri="{96DAC541-7B7A-43D3-8B79-37D633B846F1}">
-                  <asvg:svgBlip xmlns:asvg="http://schemas.microsoft.com/office/drawing/2016/SVG/main" xmlns="" r:embed="rId3"/>
+                  <asvg:svgBlip xmlns="" xmlns:asvg="http://schemas.microsoft.com/office/drawing/2016/SVG/main" r:embed="rId3"/>
                 </a:ext>
               </a:extLst>
             </a:blip>
@@ -15626,7 +15626,7 @@
                   <a14:useLocalDpi xmlns:a14="http://schemas.microsoft.com/office/drawing/2010/main" val="0"/>
                 </a:ext>
                 <a:ext uri="{96DAC541-7B7A-43D3-8B79-37D633B846F1}">
-                  <asvg:svgBlip xmlns:asvg="http://schemas.microsoft.com/office/drawing/2016/SVG/main" xmlns="" r:embed="rId3"/>
+                  <asvg:svgBlip xmlns="" xmlns:asvg="http://schemas.microsoft.com/office/drawing/2016/SVG/main" r:embed="rId3"/>
                 </a:ext>
               </a:extLst>
             </a:blip>
@@ -15665,7 +15665,7 @@
                   <a14:useLocalDpi xmlns:a14="http://schemas.microsoft.com/office/drawing/2010/main" val="0"/>
                 </a:ext>
                 <a:ext uri="{96DAC541-7B7A-43D3-8B79-37D633B846F1}">
-                  <asvg:svgBlip xmlns:asvg="http://schemas.microsoft.com/office/drawing/2016/SVG/main" xmlns="" r:embed="rId3"/>
+                  <asvg:svgBlip xmlns="" xmlns:asvg="http://schemas.microsoft.com/office/drawing/2016/SVG/main" r:embed="rId3"/>
                 </a:ext>
               </a:extLst>
             </a:blip>
@@ -15704,7 +15704,7 @@
                   <a14:useLocalDpi xmlns:a14="http://schemas.microsoft.com/office/drawing/2010/main" val="0"/>
                 </a:ext>
                 <a:ext uri="{96DAC541-7B7A-43D3-8B79-37D633B846F1}">
-                  <asvg:svgBlip xmlns:asvg="http://schemas.microsoft.com/office/drawing/2016/SVG/main" xmlns="" r:embed="rId3"/>
+                  <asvg:svgBlip xmlns="" xmlns:asvg="http://schemas.microsoft.com/office/drawing/2016/SVG/main" r:embed="rId3"/>
                 </a:ext>
               </a:extLst>
             </a:blip>
@@ -15902,7 +15902,7 @@
           <a:p>
             <a:fld id="{616D6166-2B42-4F11-BAA6-8ABAE1BE810C}" type="datetimeFigureOut">
               <a:rPr lang="en-US" noProof="0" smtClean="0"/>
-              <a:t>12/20/2020</a:t>
+              <a:t>1/10/2021</a:t>
             </a:fld>
             <a:endParaRPr lang="en-US" noProof="0" dirty="0"/>
           </a:p>
@@ -16029,7 +16029,7 @@
                   <a14:useLocalDpi xmlns:a14="http://schemas.microsoft.com/office/drawing/2010/main" val="0"/>
                 </a:ext>
                 <a:ext uri="{96DAC541-7B7A-43D3-8B79-37D633B846F1}">
-                  <asvg:svgBlip xmlns:asvg="http://schemas.microsoft.com/office/drawing/2016/SVG/main" xmlns="" r:embed="rId3"/>
+                  <asvg:svgBlip xmlns="" xmlns:asvg="http://schemas.microsoft.com/office/drawing/2016/SVG/main" r:embed="rId3"/>
                 </a:ext>
               </a:extLst>
             </a:blip>
@@ -16067,7 +16067,7 @@
                   <a14:useLocalDpi xmlns:a14="http://schemas.microsoft.com/office/drawing/2010/main" val="0"/>
                 </a:ext>
                 <a:ext uri="{96DAC541-7B7A-43D3-8B79-37D633B846F1}">
-                  <asvg:svgBlip xmlns:asvg="http://schemas.microsoft.com/office/drawing/2016/SVG/main" xmlns="" r:embed="rId3"/>
+                  <asvg:svgBlip xmlns="" xmlns:asvg="http://schemas.microsoft.com/office/drawing/2016/SVG/main" r:embed="rId3"/>
                 </a:ext>
               </a:extLst>
             </a:blip>
@@ -16106,7 +16106,7 @@
                   <a14:useLocalDpi xmlns:a14="http://schemas.microsoft.com/office/drawing/2010/main" val="0"/>
                 </a:ext>
                 <a:ext uri="{96DAC541-7B7A-43D3-8B79-37D633B846F1}">
-                  <asvg:svgBlip xmlns:asvg="http://schemas.microsoft.com/office/drawing/2016/SVG/main" xmlns="" r:embed="rId3"/>
+                  <asvg:svgBlip xmlns="" xmlns:asvg="http://schemas.microsoft.com/office/drawing/2016/SVG/main" r:embed="rId3"/>
                 </a:ext>
               </a:extLst>
             </a:blip>
@@ -16145,7 +16145,7 @@
                   <a14:useLocalDpi xmlns:a14="http://schemas.microsoft.com/office/drawing/2010/main" val="0"/>
                 </a:ext>
                 <a:ext uri="{96DAC541-7B7A-43D3-8B79-37D633B846F1}">
-                  <asvg:svgBlip xmlns:asvg="http://schemas.microsoft.com/office/drawing/2016/SVG/main" xmlns="" r:embed="rId3"/>
+                  <asvg:svgBlip xmlns="" xmlns:asvg="http://schemas.microsoft.com/office/drawing/2016/SVG/main" r:embed="rId3"/>
                 </a:ext>
               </a:extLst>
             </a:blip>
@@ -16184,7 +16184,7 @@
                   <a14:useLocalDpi xmlns:a14="http://schemas.microsoft.com/office/drawing/2010/main" val="0"/>
                 </a:ext>
                 <a:ext uri="{96DAC541-7B7A-43D3-8B79-37D633B846F1}">
-                  <asvg:svgBlip xmlns:asvg="http://schemas.microsoft.com/office/drawing/2016/SVG/main" xmlns="" r:embed="rId3"/>
+                  <asvg:svgBlip xmlns="" xmlns:asvg="http://schemas.microsoft.com/office/drawing/2016/SVG/main" r:embed="rId3"/>
                 </a:ext>
               </a:extLst>
             </a:blip>
@@ -16382,7 +16382,7 @@
           <a:p>
             <a:fld id="{616D6166-2B42-4F11-BAA6-8ABAE1BE810C}" type="datetimeFigureOut">
               <a:rPr lang="en-US" noProof="0" smtClean="0"/>
-              <a:t>12/20/2020</a:t>
+              <a:t>1/10/2021</a:t>
             </a:fld>
             <a:endParaRPr lang="en-US" noProof="0" dirty="0"/>
           </a:p>
@@ -16493,7 +16493,7 @@
     <p:bg>
       <p:bgPr>
         <a:solidFill>
-          <a:srgbClr val="0070C0"/>
+          <a:schemeClr val="tx1"/>
         </a:solidFill>
         <a:effectLst/>
       </p:bgPr>
@@ -16673,7 +16673,7 @@
           <a:p>
             <a:fld id="{616D6166-2B42-4F11-BAA6-8ABAE1BE810C}" type="datetimeFigureOut">
               <a:rPr lang="en-US" noProof="0" smtClean="0"/>
-              <a:t>12/20/2020</a:t>
+              <a:t>1/10/2021</a:t>
             </a:fld>
             <a:endParaRPr lang="en-US" noProof="0" dirty="0"/>
           </a:p>
@@ -17112,7 +17112,7 @@
                 <a14:useLocalDpi xmlns:a14="http://schemas.microsoft.com/office/drawing/2010/main" val="0"/>
               </a:ext>
               <a:ext uri="{96DAC541-7B7A-43D3-8B79-37D633B846F1}">
-                <asvg:svgBlip xmlns:asvg="http://schemas.microsoft.com/office/drawing/2016/SVG/main" xmlns="" r:embed="rId3"/>
+                <asvg:svgBlip xmlns="" xmlns:asvg="http://schemas.microsoft.com/office/drawing/2016/SVG/main" r:embed="rId3"/>
               </a:ext>
             </a:extLst>
           </a:blip>
@@ -17209,7 +17209,11 @@
           <a:p>
             <a:pPr algn="l"/>
             <a:r>
-              <a:rPr lang="en-US" sz="2400" b="1" dirty="0" smtClean="0"/>
+              <a:rPr lang="en-US" sz="2400" b="1" dirty="0" smtClean="0">
+                <a:solidFill>
+                  <a:schemeClr val="bg1"/>
+                </a:solidFill>
+              </a:rPr>
               <a:t>Represented By:</a:t>
             </a:r>
           </a:p>
@@ -17225,19 +17229,42 @@
                   <a:schemeClr val="bg1"/>
                 </a:solidFill>
               </a:rPr>
-              <a:t>Mostafa Yehia				</a:t>
-            </a:r>
-            <a:r>
-              <a:rPr lang="en-US" sz="2400" dirty="0" smtClean="0"/>
-              <a:t>Donia </a:t>
-            </a:r>
-            <a:r>
-              <a:rPr lang="en-US" sz="2400" dirty="0"/>
+              <a:t>Mostafa Yehia				Donia </a:t>
+            </a:r>
+            <a:r>
+              <a:rPr lang="en-US" sz="2400" dirty="0">
+                <a:solidFill>
+                  <a:schemeClr val="bg1"/>
+                </a:solidFill>
+              </a:rPr>
               <a:t>Abd </a:t>
             </a:r>
             <a:r>
-              <a:rPr lang="en-US" sz="2400" dirty="0" smtClean="0"/>
+              <a:rPr lang="en-US" sz="2400" dirty="0" smtClean="0">
+                <a:solidFill>
+                  <a:schemeClr val="bg1"/>
+                </a:solidFill>
+              </a:rPr>
               <a:t>Elslam</a:t>
+            </a:r>
+          </a:p>
+          <a:p>
+            <a:pPr algn="l"/>
+            <a:r>
+              <a:rPr lang="en-US" sz="2400" dirty="0" smtClean="0">
+                <a:solidFill>
+                  <a:schemeClr val="bg1"/>
+                </a:solidFill>
+              </a:rPr>
+              <a:t>		Renad Taher					Mariem </a:t>
+            </a:r>
+            <a:r>
+              <a:rPr lang="en-US" sz="2400" dirty="0">
+                <a:solidFill>
+                  <a:schemeClr val="bg1"/>
+                </a:solidFill>
+              </a:rPr>
+              <a:t>Ahmed</a:t>
             </a:r>
             <a:endParaRPr lang="en-US" sz="2400" dirty="0" smtClean="0">
               <a:solidFill>
@@ -17248,38 +17275,18 @@
           <a:p>
             <a:pPr algn="l"/>
             <a:r>
-              <a:rPr lang="en-US" sz="2400" dirty="0" smtClean="0"/>
-              <a:t>		</a:t>
-            </a:r>
-            <a:r>
               <a:rPr lang="en-US" sz="2400" dirty="0" smtClean="0">
                 <a:solidFill>
                   <a:schemeClr val="bg1"/>
                 </a:solidFill>
               </a:rPr>
-              <a:t>Renad Taher			</a:t>
-            </a:r>
-            <a:r>
-              <a:rPr lang="en-US" sz="2400" dirty="0" smtClean="0"/>
-              <a:t>		Mariem </a:t>
-            </a:r>
-            <a:r>
-              <a:rPr lang="en-US" sz="2400" dirty="0"/>
-              <a:t>Ahmed</a:t>
-            </a:r>
-            <a:endParaRPr lang="en-US" sz="2400" dirty="0" smtClean="0">
+              <a:t>		Ibrahim Elsayed</a:t>
+            </a:r>
+            <a:endParaRPr lang="en-US" sz="2400" dirty="0">
               <a:solidFill>
                 <a:schemeClr val="bg1"/>
               </a:solidFill>
             </a:endParaRPr>
-          </a:p>
-          <a:p>
-            <a:pPr algn="l"/>
-            <a:r>
-              <a:rPr lang="en-US" sz="2400" dirty="0" smtClean="0"/>
-              <a:t>		Ibrahim Elsayed</a:t>
-            </a:r>
-            <a:endParaRPr lang="en-US" sz="2400" dirty="0"/>
           </a:p>
         </p:txBody>
       </p:sp>
@@ -17416,7 +17423,7 @@
                 <a14:useLocalDpi xmlns:a14="http://schemas.microsoft.com/office/drawing/2010/main" val="0"/>
               </a:ext>
               <a:ext uri="{96DAC541-7B7A-43D3-8B79-37D633B846F1}">
-                <asvg:svgBlip xmlns:asvg="http://schemas.microsoft.com/office/drawing/2016/SVG/main" xmlns="" r:embed="rId4"/>
+                <asvg:svgBlip xmlns="" xmlns:asvg="http://schemas.microsoft.com/office/drawing/2016/SVG/main" r:embed="rId4"/>
               </a:ext>
             </a:extLst>
           </a:blip>
@@ -17599,7 +17606,11 @@
             </a:lstStyle>
             <a:p>
               <a:pPr eaLnBrk="1" hangingPunct="1"/>
-              <a:endParaRPr lang="en-US" altLang="en-US" dirty="0"/>
+              <a:endParaRPr lang="en-US" altLang="en-US" dirty="0">
+                <a:solidFill>
+                  <a:schemeClr val="bg1"/>
+                </a:solidFill>
+              </a:endParaRPr>
             </a:p>
           </p:txBody>
         </p:sp>
@@ -18270,7 +18281,11 @@
             <a:bodyPr/>
             <a:lstStyle/>
             <a:p>
-              <a:endParaRPr lang="en-US" dirty="0"/>
+              <a:endParaRPr lang="en-US" dirty="0">
+                <a:solidFill>
+                  <a:schemeClr val="bg1"/>
+                </a:solidFill>
+              </a:endParaRPr>
             </a:p>
           </p:txBody>
         </p:sp>
@@ -18307,21 +18322,35 @@
               <a:buNone/>
             </a:pPr>
             <a:r>
-              <a:rPr lang="en-US" sz="2000" dirty="0"/>
+              <a:rPr lang="en-US" sz="2000" dirty="0">
+                <a:solidFill>
+                  <a:schemeClr val="bg1"/>
+                </a:solidFill>
+              </a:rPr>
               <a:t>Matrix-Assisted Laser </a:t>
             </a:r>
             <a:r>
-              <a:rPr lang="en-US" sz="2000" dirty="0" smtClean="0"/>
+              <a:rPr lang="en-US" sz="2000" dirty="0" smtClean="0">
+                <a:solidFill>
+                  <a:schemeClr val="bg1"/>
+                </a:solidFill>
+              </a:rPr>
               <a:t>Desorption/Ionization</a:t>
             </a:r>
             <a:r>
               <a:rPr lang="ko-KR" altLang="en-US" sz="2000" b="1" dirty="0" smtClean="0">
+                <a:solidFill>
+                  <a:schemeClr val="bg1"/>
+                </a:solidFill>
                 <a:cs typeface="Arial" pitchFamily="34" charset="0"/>
               </a:rPr>
               <a:t> </a:t>
             </a:r>
             <a:r>
               <a:rPr lang="en-US" altLang="ko-KR" sz="2000" b="1" dirty="0" smtClean="0">
+                <a:solidFill>
+                  <a:schemeClr val="bg1"/>
+                </a:solidFill>
                 <a:cs typeface="Arial" pitchFamily="34" charset="0"/>
               </a:rPr>
               <a:t>– (MALDI)</a:t>
@@ -18361,26 +18390,43 @@
               <a:buNone/>
             </a:pPr>
             <a:r>
-              <a:rPr lang="en-US" sz="2000" dirty="0"/>
+              <a:rPr lang="en-US" sz="2000" dirty="0">
+                <a:solidFill>
+                  <a:schemeClr val="bg1"/>
+                </a:solidFill>
+              </a:rPr>
               <a:t>Secondary Ion Mass </a:t>
             </a:r>
             <a:r>
-              <a:rPr lang="en-US" sz="2000" dirty="0" smtClean="0"/>
+              <a:rPr lang="en-US" sz="2000" dirty="0" smtClean="0">
+                <a:solidFill>
+                  <a:schemeClr val="bg1"/>
+                </a:solidFill>
+              </a:rPr>
               <a:t>Spectrometry</a:t>
             </a:r>
             <a:r>
               <a:rPr lang="ko-KR" altLang="en-US" sz="2000" b="1" dirty="0" smtClean="0">
+                <a:solidFill>
+                  <a:schemeClr val="bg1"/>
+                </a:solidFill>
                 <a:cs typeface="Arial" pitchFamily="34" charset="0"/>
               </a:rPr>
               <a:t> </a:t>
             </a:r>
             <a:r>
               <a:rPr lang="en-US" altLang="ko-KR" sz="2000" b="1" dirty="0" smtClean="0">
+                <a:solidFill>
+                  <a:schemeClr val="bg1"/>
+                </a:solidFill>
                 <a:cs typeface="Arial" pitchFamily="34" charset="0"/>
               </a:rPr>
               <a:t>– (SIMS)</a:t>
             </a:r>
             <a:endParaRPr lang="en-US" altLang="ko-KR" sz="2000" b="1" dirty="0">
+              <a:solidFill>
+                <a:schemeClr val="bg1"/>
+              </a:solidFill>
               <a:cs typeface="Arial" pitchFamily="34" charset="0"/>
             </a:endParaRPr>
           </a:p>
@@ -18394,7 +18440,7 @@
                 <a16:creationId xmlns:a16="http://schemas.microsoft.com/office/drawing/2014/main" id="{6EB24599-0719-48BC-AB48-E49D34953116}"/>
               </a:ext>
               <a:ext uri="{C183D7F6-B498-43B3-948B-1728B52AA6E4}">
-                <adec:decorative xmlns:adec="http://schemas.microsoft.com/office/drawing/2017/decorative" xmlns="" val="1"/>
+                <adec:decorative xmlns="" xmlns:adec="http://schemas.microsoft.com/office/drawing/2017/decorative" val="1"/>
               </a:ext>
             </a:extLst>
           </p:cNvPr>
@@ -21412,7 +21458,11 @@
             </a:lstStyle>
             <a:p>
               <a:pPr eaLnBrk="1" hangingPunct="1"/>
-              <a:endParaRPr lang="en-US" altLang="en-US" dirty="0"/>
+              <a:endParaRPr lang="en-US" altLang="en-US" dirty="0">
+                <a:solidFill>
+                  <a:schemeClr val="bg1"/>
+                </a:solidFill>
+              </a:endParaRPr>
             </a:p>
           </p:txBody>
         </p:sp>
@@ -22083,7 +22133,11 @@
             <a:bodyPr/>
             <a:lstStyle/>
             <a:p>
-              <a:endParaRPr lang="en-US" dirty="0"/>
+              <a:endParaRPr lang="en-US" dirty="0">
+                <a:solidFill>
+                  <a:schemeClr val="bg1"/>
+                </a:solidFill>
+              </a:endParaRPr>
             </a:p>
           </p:txBody>
         </p:sp>
@@ -24345,7 +24399,7 @@
                 <a14:useLocalDpi xmlns:a14="http://schemas.microsoft.com/office/drawing/2010/main" val="0"/>
               </a:ext>
               <a:ext uri="{96DAC541-7B7A-43D3-8B79-37D633B846F1}">
-                <asvg:svgBlip xmlns:asvg="http://schemas.microsoft.com/office/drawing/2016/SVG/main" xmlns="" r:embed="rId4"/>
+                <asvg:svgBlip xmlns="" xmlns:asvg="http://schemas.microsoft.com/office/drawing/2016/SVG/main" r:embed="rId4"/>
               </a:ext>
             </a:extLst>
           </a:blip>
@@ -24395,7 +24449,7 @@
             <a:r>
               <a:rPr lang="en-US" altLang="ko-KR" sz="2400" dirty="0">
                 <a:solidFill>
-                  <a:schemeClr val="tx1"/>
+                  <a:schemeClr val="bg1"/>
                 </a:solidFill>
                 <a:cs typeface="Arial" pitchFamily="34" charset="0"/>
               </a:rPr>
@@ -24404,7 +24458,7 @@
             <a:r>
               <a:rPr lang="en-US" altLang="ko-KR" sz="2400" dirty="0" smtClean="0">
                 <a:solidFill>
-                  <a:schemeClr val="tx1"/>
+                  <a:schemeClr val="bg1"/>
                 </a:solidFill>
                 <a:cs typeface="Arial" pitchFamily="34" charset="0"/>
               </a:rPr>
@@ -24416,7 +24470,7 @@
             <a:r>
               <a:rPr lang="en-US" altLang="ko-KR" sz="2400" dirty="0" smtClean="0">
                 <a:solidFill>
-                  <a:schemeClr val="tx1"/>
+                  <a:schemeClr val="bg1"/>
                 </a:solidFill>
                 <a:cs typeface="Arial" pitchFamily="34" charset="0"/>
               </a:rPr>
@@ -24425,7 +24479,7 @@
             <a:r>
               <a:rPr lang="en-US" altLang="ko-KR" sz="2400" dirty="0">
                 <a:solidFill>
-                  <a:schemeClr val="tx1"/>
+                  <a:schemeClr val="bg1"/>
                 </a:solidFill>
                 <a:cs typeface="Arial" pitchFamily="34" charset="0"/>
               </a:rPr>
@@ -24434,7 +24488,7 @@
             <a:r>
               <a:rPr lang="en-US" altLang="ko-KR" sz="2400" dirty="0" smtClean="0">
                 <a:solidFill>
-                  <a:schemeClr val="tx1"/>
+                  <a:schemeClr val="bg1"/>
                 </a:solidFill>
                 <a:cs typeface="Arial" pitchFamily="34" charset="0"/>
               </a:rPr>
@@ -24442,7 +24496,7 @@
             </a:r>
             <a:endParaRPr lang="en-US" altLang="ko-KR" sz="2400" dirty="0">
               <a:solidFill>
-                <a:schemeClr val="tx1"/>
+                <a:schemeClr val="bg1"/>
               </a:solidFill>
               <a:cs typeface="Arial" pitchFamily="34" charset="0"/>
             </a:endParaRPr>
@@ -24455,7 +24509,7 @@
             <a:r>
               <a:rPr lang="en-US" altLang="ko-KR" sz="2400" dirty="0" smtClean="0">
                 <a:solidFill>
-                  <a:schemeClr val="tx1"/>
+                  <a:schemeClr val="bg1"/>
                 </a:solidFill>
                 <a:cs typeface="Arial" pitchFamily="34" charset="0"/>
               </a:rPr>
@@ -24470,7 +24524,7 @@
             <a:r>
               <a:rPr lang="en-US" altLang="ko-KR" sz="2400" dirty="0" smtClean="0">
                 <a:solidFill>
-                  <a:schemeClr val="tx1"/>
+                  <a:schemeClr val="bg1"/>
                 </a:solidFill>
                 <a:cs typeface="Arial" pitchFamily="34" charset="0"/>
               </a:rPr>
@@ -24479,7 +24533,7 @@
             <a:r>
               <a:rPr lang="en-US" altLang="ko-KR" sz="2400" dirty="0">
                 <a:solidFill>
-                  <a:schemeClr val="tx1"/>
+                  <a:schemeClr val="bg1"/>
                 </a:solidFill>
                 <a:cs typeface="Arial" pitchFamily="34" charset="0"/>
               </a:rPr>
@@ -26672,1522 +26726,7 @@
   <p:timing>
     <p:tnLst>
       <p:par>
-        <p:cTn id="1" dur="indefinite" restart="never" nodeType="tmRoot">
-          <p:childTnLst>
-            <p:seq concurrent="1" nextAc="seek">
-              <p:cTn id="2" dur="indefinite" nodeType="mainSeq">
-                <p:childTnLst>
-                  <p:par>
-                    <p:cTn id="3" fill="hold">
-                      <p:stCondLst>
-                        <p:cond delay="indefinite"/>
-                      </p:stCondLst>
-                      <p:childTnLst>
-                        <p:par>
-                          <p:cTn id="4" fill="hold">
-                            <p:stCondLst>
-                              <p:cond delay="0"/>
-                            </p:stCondLst>
-                            <p:childTnLst>
-                              <p:par>
-                                <p:cTn id="5" presetID="26" presetClass="entr" presetSubtype="0" fill="hold" nodeType="clickEffect">
-                                  <p:stCondLst>
-                                    <p:cond delay="0"/>
-                                  </p:stCondLst>
-                                  <p:childTnLst>
-                                    <p:set>
-                                      <p:cBhvr>
-                                        <p:cTn id="6" dur="1" fill="hold">
-                                          <p:stCondLst>
-                                            <p:cond delay="0"/>
-                                          </p:stCondLst>
-                                        </p:cTn>
-                                        <p:tgtEl>
-                                          <p:spTgt spid="3">
-                                            <p:txEl>
-                                              <p:pRg st="0" end="0"/>
-                                            </p:txEl>
-                                          </p:spTgt>
-                                        </p:tgtEl>
-                                        <p:attrNameLst>
-                                          <p:attrName>style.visibility</p:attrName>
-                                        </p:attrNameLst>
-                                      </p:cBhvr>
-                                      <p:to>
-                                        <p:strVal val="visible"/>
-                                      </p:to>
-                                    </p:set>
-                                    <p:animEffect transition="in" filter="wipe(down)">
-                                      <p:cBhvr>
-                                        <p:cTn id="7" dur="580">
-                                          <p:stCondLst>
-                                            <p:cond delay="0"/>
-                                          </p:stCondLst>
-                                        </p:cTn>
-                                        <p:tgtEl>
-                                          <p:spTgt spid="3">
-                                            <p:txEl>
-                                              <p:pRg st="0" end="0"/>
-                                            </p:txEl>
-                                          </p:spTgt>
-                                        </p:tgtEl>
-                                      </p:cBhvr>
-                                    </p:animEffect>
-                                    <p:anim calcmode="lin" valueType="num">
-                                      <p:cBhvr>
-                                        <p:cTn id="8" dur="1822" tmFilter="0,0; 0.14,0.36; 0.43,0.73; 0.71,0.91; 1.0,1.0">
-                                          <p:stCondLst>
-                                            <p:cond delay="0"/>
-                                          </p:stCondLst>
-                                        </p:cTn>
-                                        <p:tgtEl>
-                                          <p:spTgt spid="3">
-                                            <p:txEl>
-                                              <p:pRg st="0" end="0"/>
-                                            </p:txEl>
-                                          </p:spTgt>
-                                        </p:tgtEl>
-                                        <p:attrNameLst>
-                                          <p:attrName>ppt_x</p:attrName>
-                                        </p:attrNameLst>
-                                      </p:cBhvr>
-                                      <p:tavLst>
-                                        <p:tav tm="0">
-                                          <p:val>
-                                            <p:strVal val="#ppt_x-0.25"/>
-                                          </p:val>
-                                        </p:tav>
-                                        <p:tav tm="100000">
-                                          <p:val>
-                                            <p:strVal val="#ppt_x"/>
-                                          </p:val>
-                                        </p:tav>
-                                      </p:tavLst>
-                                    </p:anim>
-                                    <p:anim calcmode="lin" valueType="num">
-                                      <p:cBhvr>
-                                        <p:cTn id="9" dur="664" tmFilter="0.0,0.0; 0.25,0.07; 0.50,0.2; 0.75,0.467; 1.0,1.0">
-                                          <p:stCondLst>
-                                            <p:cond delay="0"/>
-                                          </p:stCondLst>
-                                        </p:cTn>
-                                        <p:tgtEl>
-                                          <p:spTgt spid="3">
-                                            <p:txEl>
-                                              <p:pRg st="0" end="0"/>
-                                            </p:txEl>
-                                          </p:spTgt>
-                                        </p:tgtEl>
-                                        <p:attrNameLst>
-                                          <p:attrName>ppt_y</p:attrName>
-                                        </p:attrNameLst>
-                                      </p:cBhvr>
-                                      <p:tavLst>
-                                        <p:tav tm="0" fmla="#ppt_y-sin(pi*$)/3">
-                                          <p:val>
-                                            <p:fltVal val="0.5"/>
-                                          </p:val>
-                                        </p:tav>
-                                        <p:tav tm="100000">
-                                          <p:val>
-                                            <p:fltVal val="1"/>
-                                          </p:val>
-                                        </p:tav>
-                                      </p:tavLst>
-                                    </p:anim>
-                                    <p:anim calcmode="lin" valueType="num">
-                                      <p:cBhvr>
-                                        <p:cTn id="10" dur="664" tmFilter="0, 0; 0.125,0.2665; 0.25,0.4; 0.375,0.465; 0.5,0.5;  0.625,0.535; 0.75,0.6; 0.875,0.7335; 1,1">
-                                          <p:stCondLst>
-                                            <p:cond delay="664"/>
-                                          </p:stCondLst>
-                                        </p:cTn>
-                                        <p:tgtEl>
-                                          <p:spTgt spid="3">
-                                            <p:txEl>
-                                              <p:pRg st="0" end="0"/>
-                                            </p:txEl>
-                                          </p:spTgt>
-                                        </p:tgtEl>
-                                        <p:attrNameLst>
-                                          <p:attrName>ppt_y</p:attrName>
-                                        </p:attrNameLst>
-                                      </p:cBhvr>
-                                      <p:tavLst>
-                                        <p:tav tm="0" fmla="#ppt_y-sin(pi*$)/9">
-                                          <p:val>
-                                            <p:fltVal val="0"/>
-                                          </p:val>
-                                        </p:tav>
-                                        <p:tav tm="100000">
-                                          <p:val>
-                                            <p:fltVal val="1"/>
-                                          </p:val>
-                                        </p:tav>
-                                      </p:tavLst>
-                                    </p:anim>
-                                    <p:anim calcmode="lin" valueType="num">
-                                      <p:cBhvr>
-                                        <p:cTn id="11" dur="332" tmFilter="0, 0; 0.125,0.2665; 0.25,0.4; 0.375,0.465; 0.5,0.5;  0.625,0.535; 0.75,0.6; 0.875,0.7335; 1,1">
-                                          <p:stCondLst>
-                                            <p:cond delay="1324"/>
-                                          </p:stCondLst>
-                                        </p:cTn>
-                                        <p:tgtEl>
-                                          <p:spTgt spid="3">
-                                            <p:txEl>
-                                              <p:pRg st="0" end="0"/>
-                                            </p:txEl>
-                                          </p:spTgt>
-                                        </p:tgtEl>
-                                        <p:attrNameLst>
-                                          <p:attrName>ppt_y</p:attrName>
-                                        </p:attrNameLst>
-                                      </p:cBhvr>
-                                      <p:tavLst>
-                                        <p:tav tm="0" fmla="#ppt_y-sin(pi*$)/27">
-                                          <p:val>
-                                            <p:fltVal val="0"/>
-                                          </p:val>
-                                        </p:tav>
-                                        <p:tav tm="100000">
-                                          <p:val>
-                                            <p:fltVal val="1"/>
-                                          </p:val>
-                                        </p:tav>
-                                      </p:tavLst>
-                                    </p:anim>
-                                    <p:anim calcmode="lin" valueType="num">
-                                      <p:cBhvr>
-                                        <p:cTn id="12" dur="164" tmFilter="0, 0; 0.125,0.2665; 0.25,0.4; 0.375,0.465; 0.5,0.5;  0.625,0.535; 0.75,0.6; 0.875,0.7335; 1,1">
-                                          <p:stCondLst>
-                                            <p:cond delay="1656"/>
-                                          </p:stCondLst>
-                                        </p:cTn>
-                                        <p:tgtEl>
-                                          <p:spTgt spid="3">
-                                            <p:txEl>
-                                              <p:pRg st="0" end="0"/>
-                                            </p:txEl>
-                                          </p:spTgt>
-                                        </p:tgtEl>
-                                        <p:attrNameLst>
-                                          <p:attrName>ppt_y</p:attrName>
-                                        </p:attrNameLst>
-                                      </p:cBhvr>
-                                      <p:tavLst>
-                                        <p:tav tm="0" fmla="#ppt_y-sin(pi*$)/81">
-                                          <p:val>
-                                            <p:fltVal val="0"/>
-                                          </p:val>
-                                        </p:tav>
-                                        <p:tav tm="100000">
-                                          <p:val>
-                                            <p:fltVal val="1"/>
-                                          </p:val>
-                                        </p:tav>
-                                      </p:tavLst>
-                                    </p:anim>
-                                    <p:animScale>
-                                      <p:cBhvr>
-                                        <p:cTn id="13" dur="26">
-                                          <p:stCondLst>
-                                            <p:cond delay="650"/>
-                                          </p:stCondLst>
-                                        </p:cTn>
-                                        <p:tgtEl>
-                                          <p:spTgt spid="3">
-                                            <p:txEl>
-                                              <p:pRg st="0" end="0"/>
-                                            </p:txEl>
-                                          </p:spTgt>
-                                        </p:tgtEl>
-                                      </p:cBhvr>
-                                      <p:to x="100000" y="60000"/>
-                                    </p:animScale>
-                                    <p:animScale>
-                                      <p:cBhvr>
-                                        <p:cTn id="14" dur="166" decel="50000">
-                                          <p:stCondLst>
-                                            <p:cond delay="676"/>
-                                          </p:stCondLst>
-                                        </p:cTn>
-                                        <p:tgtEl>
-                                          <p:spTgt spid="3">
-                                            <p:txEl>
-                                              <p:pRg st="0" end="0"/>
-                                            </p:txEl>
-                                          </p:spTgt>
-                                        </p:tgtEl>
-                                      </p:cBhvr>
-                                      <p:to x="100000" y="100000"/>
-                                    </p:animScale>
-                                    <p:animScale>
-                                      <p:cBhvr>
-                                        <p:cTn id="15" dur="26">
-                                          <p:stCondLst>
-                                            <p:cond delay="1312"/>
-                                          </p:stCondLst>
-                                        </p:cTn>
-                                        <p:tgtEl>
-                                          <p:spTgt spid="3">
-                                            <p:txEl>
-                                              <p:pRg st="0" end="0"/>
-                                            </p:txEl>
-                                          </p:spTgt>
-                                        </p:tgtEl>
-                                      </p:cBhvr>
-                                      <p:to x="100000" y="80000"/>
-                                    </p:animScale>
-                                    <p:animScale>
-                                      <p:cBhvr>
-                                        <p:cTn id="16" dur="166" decel="50000">
-                                          <p:stCondLst>
-                                            <p:cond delay="1338"/>
-                                          </p:stCondLst>
-                                        </p:cTn>
-                                        <p:tgtEl>
-                                          <p:spTgt spid="3">
-                                            <p:txEl>
-                                              <p:pRg st="0" end="0"/>
-                                            </p:txEl>
-                                          </p:spTgt>
-                                        </p:tgtEl>
-                                      </p:cBhvr>
-                                      <p:to x="100000" y="100000"/>
-                                    </p:animScale>
-                                    <p:animScale>
-                                      <p:cBhvr>
-                                        <p:cTn id="17" dur="26">
-                                          <p:stCondLst>
-                                            <p:cond delay="1642"/>
-                                          </p:stCondLst>
-                                        </p:cTn>
-                                        <p:tgtEl>
-                                          <p:spTgt spid="3">
-                                            <p:txEl>
-                                              <p:pRg st="0" end="0"/>
-                                            </p:txEl>
-                                          </p:spTgt>
-                                        </p:tgtEl>
-                                      </p:cBhvr>
-                                      <p:to x="100000" y="90000"/>
-                                    </p:animScale>
-                                    <p:animScale>
-                                      <p:cBhvr>
-                                        <p:cTn id="18" dur="166" decel="50000">
-                                          <p:stCondLst>
-                                            <p:cond delay="1668"/>
-                                          </p:stCondLst>
-                                        </p:cTn>
-                                        <p:tgtEl>
-                                          <p:spTgt spid="3">
-                                            <p:txEl>
-                                              <p:pRg st="0" end="0"/>
-                                            </p:txEl>
-                                          </p:spTgt>
-                                        </p:tgtEl>
-                                      </p:cBhvr>
-                                      <p:to x="100000" y="100000"/>
-                                    </p:animScale>
-                                    <p:animScale>
-                                      <p:cBhvr>
-                                        <p:cTn id="19" dur="26">
-                                          <p:stCondLst>
-                                            <p:cond delay="1808"/>
-                                          </p:stCondLst>
-                                        </p:cTn>
-                                        <p:tgtEl>
-                                          <p:spTgt spid="3">
-                                            <p:txEl>
-                                              <p:pRg st="0" end="0"/>
-                                            </p:txEl>
-                                          </p:spTgt>
-                                        </p:tgtEl>
-                                      </p:cBhvr>
-                                      <p:to x="100000" y="95000"/>
-                                    </p:animScale>
-                                    <p:animScale>
-                                      <p:cBhvr>
-                                        <p:cTn id="20" dur="166" decel="50000">
-                                          <p:stCondLst>
-                                            <p:cond delay="1834"/>
-                                          </p:stCondLst>
-                                        </p:cTn>
-                                        <p:tgtEl>
-                                          <p:spTgt spid="3">
-                                            <p:txEl>
-                                              <p:pRg st="0" end="0"/>
-                                            </p:txEl>
-                                          </p:spTgt>
-                                        </p:tgtEl>
-                                      </p:cBhvr>
-                                      <p:to x="100000" y="100000"/>
-                                    </p:animScale>
-                                  </p:childTnLst>
-                                </p:cTn>
-                              </p:par>
-                              <p:par>
-                                <p:cTn id="21" presetID="26" presetClass="entr" presetSubtype="0" fill="hold" nodeType="withEffect">
-                                  <p:stCondLst>
-                                    <p:cond delay="0"/>
-                                  </p:stCondLst>
-                                  <p:childTnLst>
-                                    <p:set>
-                                      <p:cBhvr>
-                                        <p:cTn id="22" dur="1" fill="hold">
-                                          <p:stCondLst>
-                                            <p:cond delay="0"/>
-                                          </p:stCondLst>
-                                        </p:cTn>
-                                        <p:tgtEl>
-                                          <p:spTgt spid="3">
-                                            <p:txEl>
-                                              <p:pRg st="1" end="1"/>
-                                            </p:txEl>
-                                          </p:spTgt>
-                                        </p:tgtEl>
-                                        <p:attrNameLst>
-                                          <p:attrName>style.visibility</p:attrName>
-                                        </p:attrNameLst>
-                                      </p:cBhvr>
-                                      <p:to>
-                                        <p:strVal val="visible"/>
-                                      </p:to>
-                                    </p:set>
-                                    <p:animEffect transition="in" filter="wipe(down)">
-                                      <p:cBhvr>
-                                        <p:cTn id="23" dur="580">
-                                          <p:stCondLst>
-                                            <p:cond delay="0"/>
-                                          </p:stCondLst>
-                                        </p:cTn>
-                                        <p:tgtEl>
-                                          <p:spTgt spid="3">
-                                            <p:txEl>
-                                              <p:pRg st="1" end="1"/>
-                                            </p:txEl>
-                                          </p:spTgt>
-                                        </p:tgtEl>
-                                      </p:cBhvr>
-                                    </p:animEffect>
-                                    <p:anim calcmode="lin" valueType="num">
-                                      <p:cBhvr>
-                                        <p:cTn id="24" dur="1822" tmFilter="0,0; 0.14,0.36; 0.43,0.73; 0.71,0.91; 1.0,1.0">
-                                          <p:stCondLst>
-                                            <p:cond delay="0"/>
-                                          </p:stCondLst>
-                                        </p:cTn>
-                                        <p:tgtEl>
-                                          <p:spTgt spid="3">
-                                            <p:txEl>
-                                              <p:pRg st="1" end="1"/>
-                                            </p:txEl>
-                                          </p:spTgt>
-                                        </p:tgtEl>
-                                        <p:attrNameLst>
-                                          <p:attrName>ppt_x</p:attrName>
-                                        </p:attrNameLst>
-                                      </p:cBhvr>
-                                      <p:tavLst>
-                                        <p:tav tm="0">
-                                          <p:val>
-                                            <p:strVal val="#ppt_x-0.25"/>
-                                          </p:val>
-                                        </p:tav>
-                                        <p:tav tm="100000">
-                                          <p:val>
-                                            <p:strVal val="#ppt_x"/>
-                                          </p:val>
-                                        </p:tav>
-                                      </p:tavLst>
-                                    </p:anim>
-                                    <p:anim calcmode="lin" valueType="num">
-                                      <p:cBhvr>
-                                        <p:cTn id="25" dur="664" tmFilter="0.0,0.0; 0.25,0.07; 0.50,0.2; 0.75,0.467; 1.0,1.0">
-                                          <p:stCondLst>
-                                            <p:cond delay="0"/>
-                                          </p:stCondLst>
-                                        </p:cTn>
-                                        <p:tgtEl>
-                                          <p:spTgt spid="3">
-                                            <p:txEl>
-                                              <p:pRg st="1" end="1"/>
-                                            </p:txEl>
-                                          </p:spTgt>
-                                        </p:tgtEl>
-                                        <p:attrNameLst>
-                                          <p:attrName>ppt_y</p:attrName>
-                                        </p:attrNameLst>
-                                      </p:cBhvr>
-                                      <p:tavLst>
-                                        <p:tav tm="0" fmla="#ppt_y-sin(pi*$)/3">
-                                          <p:val>
-                                            <p:fltVal val="0.5"/>
-                                          </p:val>
-                                        </p:tav>
-                                        <p:tav tm="100000">
-                                          <p:val>
-                                            <p:fltVal val="1"/>
-                                          </p:val>
-                                        </p:tav>
-                                      </p:tavLst>
-                                    </p:anim>
-                                    <p:anim calcmode="lin" valueType="num">
-                                      <p:cBhvr>
-                                        <p:cTn id="26" dur="664" tmFilter="0, 0; 0.125,0.2665; 0.25,0.4; 0.375,0.465; 0.5,0.5;  0.625,0.535; 0.75,0.6; 0.875,0.7335; 1,1">
-                                          <p:stCondLst>
-                                            <p:cond delay="664"/>
-                                          </p:stCondLst>
-                                        </p:cTn>
-                                        <p:tgtEl>
-                                          <p:spTgt spid="3">
-                                            <p:txEl>
-                                              <p:pRg st="1" end="1"/>
-                                            </p:txEl>
-                                          </p:spTgt>
-                                        </p:tgtEl>
-                                        <p:attrNameLst>
-                                          <p:attrName>ppt_y</p:attrName>
-                                        </p:attrNameLst>
-                                      </p:cBhvr>
-                                      <p:tavLst>
-                                        <p:tav tm="0" fmla="#ppt_y-sin(pi*$)/9">
-                                          <p:val>
-                                            <p:fltVal val="0"/>
-                                          </p:val>
-                                        </p:tav>
-                                        <p:tav tm="100000">
-                                          <p:val>
-                                            <p:fltVal val="1"/>
-                                          </p:val>
-                                        </p:tav>
-                                      </p:tavLst>
-                                    </p:anim>
-                                    <p:anim calcmode="lin" valueType="num">
-                                      <p:cBhvr>
-                                        <p:cTn id="27" dur="332" tmFilter="0, 0; 0.125,0.2665; 0.25,0.4; 0.375,0.465; 0.5,0.5;  0.625,0.535; 0.75,0.6; 0.875,0.7335; 1,1">
-                                          <p:stCondLst>
-                                            <p:cond delay="1324"/>
-                                          </p:stCondLst>
-                                        </p:cTn>
-                                        <p:tgtEl>
-                                          <p:spTgt spid="3">
-                                            <p:txEl>
-                                              <p:pRg st="1" end="1"/>
-                                            </p:txEl>
-                                          </p:spTgt>
-                                        </p:tgtEl>
-                                        <p:attrNameLst>
-                                          <p:attrName>ppt_y</p:attrName>
-                                        </p:attrNameLst>
-                                      </p:cBhvr>
-                                      <p:tavLst>
-                                        <p:tav tm="0" fmla="#ppt_y-sin(pi*$)/27">
-                                          <p:val>
-                                            <p:fltVal val="0"/>
-                                          </p:val>
-                                        </p:tav>
-                                        <p:tav tm="100000">
-                                          <p:val>
-                                            <p:fltVal val="1"/>
-                                          </p:val>
-                                        </p:tav>
-                                      </p:tavLst>
-                                    </p:anim>
-                                    <p:anim calcmode="lin" valueType="num">
-                                      <p:cBhvr>
-                                        <p:cTn id="28" dur="164" tmFilter="0, 0; 0.125,0.2665; 0.25,0.4; 0.375,0.465; 0.5,0.5;  0.625,0.535; 0.75,0.6; 0.875,0.7335; 1,1">
-                                          <p:stCondLst>
-                                            <p:cond delay="1656"/>
-                                          </p:stCondLst>
-                                        </p:cTn>
-                                        <p:tgtEl>
-                                          <p:spTgt spid="3">
-                                            <p:txEl>
-                                              <p:pRg st="1" end="1"/>
-                                            </p:txEl>
-                                          </p:spTgt>
-                                        </p:tgtEl>
-                                        <p:attrNameLst>
-                                          <p:attrName>ppt_y</p:attrName>
-                                        </p:attrNameLst>
-                                      </p:cBhvr>
-                                      <p:tavLst>
-                                        <p:tav tm="0" fmla="#ppt_y-sin(pi*$)/81">
-                                          <p:val>
-                                            <p:fltVal val="0"/>
-                                          </p:val>
-                                        </p:tav>
-                                        <p:tav tm="100000">
-                                          <p:val>
-                                            <p:fltVal val="1"/>
-                                          </p:val>
-                                        </p:tav>
-                                      </p:tavLst>
-                                    </p:anim>
-                                    <p:animScale>
-                                      <p:cBhvr>
-                                        <p:cTn id="29" dur="26">
-                                          <p:stCondLst>
-                                            <p:cond delay="650"/>
-                                          </p:stCondLst>
-                                        </p:cTn>
-                                        <p:tgtEl>
-                                          <p:spTgt spid="3">
-                                            <p:txEl>
-                                              <p:pRg st="1" end="1"/>
-                                            </p:txEl>
-                                          </p:spTgt>
-                                        </p:tgtEl>
-                                      </p:cBhvr>
-                                      <p:to x="100000" y="60000"/>
-                                    </p:animScale>
-                                    <p:animScale>
-                                      <p:cBhvr>
-                                        <p:cTn id="30" dur="166" decel="50000">
-                                          <p:stCondLst>
-                                            <p:cond delay="676"/>
-                                          </p:stCondLst>
-                                        </p:cTn>
-                                        <p:tgtEl>
-                                          <p:spTgt spid="3">
-                                            <p:txEl>
-                                              <p:pRg st="1" end="1"/>
-                                            </p:txEl>
-                                          </p:spTgt>
-                                        </p:tgtEl>
-                                      </p:cBhvr>
-                                      <p:to x="100000" y="100000"/>
-                                    </p:animScale>
-                                    <p:animScale>
-                                      <p:cBhvr>
-                                        <p:cTn id="31" dur="26">
-                                          <p:stCondLst>
-                                            <p:cond delay="1312"/>
-                                          </p:stCondLst>
-                                        </p:cTn>
-                                        <p:tgtEl>
-                                          <p:spTgt spid="3">
-                                            <p:txEl>
-                                              <p:pRg st="1" end="1"/>
-                                            </p:txEl>
-                                          </p:spTgt>
-                                        </p:tgtEl>
-                                      </p:cBhvr>
-                                      <p:to x="100000" y="80000"/>
-                                    </p:animScale>
-                                    <p:animScale>
-                                      <p:cBhvr>
-                                        <p:cTn id="32" dur="166" decel="50000">
-                                          <p:stCondLst>
-                                            <p:cond delay="1338"/>
-                                          </p:stCondLst>
-                                        </p:cTn>
-                                        <p:tgtEl>
-                                          <p:spTgt spid="3">
-                                            <p:txEl>
-                                              <p:pRg st="1" end="1"/>
-                                            </p:txEl>
-                                          </p:spTgt>
-                                        </p:tgtEl>
-                                      </p:cBhvr>
-                                      <p:to x="100000" y="100000"/>
-                                    </p:animScale>
-                                    <p:animScale>
-                                      <p:cBhvr>
-                                        <p:cTn id="33" dur="26">
-                                          <p:stCondLst>
-                                            <p:cond delay="1642"/>
-                                          </p:stCondLst>
-                                        </p:cTn>
-                                        <p:tgtEl>
-                                          <p:spTgt spid="3">
-                                            <p:txEl>
-                                              <p:pRg st="1" end="1"/>
-                                            </p:txEl>
-                                          </p:spTgt>
-                                        </p:tgtEl>
-                                      </p:cBhvr>
-                                      <p:to x="100000" y="90000"/>
-                                    </p:animScale>
-                                    <p:animScale>
-                                      <p:cBhvr>
-                                        <p:cTn id="34" dur="166" decel="50000">
-                                          <p:stCondLst>
-                                            <p:cond delay="1668"/>
-                                          </p:stCondLst>
-                                        </p:cTn>
-                                        <p:tgtEl>
-                                          <p:spTgt spid="3">
-                                            <p:txEl>
-                                              <p:pRg st="1" end="1"/>
-                                            </p:txEl>
-                                          </p:spTgt>
-                                        </p:tgtEl>
-                                      </p:cBhvr>
-                                      <p:to x="100000" y="100000"/>
-                                    </p:animScale>
-                                    <p:animScale>
-                                      <p:cBhvr>
-                                        <p:cTn id="35" dur="26">
-                                          <p:stCondLst>
-                                            <p:cond delay="1808"/>
-                                          </p:stCondLst>
-                                        </p:cTn>
-                                        <p:tgtEl>
-                                          <p:spTgt spid="3">
-                                            <p:txEl>
-                                              <p:pRg st="1" end="1"/>
-                                            </p:txEl>
-                                          </p:spTgt>
-                                        </p:tgtEl>
-                                      </p:cBhvr>
-                                      <p:to x="100000" y="95000"/>
-                                    </p:animScale>
-                                    <p:animScale>
-                                      <p:cBhvr>
-                                        <p:cTn id="36" dur="166" decel="50000">
-                                          <p:stCondLst>
-                                            <p:cond delay="1834"/>
-                                          </p:stCondLst>
-                                        </p:cTn>
-                                        <p:tgtEl>
-                                          <p:spTgt spid="3">
-                                            <p:txEl>
-                                              <p:pRg st="1" end="1"/>
-                                            </p:txEl>
-                                          </p:spTgt>
-                                        </p:tgtEl>
-                                      </p:cBhvr>
-                                      <p:to x="100000" y="100000"/>
-                                    </p:animScale>
-                                  </p:childTnLst>
-                                </p:cTn>
-                              </p:par>
-                              <p:par>
-                                <p:cTn id="37" presetID="26" presetClass="entr" presetSubtype="0" fill="hold" nodeType="withEffect">
-                                  <p:stCondLst>
-                                    <p:cond delay="0"/>
-                                  </p:stCondLst>
-                                  <p:childTnLst>
-                                    <p:set>
-                                      <p:cBhvr>
-                                        <p:cTn id="38" dur="1" fill="hold">
-                                          <p:stCondLst>
-                                            <p:cond delay="0"/>
-                                          </p:stCondLst>
-                                        </p:cTn>
-                                        <p:tgtEl>
-                                          <p:spTgt spid="3">
-                                            <p:txEl>
-                                              <p:pRg st="2" end="2"/>
-                                            </p:txEl>
-                                          </p:spTgt>
-                                        </p:tgtEl>
-                                        <p:attrNameLst>
-                                          <p:attrName>style.visibility</p:attrName>
-                                        </p:attrNameLst>
-                                      </p:cBhvr>
-                                      <p:to>
-                                        <p:strVal val="visible"/>
-                                      </p:to>
-                                    </p:set>
-                                    <p:animEffect transition="in" filter="wipe(down)">
-                                      <p:cBhvr>
-                                        <p:cTn id="39" dur="580">
-                                          <p:stCondLst>
-                                            <p:cond delay="0"/>
-                                          </p:stCondLst>
-                                        </p:cTn>
-                                        <p:tgtEl>
-                                          <p:spTgt spid="3">
-                                            <p:txEl>
-                                              <p:pRg st="2" end="2"/>
-                                            </p:txEl>
-                                          </p:spTgt>
-                                        </p:tgtEl>
-                                      </p:cBhvr>
-                                    </p:animEffect>
-                                    <p:anim calcmode="lin" valueType="num">
-                                      <p:cBhvr>
-                                        <p:cTn id="40" dur="1822" tmFilter="0,0; 0.14,0.36; 0.43,0.73; 0.71,0.91; 1.0,1.0">
-                                          <p:stCondLst>
-                                            <p:cond delay="0"/>
-                                          </p:stCondLst>
-                                        </p:cTn>
-                                        <p:tgtEl>
-                                          <p:spTgt spid="3">
-                                            <p:txEl>
-                                              <p:pRg st="2" end="2"/>
-                                            </p:txEl>
-                                          </p:spTgt>
-                                        </p:tgtEl>
-                                        <p:attrNameLst>
-                                          <p:attrName>ppt_x</p:attrName>
-                                        </p:attrNameLst>
-                                      </p:cBhvr>
-                                      <p:tavLst>
-                                        <p:tav tm="0">
-                                          <p:val>
-                                            <p:strVal val="#ppt_x-0.25"/>
-                                          </p:val>
-                                        </p:tav>
-                                        <p:tav tm="100000">
-                                          <p:val>
-                                            <p:strVal val="#ppt_x"/>
-                                          </p:val>
-                                        </p:tav>
-                                      </p:tavLst>
-                                    </p:anim>
-                                    <p:anim calcmode="lin" valueType="num">
-                                      <p:cBhvr>
-                                        <p:cTn id="41" dur="664" tmFilter="0.0,0.0; 0.25,0.07; 0.50,0.2; 0.75,0.467; 1.0,1.0">
-                                          <p:stCondLst>
-                                            <p:cond delay="0"/>
-                                          </p:stCondLst>
-                                        </p:cTn>
-                                        <p:tgtEl>
-                                          <p:spTgt spid="3">
-                                            <p:txEl>
-                                              <p:pRg st="2" end="2"/>
-                                            </p:txEl>
-                                          </p:spTgt>
-                                        </p:tgtEl>
-                                        <p:attrNameLst>
-                                          <p:attrName>ppt_y</p:attrName>
-                                        </p:attrNameLst>
-                                      </p:cBhvr>
-                                      <p:tavLst>
-                                        <p:tav tm="0" fmla="#ppt_y-sin(pi*$)/3">
-                                          <p:val>
-                                            <p:fltVal val="0.5"/>
-                                          </p:val>
-                                        </p:tav>
-                                        <p:tav tm="100000">
-                                          <p:val>
-                                            <p:fltVal val="1"/>
-                                          </p:val>
-                                        </p:tav>
-                                      </p:tavLst>
-                                    </p:anim>
-                                    <p:anim calcmode="lin" valueType="num">
-                                      <p:cBhvr>
-                                        <p:cTn id="42" dur="664" tmFilter="0, 0; 0.125,0.2665; 0.25,0.4; 0.375,0.465; 0.5,0.5;  0.625,0.535; 0.75,0.6; 0.875,0.7335; 1,1">
-                                          <p:stCondLst>
-                                            <p:cond delay="664"/>
-                                          </p:stCondLst>
-                                        </p:cTn>
-                                        <p:tgtEl>
-                                          <p:spTgt spid="3">
-                                            <p:txEl>
-                                              <p:pRg st="2" end="2"/>
-                                            </p:txEl>
-                                          </p:spTgt>
-                                        </p:tgtEl>
-                                        <p:attrNameLst>
-                                          <p:attrName>ppt_y</p:attrName>
-                                        </p:attrNameLst>
-                                      </p:cBhvr>
-                                      <p:tavLst>
-                                        <p:tav tm="0" fmla="#ppt_y-sin(pi*$)/9">
-                                          <p:val>
-                                            <p:fltVal val="0"/>
-                                          </p:val>
-                                        </p:tav>
-                                        <p:tav tm="100000">
-                                          <p:val>
-                                            <p:fltVal val="1"/>
-                                          </p:val>
-                                        </p:tav>
-                                      </p:tavLst>
-                                    </p:anim>
-                                    <p:anim calcmode="lin" valueType="num">
-                                      <p:cBhvr>
-                                        <p:cTn id="43" dur="332" tmFilter="0, 0; 0.125,0.2665; 0.25,0.4; 0.375,0.465; 0.5,0.5;  0.625,0.535; 0.75,0.6; 0.875,0.7335; 1,1">
-                                          <p:stCondLst>
-                                            <p:cond delay="1324"/>
-                                          </p:stCondLst>
-                                        </p:cTn>
-                                        <p:tgtEl>
-                                          <p:spTgt spid="3">
-                                            <p:txEl>
-                                              <p:pRg st="2" end="2"/>
-                                            </p:txEl>
-                                          </p:spTgt>
-                                        </p:tgtEl>
-                                        <p:attrNameLst>
-                                          <p:attrName>ppt_y</p:attrName>
-                                        </p:attrNameLst>
-                                      </p:cBhvr>
-                                      <p:tavLst>
-                                        <p:tav tm="0" fmla="#ppt_y-sin(pi*$)/27">
-                                          <p:val>
-                                            <p:fltVal val="0"/>
-                                          </p:val>
-                                        </p:tav>
-                                        <p:tav tm="100000">
-                                          <p:val>
-                                            <p:fltVal val="1"/>
-                                          </p:val>
-                                        </p:tav>
-                                      </p:tavLst>
-                                    </p:anim>
-                                    <p:anim calcmode="lin" valueType="num">
-                                      <p:cBhvr>
-                                        <p:cTn id="44" dur="164" tmFilter="0, 0; 0.125,0.2665; 0.25,0.4; 0.375,0.465; 0.5,0.5;  0.625,0.535; 0.75,0.6; 0.875,0.7335; 1,1">
-                                          <p:stCondLst>
-                                            <p:cond delay="1656"/>
-                                          </p:stCondLst>
-                                        </p:cTn>
-                                        <p:tgtEl>
-                                          <p:spTgt spid="3">
-                                            <p:txEl>
-                                              <p:pRg st="2" end="2"/>
-                                            </p:txEl>
-                                          </p:spTgt>
-                                        </p:tgtEl>
-                                        <p:attrNameLst>
-                                          <p:attrName>ppt_y</p:attrName>
-                                        </p:attrNameLst>
-                                      </p:cBhvr>
-                                      <p:tavLst>
-                                        <p:tav tm="0" fmla="#ppt_y-sin(pi*$)/81">
-                                          <p:val>
-                                            <p:fltVal val="0"/>
-                                          </p:val>
-                                        </p:tav>
-                                        <p:tav tm="100000">
-                                          <p:val>
-                                            <p:fltVal val="1"/>
-                                          </p:val>
-                                        </p:tav>
-                                      </p:tavLst>
-                                    </p:anim>
-                                    <p:animScale>
-                                      <p:cBhvr>
-                                        <p:cTn id="45" dur="26">
-                                          <p:stCondLst>
-                                            <p:cond delay="650"/>
-                                          </p:stCondLst>
-                                        </p:cTn>
-                                        <p:tgtEl>
-                                          <p:spTgt spid="3">
-                                            <p:txEl>
-                                              <p:pRg st="2" end="2"/>
-                                            </p:txEl>
-                                          </p:spTgt>
-                                        </p:tgtEl>
-                                      </p:cBhvr>
-                                      <p:to x="100000" y="60000"/>
-                                    </p:animScale>
-                                    <p:animScale>
-                                      <p:cBhvr>
-                                        <p:cTn id="46" dur="166" decel="50000">
-                                          <p:stCondLst>
-                                            <p:cond delay="676"/>
-                                          </p:stCondLst>
-                                        </p:cTn>
-                                        <p:tgtEl>
-                                          <p:spTgt spid="3">
-                                            <p:txEl>
-                                              <p:pRg st="2" end="2"/>
-                                            </p:txEl>
-                                          </p:spTgt>
-                                        </p:tgtEl>
-                                      </p:cBhvr>
-                                      <p:to x="100000" y="100000"/>
-                                    </p:animScale>
-                                    <p:animScale>
-                                      <p:cBhvr>
-                                        <p:cTn id="47" dur="26">
-                                          <p:stCondLst>
-                                            <p:cond delay="1312"/>
-                                          </p:stCondLst>
-                                        </p:cTn>
-                                        <p:tgtEl>
-                                          <p:spTgt spid="3">
-                                            <p:txEl>
-                                              <p:pRg st="2" end="2"/>
-                                            </p:txEl>
-                                          </p:spTgt>
-                                        </p:tgtEl>
-                                      </p:cBhvr>
-                                      <p:to x="100000" y="80000"/>
-                                    </p:animScale>
-                                    <p:animScale>
-                                      <p:cBhvr>
-                                        <p:cTn id="48" dur="166" decel="50000">
-                                          <p:stCondLst>
-                                            <p:cond delay="1338"/>
-                                          </p:stCondLst>
-                                        </p:cTn>
-                                        <p:tgtEl>
-                                          <p:spTgt spid="3">
-                                            <p:txEl>
-                                              <p:pRg st="2" end="2"/>
-                                            </p:txEl>
-                                          </p:spTgt>
-                                        </p:tgtEl>
-                                      </p:cBhvr>
-                                      <p:to x="100000" y="100000"/>
-                                    </p:animScale>
-                                    <p:animScale>
-                                      <p:cBhvr>
-                                        <p:cTn id="49" dur="26">
-                                          <p:stCondLst>
-                                            <p:cond delay="1642"/>
-                                          </p:stCondLst>
-                                        </p:cTn>
-                                        <p:tgtEl>
-                                          <p:spTgt spid="3">
-                                            <p:txEl>
-                                              <p:pRg st="2" end="2"/>
-                                            </p:txEl>
-                                          </p:spTgt>
-                                        </p:tgtEl>
-                                      </p:cBhvr>
-                                      <p:to x="100000" y="90000"/>
-                                    </p:animScale>
-                                    <p:animScale>
-                                      <p:cBhvr>
-                                        <p:cTn id="50" dur="166" decel="50000">
-                                          <p:stCondLst>
-                                            <p:cond delay="1668"/>
-                                          </p:stCondLst>
-                                        </p:cTn>
-                                        <p:tgtEl>
-                                          <p:spTgt spid="3">
-                                            <p:txEl>
-                                              <p:pRg st="2" end="2"/>
-                                            </p:txEl>
-                                          </p:spTgt>
-                                        </p:tgtEl>
-                                      </p:cBhvr>
-                                      <p:to x="100000" y="100000"/>
-                                    </p:animScale>
-                                    <p:animScale>
-                                      <p:cBhvr>
-                                        <p:cTn id="51" dur="26">
-                                          <p:stCondLst>
-                                            <p:cond delay="1808"/>
-                                          </p:stCondLst>
-                                        </p:cTn>
-                                        <p:tgtEl>
-                                          <p:spTgt spid="3">
-                                            <p:txEl>
-                                              <p:pRg st="2" end="2"/>
-                                            </p:txEl>
-                                          </p:spTgt>
-                                        </p:tgtEl>
-                                      </p:cBhvr>
-                                      <p:to x="100000" y="95000"/>
-                                    </p:animScale>
-                                    <p:animScale>
-                                      <p:cBhvr>
-                                        <p:cTn id="52" dur="166" decel="50000">
-                                          <p:stCondLst>
-                                            <p:cond delay="1834"/>
-                                          </p:stCondLst>
-                                        </p:cTn>
-                                        <p:tgtEl>
-                                          <p:spTgt spid="3">
-                                            <p:txEl>
-                                              <p:pRg st="2" end="2"/>
-                                            </p:txEl>
-                                          </p:spTgt>
-                                        </p:tgtEl>
-                                      </p:cBhvr>
-                                      <p:to x="100000" y="100000"/>
-                                    </p:animScale>
-                                  </p:childTnLst>
-                                </p:cTn>
-                              </p:par>
-                              <p:par>
-                                <p:cTn id="53" presetID="26" presetClass="entr" presetSubtype="0" fill="hold" nodeType="withEffect">
-                                  <p:stCondLst>
-                                    <p:cond delay="0"/>
-                                  </p:stCondLst>
-                                  <p:childTnLst>
-                                    <p:set>
-                                      <p:cBhvr>
-                                        <p:cTn id="54" dur="1" fill="hold">
-                                          <p:stCondLst>
-                                            <p:cond delay="0"/>
-                                          </p:stCondLst>
-                                        </p:cTn>
-                                        <p:tgtEl>
-                                          <p:spTgt spid="3">
-                                            <p:txEl>
-                                              <p:pRg st="3" end="3"/>
-                                            </p:txEl>
-                                          </p:spTgt>
-                                        </p:tgtEl>
-                                        <p:attrNameLst>
-                                          <p:attrName>style.visibility</p:attrName>
-                                        </p:attrNameLst>
-                                      </p:cBhvr>
-                                      <p:to>
-                                        <p:strVal val="visible"/>
-                                      </p:to>
-                                    </p:set>
-                                    <p:animEffect transition="in" filter="wipe(down)">
-                                      <p:cBhvr>
-                                        <p:cTn id="55" dur="580">
-                                          <p:stCondLst>
-                                            <p:cond delay="0"/>
-                                          </p:stCondLst>
-                                        </p:cTn>
-                                        <p:tgtEl>
-                                          <p:spTgt spid="3">
-                                            <p:txEl>
-                                              <p:pRg st="3" end="3"/>
-                                            </p:txEl>
-                                          </p:spTgt>
-                                        </p:tgtEl>
-                                      </p:cBhvr>
-                                    </p:animEffect>
-                                    <p:anim calcmode="lin" valueType="num">
-                                      <p:cBhvr>
-                                        <p:cTn id="56" dur="1822" tmFilter="0,0; 0.14,0.36; 0.43,0.73; 0.71,0.91; 1.0,1.0">
-                                          <p:stCondLst>
-                                            <p:cond delay="0"/>
-                                          </p:stCondLst>
-                                        </p:cTn>
-                                        <p:tgtEl>
-                                          <p:spTgt spid="3">
-                                            <p:txEl>
-                                              <p:pRg st="3" end="3"/>
-                                            </p:txEl>
-                                          </p:spTgt>
-                                        </p:tgtEl>
-                                        <p:attrNameLst>
-                                          <p:attrName>ppt_x</p:attrName>
-                                        </p:attrNameLst>
-                                      </p:cBhvr>
-                                      <p:tavLst>
-                                        <p:tav tm="0">
-                                          <p:val>
-                                            <p:strVal val="#ppt_x-0.25"/>
-                                          </p:val>
-                                        </p:tav>
-                                        <p:tav tm="100000">
-                                          <p:val>
-                                            <p:strVal val="#ppt_x"/>
-                                          </p:val>
-                                        </p:tav>
-                                      </p:tavLst>
-                                    </p:anim>
-                                    <p:anim calcmode="lin" valueType="num">
-                                      <p:cBhvr>
-                                        <p:cTn id="57" dur="664" tmFilter="0.0,0.0; 0.25,0.07; 0.50,0.2; 0.75,0.467; 1.0,1.0">
-                                          <p:stCondLst>
-                                            <p:cond delay="0"/>
-                                          </p:stCondLst>
-                                        </p:cTn>
-                                        <p:tgtEl>
-                                          <p:spTgt spid="3">
-                                            <p:txEl>
-                                              <p:pRg st="3" end="3"/>
-                                            </p:txEl>
-                                          </p:spTgt>
-                                        </p:tgtEl>
-                                        <p:attrNameLst>
-                                          <p:attrName>ppt_y</p:attrName>
-                                        </p:attrNameLst>
-                                      </p:cBhvr>
-                                      <p:tavLst>
-                                        <p:tav tm="0" fmla="#ppt_y-sin(pi*$)/3">
-                                          <p:val>
-                                            <p:fltVal val="0.5"/>
-                                          </p:val>
-                                        </p:tav>
-                                        <p:tav tm="100000">
-                                          <p:val>
-                                            <p:fltVal val="1"/>
-                                          </p:val>
-                                        </p:tav>
-                                      </p:tavLst>
-                                    </p:anim>
-                                    <p:anim calcmode="lin" valueType="num">
-                                      <p:cBhvr>
-                                        <p:cTn id="58" dur="664" tmFilter="0, 0; 0.125,0.2665; 0.25,0.4; 0.375,0.465; 0.5,0.5;  0.625,0.535; 0.75,0.6; 0.875,0.7335; 1,1">
-                                          <p:stCondLst>
-                                            <p:cond delay="664"/>
-                                          </p:stCondLst>
-                                        </p:cTn>
-                                        <p:tgtEl>
-                                          <p:spTgt spid="3">
-                                            <p:txEl>
-                                              <p:pRg st="3" end="3"/>
-                                            </p:txEl>
-                                          </p:spTgt>
-                                        </p:tgtEl>
-                                        <p:attrNameLst>
-                                          <p:attrName>ppt_y</p:attrName>
-                                        </p:attrNameLst>
-                                      </p:cBhvr>
-                                      <p:tavLst>
-                                        <p:tav tm="0" fmla="#ppt_y-sin(pi*$)/9">
-                                          <p:val>
-                                            <p:fltVal val="0"/>
-                                          </p:val>
-                                        </p:tav>
-                                        <p:tav tm="100000">
-                                          <p:val>
-                                            <p:fltVal val="1"/>
-                                          </p:val>
-                                        </p:tav>
-                                      </p:tavLst>
-                                    </p:anim>
-                                    <p:anim calcmode="lin" valueType="num">
-                                      <p:cBhvr>
-                                        <p:cTn id="59" dur="332" tmFilter="0, 0; 0.125,0.2665; 0.25,0.4; 0.375,0.465; 0.5,0.5;  0.625,0.535; 0.75,0.6; 0.875,0.7335; 1,1">
-                                          <p:stCondLst>
-                                            <p:cond delay="1324"/>
-                                          </p:stCondLst>
-                                        </p:cTn>
-                                        <p:tgtEl>
-                                          <p:spTgt spid="3">
-                                            <p:txEl>
-                                              <p:pRg st="3" end="3"/>
-                                            </p:txEl>
-                                          </p:spTgt>
-                                        </p:tgtEl>
-                                        <p:attrNameLst>
-                                          <p:attrName>ppt_y</p:attrName>
-                                        </p:attrNameLst>
-                                      </p:cBhvr>
-                                      <p:tavLst>
-                                        <p:tav tm="0" fmla="#ppt_y-sin(pi*$)/27">
-                                          <p:val>
-                                            <p:fltVal val="0"/>
-                                          </p:val>
-                                        </p:tav>
-                                        <p:tav tm="100000">
-                                          <p:val>
-                                            <p:fltVal val="1"/>
-                                          </p:val>
-                                        </p:tav>
-                                      </p:tavLst>
-                                    </p:anim>
-                                    <p:anim calcmode="lin" valueType="num">
-                                      <p:cBhvr>
-                                        <p:cTn id="60" dur="164" tmFilter="0, 0; 0.125,0.2665; 0.25,0.4; 0.375,0.465; 0.5,0.5;  0.625,0.535; 0.75,0.6; 0.875,0.7335; 1,1">
-                                          <p:stCondLst>
-                                            <p:cond delay="1656"/>
-                                          </p:stCondLst>
-                                        </p:cTn>
-                                        <p:tgtEl>
-                                          <p:spTgt spid="3">
-                                            <p:txEl>
-                                              <p:pRg st="3" end="3"/>
-                                            </p:txEl>
-                                          </p:spTgt>
-                                        </p:tgtEl>
-                                        <p:attrNameLst>
-                                          <p:attrName>ppt_y</p:attrName>
-                                        </p:attrNameLst>
-                                      </p:cBhvr>
-                                      <p:tavLst>
-                                        <p:tav tm="0" fmla="#ppt_y-sin(pi*$)/81">
-                                          <p:val>
-                                            <p:fltVal val="0"/>
-                                          </p:val>
-                                        </p:tav>
-                                        <p:tav tm="100000">
-                                          <p:val>
-                                            <p:fltVal val="1"/>
-                                          </p:val>
-                                        </p:tav>
-                                      </p:tavLst>
-                                    </p:anim>
-                                    <p:animScale>
-                                      <p:cBhvr>
-                                        <p:cTn id="61" dur="26">
-                                          <p:stCondLst>
-                                            <p:cond delay="650"/>
-                                          </p:stCondLst>
-                                        </p:cTn>
-                                        <p:tgtEl>
-                                          <p:spTgt spid="3">
-                                            <p:txEl>
-                                              <p:pRg st="3" end="3"/>
-                                            </p:txEl>
-                                          </p:spTgt>
-                                        </p:tgtEl>
-                                      </p:cBhvr>
-                                      <p:to x="100000" y="60000"/>
-                                    </p:animScale>
-                                    <p:animScale>
-                                      <p:cBhvr>
-                                        <p:cTn id="62" dur="166" decel="50000">
-                                          <p:stCondLst>
-                                            <p:cond delay="676"/>
-                                          </p:stCondLst>
-                                        </p:cTn>
-                                        <p:tgtEl>
-                                          <p:spTgt spid="3">
-                                            <p:txEl>
-                                              <p:pRg st="3" end="3"/>
-                                            </p:txEl>
-                                          </p:spTgt>
-                                        </p:tgtEl>
-                                      </p:cBhvr>
-                                      <p:to x="100000" y="100000"/>
-                                    </p:animScale>
-                                    <p:animScale>
-                                      <p:cBhvr>
-                                        <p:cTn id="63" dur="26">
-                                          <p:stCondLst>
-                                            <p:cond delay="1312"/>
-                                          </p:stCondLst>
-                                        </p:cTn>
-                                        <p:tgtEl>
-                                          <p:spTgt spid="3">
-                                            <p:txEl>
-                                              <p:pRg st="3" end="3"/>
-                                            </p:txEl>
-                                          </p:spTgt>
-                                        </p:tgtEl>
-                                      </p:cBhvr>
-                                      <p:to x="100000" y="80000"/>
-                                    </p:animScale>
-                                    <p:animScale>
-                                      <p:cBhvr>
-                                        <p:cTn id="64" dur="166" decel="50000">
-                                          <p:stCondLst>
-                                            <p:cond delay="1338"/>
-                                          </p:stCondLst>
-                                        </p:cTn>
-                                        <p:tgtEl>
-                                          <p:spTgt spid="3">
-                                            <p:txEl>
-                                              <p:pRg st="3" end="3"/>
-                                            </p:txEl>
-                                          </p:spTgt>
-                                        </p:tgtEl>
-                                      </p:cBhvr>
-                                      <p:to x="100000" y="100000"/>
-                                    </p:animScale>
-                                    <p:animScale>
-                                      <p:cBhvr>
-                                        <p:cTn id="65" dur="26">
-                                          <p:stCondLst>
-                                            <p:cond delay="1642"/>
-                                          </p:stCondLst>
-                                        </p:cTn>
-                                        <p:tgtEl>
-                                          <p:spTgt spid="3">
-                                            <p:txEl>
-                                              <p:pRg st="3" end="3"/>
-                                            </p:txEl>
-                                          </p:spTgt>
-                                        </p:tgtEl>
-                                      </p:cBhvr>
-                                      <p:to x="100000" y="90000"/>
-                                    </p:animScale>
-                                    <p:animScale>
-                                      <p:cBhvr>
-                                        <p:cTn id="66" dur="166" decel="50000">
-                                          <p:stCondLst>
-                                            <p:cond delay="1668"/>
-                                          </p:stCondLst>
-                                        </p:cTn>
-                                        <p:tgtEl>
-                                          <p:spTgt spid="3">
-                                            <p:txEl>
-                                              <p:pRg st="3" end="3"/>
-                                            </p:txEl>
-                                          </p:spTgt>
-                                        </p:tgtEl>
-                                      </p:cBhvr>
-                                      <p:to x="100000" y="100000"/>
-                                    </p:animScale>
-                                    <p:animScale>
-                                      <p:cBhvr>
-                                        <p:cTn id="67" dur="26">
-                                          <p:stCondLst>
-                                            <p:cond delay="1808"/>
-                                          </p:stCondLst>
-                                        </p:cTn>
-                                        <p:tgtEl>
-                                          <p:spTgt spid="3">
-                                            <p:txEl>
-                                              <p:pRg st="3" end="3"/>
-                                            </p:txEl>
-                                          </p:spTgt>
-                                        </p:tgtEl>
-                                      </p:cBhvr>
-                                      <p:to x="100000" y="95000"/>
-                                    </p:animScale>
-                                    <p:animScale>
-                                      <p:cBhvr>
-                                        <p:cTn id="68" dur="166" decel="50000">
-                                          <p:stCondLst>
-                                            <p:cond delay="1834"/>
-                                          </p:stCondLst>
-                                        </p:cTn>
-                                        <p:tgtEl>
-                                          <p:spTgt spid="3">
-                                            <p:txEl>
-                                              <p:pRg st="3" end="3"/>
-                                            </p:txEl>
-                                          </p:spTgt>
-                                        </p:tgtEl>
-                                      </p:cBhvr>
-                                      <p:to x="100000" y="100000"/>
-                                    </p:animScale>
-                                  </p:childTnLst>
-                                </p:cTn>
-                              </p:par>
-                            </p:childTnLst>
-                          </p:cTn>
-                        </p:par>
-                      </p:childTnLst>
-                    </p:cTn>
-                  </p:par>
-                  <p:par>
-                    <p:cTn id="69" fill="hold">
-                      <p:stCondLst>
-                        <p:cond delay="indefinite"/>
-                      </p:stCondLst>
-                      <p:childTnLst>
-                        <p:par>
-                          <p:cTn id="70" fill="hold">
-                            <p:stCondLst>
-                              <p:cond delay="0"/>
-                            </p:stCondLst>
-                            <p:childTnLst>
-                              <p:par>
-                                <p:cTn id="71" presetID="31" presetClass="entr" presetSubtype="0" fill="hold" nodeType="clickEffect">
-                                  <p:stCondLst>
-                                    <p:cond delay="0"/>
-                                  </p:stCondLst>
-                                  <p:childTnLst>
-                                    <p:set>
-                                      <p:cBhvr>
-                                        <p:cTn id="72" dur="1" fill="hold">
-                                          <p:stCondLst>
-                                            <p:cond delay="0"/>
-                                          </p:stCondLst>
-                                        </p:cTn>
-                                        <p:tgtEl>
-                                          <p:spTgt spid="6"/>
-                                        </p:tgtEl>
-                                        <p:attrNameLst>
-                                          <p:attrName>style.visibility</p:attrName>
-                                        </p:attrNameLst>
-                                      </p:cBhvr>
-                                      <p:to>
-                                        <p:strVal val="visible"/>
-                                      </p:to>
-                                    </p:set>
-                                    <p:anim calcmode="lin" valueType="num">
-                                      <p:cBhvr>
-                                        <p:cTn id="73" dur="1000" fill="hold"/>
-                                        <p:tgtEl>
-                                          <p:spTgt spid="6"/>
-                                        </p:tgtEl>
-                                        <p:attrNameLst>
-                                          <p:attrName>ppt_w</p:attrName>
-                                        </p:attrNameLst>
-                                      </p:cBhvr>
-                                      <p:tavLst>
-                                        <p:tav tm="0">
-                                          <p:val>
-                                            <p:fltVal val="0"/>
-                                          </p:val>
-                                        </p:tav>
-                                        <p:tav tm="100000">
-                                          <p:val>
-                                            <p:strVal val="#ppt_w"/>
-                                          </p:val>
-                                        </p:tav>
-                                      </p:tavLst>
-                                    </p:anim>
-                                    <p:anim calcmode="lin" valueType="num">
-                                      <p:cBhvr>
-                                        <p:cTn id="74" dur="1000" fill="hold"/>
-                                        <p:tgtEl>
-                                          <p:spTgt spid="6"/>
-                                        </p:tgtEl>
-                                        <p:attrNameLst>
-                                          <p:attrName>ppt_h</p:attrName>
-                                        </p:attrNameLst>
-                                      </p:cBhvr>
-                                      <p:tavLst>
-                                        <p:tav tm="0">
-                                          <p:val>
-                                            <p:fltVal val="0"/>
-                                          </p:val>
-                                        </p:tav>
-                                        <p:tav tm="100000">
-                                          <p:val>
-                                            <p:strVal val="#ppt_h"/>
-                                          </p:val>
-                                        </p:tav>
-                                      </p:tavLst>
-                                    </p:anim>
-                                    <p:anim calcmode="lin" valueType="num">
-                                      <p:cBhvr>
-                                        <p:cTn id="75" dur="1000" fill="hold"/>
-                                        <p:tgtEl>
-                                          <p:spTgt spid="6"/>
-                                        </p:tgtEl>
-                                        <p:attrNameLst>
-                                          <p:attrName>style.rotation</p:attrName>
-                                        </p:attrNameLst>
-                                      </p:cBhvr>
-                                      <p:tavLst>
-                                        <p:tav tm="0">
-                                          <p:val>
-                                            <p:fltVal val="90"/>
-                                          </p:val>
-                                        </p:tav>
-                                        <p:tav tm="100000">
-                                          <p:val>
-                                            <p:fltVal val="0"/>
-                                          </p:val>
-                                        </p:tav>
-                                      </p:tavLst>
-                                    </p:anim>
-                                    <p:animEffect transition="in" filter="fade">
-                                      <p:cBhvr>
-                                        <p:cTn id="76" dur="1000"/>
-                                        <p:tgtEl>
-                                          <p:spTgt spid="6"/>
-                                        </p:tgtEl>
-                                      </p:cBhvr>
-                                    </p:animEffect>
-                                  </p:childTnLst>
-                                </p:cTn>
-                              </p:par>
-                            </p:childTnLst>
-                          </p:cTn>
-                        </p:par>
-                      </p:childTnLst>
-                    </p:cTn>
-                  </p:par>
-                </p:childTnLst>
-              </p:cTn>
-              <p:prevCondLst>
-                <p:cond evt="onPrev" delay="0">
-                  <p:tgtEl>
-                    <p:sldTgt/>
-                  </p:tgtEl>
-                </p:cond>
-              </p:prevCondLst>
-              <p:nextCondLst>
-                <p:cond evt="onNext" delay="0">
-                  <p:tgtEl>
-                    <p:sldTgt/>
-                  </p:tgtEl>
-                </p:cond>
-              </p:nextCondLst>
-            </p:seq>
-          </p:childTnLst>
-        </p:cTn>
+        <p:cTn id="1" dur="indefinite" restart="never" nodeType="tmRoot"/>
       </p:par>
     </p:tnLst>
   </p:timing>
@@ -28303,7 +26842,7 @@
                 <a14:useLocalDpi xmlns:a14="http://schemas.microsoft.com/office/drawing/2010/main" val="0"/>
               </a:ext>
               <a:ext uri="{96DAC541-7B7A-43D3-8B79-37D633B846F1}">
-                <asvg:svgBlip xmlns:asvg="http://schemas.microsoft.com/office/drawing/2016/SVG/main" xmlns="" r:embed="rId4"/>
+                <asvg:svgBlip xmlns="" xmlns:asvg="http://schemas.microsoft.com/office/drawing/2016/SVG/main" r:embed="rId4"/>
               </a:ext>
             </a:extLst>
           </a:blip>
@@ -28414,90 +26953,9 @@
   <p:timing>
     <p:tnLst>
       <p:par>
-        <p:cTn id="1" dur="indefinite" restart="never" nodeType="tmRoot">
-          <p:childTnLst>
-            <p:seq concurrent="1" nextAc="seek">
-              <p:cTn id="2" dur="indefinite" nodeType="mainSeq">
-                <p:childTnLst>
-                  <p:par>
-                    <p:cTn id="3" fill="hold">
-                      <p:stCondLst>
-                        <p:cond delay="indefinite"/>
-                      </p:stCondLst>
-                      <p:childTnLst>
-                        <p:par>
-                          <p:cTn id="4" fill="hold">
-                            <p:stCondLst>
-                              <p:cond delay="0"/>
-                            </p:stCondLst>
-                            <p:childTnLst>
-                              <p:par>
-                                <p:cTn id="5" presetID="16" presetClass="entr" presetSubtype="21" fill="hold" grpId="0" nodeType="clickEffect">
-                                  <p:stCondLst>
-                                    <p:cond delay="0"/>
-                                  </p:stCondLst>
-                                  <p:childTnLst>
-                                    <p:set>
-                                      <p:cBhvr>
-                                        <p:cTn id="6" dur="1" fill="hold">
-                                          <p:stCondLst>
-                                            <p:cond delay="0"/>
-                                          </p:stCondLst>
-                                        </p:cTn>
-                                        <p:tgtEl>
-                                          <p:spTgt spid="5"/>
-                                        </p:tgtEl>
-                                        <p:attrNameLst>
-                                          <p:attrName>style.visibility</p:attrName>
-                                        </p:attrNameLst>
-                                      </p:cBhvr>
-                                      <p:to>
-                                        <p:strVal val="visible"/>
-                                      </p:to>
-                                    </p:set>
-                                    <p:animEffect transition="in" filter="barn(inVertical)">
-                                      <p:cBhvr>
-                                        <p:cTn id="7" dur="500"/>
-                                        <p:tgtEl>
-                                          <p:spTgt spid="5"/>
-                                        </p:tgtEl>
-                                      </p:cBhvr>
-                                    </p:animEffect>
-                                  </p:childTnLst>
-                                </p:cTn>
-                              </p:par>
-                            </p:childTnLst>
-                          </p:cTn>
-                        </p:par>
-                      </p:childTnLst>
-                    </p:cTn>
-                  </p:par>
-                </p:childTnLst>
-              </p:cTn>
-              <p:prevCondLst>
-                <p:cond evt="onPrev" delay="0">
-                  <p:tgtEl>
-                    <p:sldTgt/>
-                  </p:tgtEl>
-                </p:cond>
-              </p:prevCondLst>
-              <p:nextCondLst>
-                <p:cond evt="onNext" delay="0">
-                  <p:tgtEl>
-                    <p:sldTgt/>
-                  </p:tgtEl>
-                </p:cond>
-              </p:nextCondLst>
-            </p:seq>
-          </p:childTnLst>
-        </p:cTn>
+        <p:cTn id="1" dur="indefinite" restart="never" nodeType="tmRoot"/>
       </p:par>
     </p:tnLst>
-    <p:bldLst>
-      <p:bldGraphic spid="5" grpId="0">
-        <p:bldAsOne/>
-      </p:bldGraphic>
-    </p:bldLst>
   </p:timing>
 </p:sld>
 </file>
@@ -29220,7 +27678,7 @@
                 <a14:useLocalDpi xmlns:a14="http://schemas.microsoft.com/office/drawing/2010/main" val="0"/>
               </a:ext>
               <a:ext uri="{96DAC541-7B7A-43D3-8B79-37D633B846F1}">
-                <asvg:svgBlip xmlns:asvg="http://schemas.microsoft.com/office/drawing/2016/SVG/main" xmlns="" r:embed="rId4"/>
+                <asvg:svgBlip xmlns="" xmlns:asvg="http://schemas.microsoft.com/office/drawing/2016/SVG/main" r:embed="rId4"/>
               </a:ext>
             </a:extLst>
           </a:blip>
@@ -29343,31 +27801,48 @@
           <a:lstStyle/>
           <a:p>
             <a:r>
-              <a:rPr lang="en-US" sz="1600" dirty="0"/>
+              <a:rPr lang="en-US" sz="1600" dirty="0">
+                <a:solidFill>
+                  <a:schemeClr val="bg1"/>
+                </a:solidFill>
+              </a:rPr>
               <a:t>Spatial information is </a:t>
             </a:r>
             <a:r>
-              <a:rPr lang="en-US" sz="1600" dirty="0" smtClean="0"/>
+              <a:rPr lang="en-US" sz="1600" dirty="0" smtClean="0">
+                <a:solidFill>
+                  <a:schemeClr val="bg1"/>
+                </a:solidFill>
+              </a:rPr>
               <a:t>obtained </a:t>
             </a:r>
             <a:r>
-              <a:rPr lang="en-US" sz="1600" dirty="0"/>
+              <a:rPr lang="en-US" sz="1600" dirty="0">
+                <a:solidFill>
+                  <a:schemeClr val="bg1"/>
+                </a:solidFill>
+              </a:rPr>
               <a:t>from </a:t>
             </a:r>
             <a:r>
-              <a:rPr lang="en-US" sz="1600" dirty="0" smtClean="0"/>
+              <a:rPr lang="en-US" sz="1600" dirty="0" smtClean="0">
+                <a:solidFill>
+                  <a:schemeClr val="bg1"/>
+                </a:solidFill>
+              </a:rPr>
               <a:t>within the </a:t>
             </a:r>
             <a:r>
-              <a:rPr lang="en-US" sz="1600" dirty="0"/>
+              <a:rPr lang="en-US" sz="1600" dirty="0">
+                <a:solidFill>
+                  <a:schemeClr val="bg1"/>
+                </a:solidFill>
+              </a:rPr>
               <a:t>ionization spot.</a:t>
             </a:r>
             <a:endParaRPr lang="ko-KR" altLang="en-US" sz="1600" dirty="0">
               <a:solidFill>
-                <a:schemeClr val="tx1">
-                  <a:lumMod val="75000"/>
-                  <a:lumOff val="25000"/>
-                </a:schemeClr>
+                <a:schemeClr val="bg1"/>
               </a:solidFill>
               <a:cs typeface="Arial" pitchFamily="34" charset="0"/>
             </a:endParaRPr>
@@ -29403,40 +27878,65 @@
           <a:lstStyle/>
           <a:p>
             <a:r>
-              <a:rPr lang="en-US" sz="1600" dirty="0" smtClean="0"/>
+              <a:rPr lang="en-US" sz="1600" dirty="0" smtClean="0">
+                <a:solidFill>
+                  <a:schemeClr val="bg1"/>
+                </a:solidFill>
+              </a:rPr>
               <a:t>Figure Above: </a:t>
             </a:r>
             <a:r>
-              <a:rPr lang="en-US" sz="1600" dirty="0"/>
+              <a:rPr lang="en-US" sz="1600" dirty="0">
+                <a:solidFill>
+                  <a:schemeClr val="bg1"/>
+                </a:solidFill>
+              </a:rPr>
               <a:t>Magnified images of </a:t>
             </a:r>
             <a:r>
-              <a:rPr lang="en-US" sz="1600" dirty="0" smtClean="0"/>
+              <a:rPr lang="en-US" sz="1600" dirty="0" smtClean="0">
+                <a:solidFill>
+                  <a:schemeClr val="bg1"/>
+                </a:solidFill>
+              </a:rPr>
               <a:t>mass resolved </a:t>
             </a:r>
             <a:r>
-              <a:rPr lang="en-US" sz="1600" dirty="0"/>
+              <a:rPr lang="en-US" sz="1600" dirty="0">
+                <a:solidFill>
+                  <a:schemeClr val="bg1"/>
+                </a:solidFill>
+              </a:rPr>
               <a:t>ion distributions </a:t>
             </a:r>
             <a:r>
-              <a:rPr lang="en-US" sz="1600" dirty="0" smtClean="0"/>
+              <a:rPr lang="en-US" sz="1600" dirty="0" smtClean="0">
+                <a:solidFill>
+                  <a:schemeClr val="bg1"/>
+                </a:solidFill>
+              </a:rPr>
               <a:t>are </a:t>
             </a:r>
             <a:r>
-              <a:rPr lang="en-US" sz="1600" dirty="0"/>
+              <a:rPr lang="en-US" sz="1600" dirty="0">
+                <a:solidFill>
+                  <a:schemeClr val="bg1"/>
+                </a:solidFill>
+              </a:rPr>
               <a:t>recorded with a 2D </a:t>
             </a:r>
             <a:r>
-              <a:rPr lang="en-US" sz="1600" dirty="0" smtClean="0"/>
+              <a:rPr lang="en-US" sz="1600" dirty="0" smtClean="0">
+                <a:solidFill>
+                  <a:schemeClr val="bg1"/>
+                </a:solidFill>
+              </a:rPr>
               <a:t>detector</a:t>
             </a:r>
             <a:r>
               <a:rPr lang="en-US" altLang="ko-KR" sz="1600" dirty="0" smtClean="0">
                 <a:solidFill>
-                  <a:schemeClr val="tx1">
-                    <a:lumMod val="75000"/>
-                    <a:lumOff val="25000"/>
-                  </a:schemeClr>
+                  <a:schemeClr val="bg1"/>
                 </a:solidFill>
                 <a:cs typeface="Arial" pitchFamily="34" charset="0"/>
               </a:rPr>
@@ -29444,10 +27944,7 @@
             </a:r>
             <a:endParaRPr lang="ko-KR" altLang="en-US" sz="1600" dirty="0">
               <a:solidFill>
-                <a:schemeClr val="tx1">
-                  <a:lumMod val="75000"/>
-                  <a:lumOff val="25000"/>
-                </a:schemeClr>
+                <a:schemeClr val="bg1"/>
               </a:solidFill>
               <a:cs typeface="Arial" pitchFamily="34" charset="0"/>
             </a:endParaRPr>
@@ -29476,15 +27973,16 @@
           <a:lstStyle/>
           <a:p>
             <a:r>
-              <a:rPr lang="en-US" sz="1600" dirty="0" smtClean="0"/>
+              <a:rPr lang="en-US" sz="1600" dirty="0" smtClean="0">
+                <a:solidFill>
+                  <a:schemeClr val="bg1"/>
+                </a:solidFill>
+              </a:rPr>
               <a:t>Figure Above: Microprobe mode imaging records mass spectra from an array of designated positions to construct a molecular image.</a:t>
             </a:r>
             <a:endParaRPr lang="ko-KR" altLang="en-US" sz="1600" dirty="0">
               <a:solidFill>
-                <a:schemeClr val="tx1">
-                  <a:lumMod val="75000"/>
-                  <a:lumOff val="25000"/>
-                </a:schemeClr>
+                <a:schemeClr val="bg1"/>
               </a:solidFill>
               <a:cs typeface="Arial" pitchFamily="34" charset="0"/>
             </a:endParaRPr>
@@ -29513,23 +28011,32 @@
           <a:lstStyle/>
           <a:p>
             <a:r>
-              <a:rPr lang="en-US" sz="1600" dirty="0"/>
+              <a:rPr lang="en-US" sz="1600" dirty="0">
+                <a:solidFill>
+                  <a:schemeClr val="bg1"/>
+                </a:solidFill>
+              </a:rPr>
               <a:t>A focused ionization beam is used to analyze a </a:t>
             </a:r>
             <a:r>
-              <a:rPr lang="en-US" sz="1600" dirty="0" smtClean="0"/>
+              <a:rPr lang="en-US" sz="1600" dirty="0" smtClean="0">
+                <a:solidFill>
+                  <a:schemeClr val="bg1"/>
+                </a:solidFill>
+              </a:rPr>
               <a:t>small, localized </a:t>
             </a:r>
             <a:r>
-              <a:rPr lang="en-US" sz="1600" dirty="0"/>
+              <a:rPr lang="en-US" sz="1600" dirty="0">
+                <a:solidFill>
+                  <a:schemeClr val="bg1"/>
+                </a:solidFill>
+              </a:rPr>
               <a:t>region of the sample.</a:t>
             </a:r>
             <a:endParaRPr lang="ko-KR" altLang="en-US" sz="1600" dirty="0">
               <a:solidFill>
-                <a:schemeClr val="tx1">
-                  <a:lumMod val="75000"/>
-                  <a:lumOff val="25000"/>
-                </a:schemeClr>
+                <a:schemeClr val="bg1"/>
               </a:solidFill>
               <a:cs typeface="Arial" pitchFamily="34" charset="0"/>
             </a:endParaRPr>
@@ -29549,512 +28056,9 @@
   <p:timing>
     <p:tnLst>
       <p:par>
-        <p:cTn id="1" dur="indefinite" restart="never" nodeType="tmRoot">
-          <p:childTnLst>
-            <p:seq concurrent="1" nextAc="seek">
-              <p:cTn id="2" dur="indefinite" nodeType="mainSeq">
-                <p:childTnLst>
-                  <p:par>
-                    <p:cTn id="3" fill="hold">
-                      <p:stCondLst>
-                        <p:cond delay="indefinite"/>
-                      </p:stCondLst>
-                      <p:childTnLst>
-                        <p:par>
-                          <p:cTn id="4" fill="hold">
-                            <p:stCondLst>
-                              <p:cond delay="0"/>
-                            </p:stCondLst>
-                            <p:childTnLst>
-                              <p:par>
-                                <p:cTn id="5" presetID="2" presetClass="entr" presetSubtype="4" fill="hold" nodeType="clickEffect">
-                                  <p:stCondLst>
-                                    <p:cond delay="0"/>
-                                  </p:stCondLst>
-                                  <p:childTnLst>
-                                    <p:set>
-                                      <p:cBhvr>
-                                        <p:cTn id="6" dur="1" fill="hold">
-                                          <p:stCondLst>
-                                            <p:cond delay="0"/>
-                                          </p:stCondLst>
-                                        </p:cTn>
-                                        <p:tgtEl>
-                                          <p:spTgt spid="58"/>
-                                        </p:tgtEl>
-                                        <p:attrNameLst>
-                                          <p:attrName>style.visibility</p:attrName>
-                                        </p:attrNameLst>
-                                      </p:cBhvr>
-                                      <p:to>
-                                        <p:strVal val="visible"/>
-                                      </p:to>
-                                    </p:set>
-                                    <p:anim calcmode="lin" valueType="num">
-                                      <p:cBhvr additive="base">
-                                        <p:cTn id="7" dur="500" fill="hold"/>
-                                        <p:tgtEl>
-                                          <p:spTgt spid="58"/>
-                                        </p:tgtEl>
-                                        <p:attrNameLst>
-                                          <p:attrName>ppt_x</p:attrName>
-                                        </p:attrNameLst>
-                                      </p:cBhvr>
-                                      <p:tavLst>
-                                        <p:tav tm="0">
-                                          <p:val>
-                                            <p:strVal val="#ppt_x"/>
-                                          </p:val>
-                                        </p:tav>
-                                        <p:tav tm="100000">
-                                          <p:val>
-                                            <p:strVal val="#ppt_x"/>
-                                          </p:val>
-                                        </p:tav>
-                                      </p:tavLst>
-                                    </p:anim>
-                                    <p:anim calcmode="lin" valueType="num">
-                                      <p:cBhvr additive="base">
-                                        <p:cTn id="8" dur="500" fill="hold"/>
-                                        <p:tgtEl>
-                                          <p:spTgt spid="58"/>
-                                        </p:tgtEl>
-                                        <p:attrNameLst>
-                                          <p:attrName>ppt_y</p:attrName>
-                                        </p:attrNameLst>
-                                      </p:cBhvr>
-                                      <p:tavLst>
-                                        <p:tav tm="0">
-                                          <p:val>
-                                            <p:strVal val="1+#ppt_h/2"/>
-                                          </p:val>
-                                        </p:tav>
-                                        <p:tav tm="100000">
-                                          <p:val>
-                                            <p:strVal val="#ppt_y"/>
-                                          </p:val>
-                                        </p:tav>
-                                      </p:tavLst>
-                                    </p:anim>
-                                  </p:childTnLst>
-                                </p:cTn>
-                              </p:par>
-                              <p:par>
-                                <p:cTn id="9" presetID="2" presetClass="entr" presetSubtype="4" fill="hold" grpId="0" nodeType="withEffect">
-                                  <p:stCondLst>
-                                    <p:cond delay="0"/>
-                                  </p:stCondLst>
-                                  <p:childTnLst>
-                                    <p:set>
-                                      <p:cBhvr>
-                                        <p:cTn id="10" dur="1" fill="hold">
-                                          <p:stCondLst>
-                                            <p:cond delay="0"/>
-                                          </p:stCondLst>
-                                        </p:cTn>
-                                        <p:tgtEl>
-                                          <p:spTgt spid="6"/>
-                                        </p:tgtEl>
-                                        <p:attrNameLst>
-                                          <p:attrName>style.visibility</p:attrName>
-                                        </p:attrNameLst>
-                                      </p:cBhvr>
-                                      <p:to>
-                                        <p:strVal val="visible"/>
-                                      </p:to>
-                                    </p:set>
-                                    <p:anim calcmode="lin" valueType="num">
-                                      <p:cBhvr additive="base">
-                                        <p:cTn id="11" dur="500" fill="hold"/>
-                                        <p:tgtEl>
-                                          <p:spTgt spid="6"/>
-                                        </p:tgtEl>
-                                        <p:attrNameLst>
-                                          <p:attrName>ppt_x</p:attrName>
-                                        </p:attrNameLst>
-                                      </p:cBhvr>
-                                      <p:tavLst>
-                                        <p:tav tm="0">
-                                          <p:val>
-                                            <p:strVal val="#ppt_x"/>
-                                          </p:val>
-                                        </p:tav>
-                                        <p:tav tm="100000">
-                                          <p:val>
-                                            <p:strVal val="#ppt_x"/>
-                                          </p:val>
-                                        </p:tav>
-                                      </p:tavLst>
-                                    </p:anim>
-                                    <p:anim calcmode="lin" valueType="num">
-                                      <p:cBhvr additive="base">
-                                        <p:cTn id="12" dur="500" fill="hold"/>
-                                        <p:tgtEl>
-                                          <p:spTgt spid="6"/>
-                                        </p:tgtEl>
-                                        <p:attrNameLst>
-                                          <p:attrName>ppt_y</p:attrName>
-                                        </p:attrNameLst>
-                                      </p:cBhvr>
-                                      <p:tavLst>
-                                        <p:tav tm="0">
-                                          <p:val>
-                                            <p:strVal val="1+#ppt_h/2"/>
-                                          </p:val>
-                                        </p:tav>
-                                        <p:tav tm="100000">
-                                          <p:val>
-                                            <p:strVal val="#ppt_y"/>
-                                          </p:val>
-                                        </p:tav>
-                                      </p:tavLst>
-                                    </p:anim>
-                                  </p:childTnLst>
-                                </p:cTn>
-                              </p:par>
-                              <p:par>
-                                <p:cTn id="13" presetID="2" presetClass="entr" presetSubtype="4" fill="hold" grpId="0" nodeType="withEffect">
-                                  <p:stCondLst>
-                                    <p:cond delay="0"/>
-                                  </p:stCondLst>
-                                  <p:childTnLst>
-                                    <p:set>
-                                      <p:cBhvr>
-                                        <p:cTn id="14" dur="1" fill="hold">
-                                          <p:stCondLst>
-                                            <p:cond delay="0"/>
-                                          </p:stCondLst>
-                                        </p:cTn>
-                                        <p:tgtEl>
-                                          <p:spTgt spid="4"/>
-                                        </p:tgtEl>
-                                        <p:attrNameLst>
-                                          <p:attrName>style.visibility</p:attrName>
-                                        </p:attrNameLst>
-                                      </p:cBhvr>
-                                      <p:to>
-                                        <p:strVal val="visible"/>
-                                      </p:to>
-                                    </p:set>
-                                    <p:anim calcmode="lin" valueType="num">
-                                      <p:cBhvr additive="base">
-                                        <p:cTn id="15" dur="500" fill="hold"/>
-                                        <p:tgtEl>
-                                          <p:spTgt spid="4"/>
-                                        </p:tgtEl>
-                                        <p:attrNameLst>
-                                          <p:attrName>ppt_x</p:attrName>
-                                        </p:attrNameLst>
-                                      </p:cBhvr>
-                                      <p:tavLst>
-                                        <p:tav tm="0">
-                                          <p:val>
-                                            <p:strVal val="#ppt_x"/>
-                                          </p:val>
-                                        </p:tav>
-                                        <p:tav tm="100000">
-                                          <p:val>
-                                            <p:strVal val="#ppt_x"/>
-                                          </p:val>
-                                        </p:tav>
-                                      </p:tavLst>
-                                    </p:anim>
-                                    <p:anim calcmode="lin" valueType="num">
-                                      <p:cBhvr additive="base">
-                                        <p:cTn id="16" dur="500" fill="hold"/>
-                                        <p:tgtEl>
-                                          <p:spTgt spid="4"/>
-                                        </p:tgtEl>
-                                        <p:attrNameLst>
-                                          <p:attrName>ppt_y</p:attrName>
-                                        </p:attrNameLst>
-                                      </p:cBhvr>
-                                      <p:tavLst>
-                                        <p:tav tm="0">
-                                          <p:val>
-                                            <p:strVal val="1+#ppt_h/2"/>
-                                          </p:val>
-                                        </p:tav>
-                                        <p:tav tm="100000">
-                                          <p:val>
-                                            <p:strVal val="#ppt_y"/>
-                                          </p:val>
-                                        </p:tav>
-                                      </p:tavLst>
-                                    </p:anim>
-                                  </p:childTnLst>
-                                </p:cTn>
-                              </p:par>
-                            </p:childTnLst>
-                          </p:cTn>
-                        </p:par>
-                      </p:childTnLst>
-                    </p:cTn>
-                  </p:par>
-                  <p:par>
-                    <p:cTn id="17" fill="hold">
-                      <p:stCondLst>
-                        <p:cond delay="indefinite"/>
-                      </p:stCondLst>
-                      <p:childTnLst>
-                        <p:par>
-                          <p:cTn id="18" fill="hold">
-                            <p:stCondLst>
-                              <p:cond delay="0"/>
-                            </p:stCondLst>
-                            <p:childTnLst>
-                              <p:par>
-                                <p:cTn id="19" presetID="2" presetClass="entr" presetSubtype="4" fill="hold" nodeType="clickEffect">
-                                  <p:stCondLst>
-                                    <p:cond delay="0"/>
-                                  </p:stCondLst>
-                                  <p:childTnLst>
-                                    <p:set>
-                                      <p:cBhvr>
-                                        <p:cTn id="20" dur="1" fill="hold">
-                                          <p:stCondLst>
-                                            <p:cond delay="0"/>
-                                          </p:stCondLst>
-                                        </p:cTn>
-                                        <p:tgtEl>
-                                          <p:spTgt spid="60"/>
-                                        </p:tgtEl>
-                                        <p:attrNameLst>
-                                          <p:attrName>style.visibility</p:attrName>
-                                        </p:attrNameLst>
-                                      </p:cBhvr>
-                                      <p:to>
-                                        <p:strVal val="visible"/>
-                                      </p:to>
-                                    </p:set>
-                                    <p:anim calcmode="lin" valueType="num">
-                                      <p:cBhvr additive="base">
-                                        <p:cTn id="21" dur="500" fill="hold"/>
-                                        <p:tgtEl>
-                                          <p:spTgt spid="60"/>
-                                        </p:tgtEl>
-                                        <p:attrNameLst>
-                                          <p:attrName>ppt_x</p:attrName>
-                                        </p:attrNameLst>
-                                      </p:cBhvr>
-                                      <p:tavLst>
-                                        <p:tav tm="0">
-                                          <p:val>
-                                            <p:strVal val="#ppt_x"/>
-                                          </p:val>
-                                        </p:tav>
-                                        <p:tav tm="100000">
-                                          <p:val>
-                                            <p:strVal val="#ppt_x"/>
-                                          </p:val>
-                                        </p:tav>
-                                      </p:tavLst>
-                                    </p:anim>
-                                    <p:anim calcmode="lin" valueType="num">
-                                      <p:cBhvr additive="base">
-                                        <p:cTn id="22" dur="500" fill="hold"/>
-                                        <p:tgtEl>
-                                          <p:spTgt spid="60"/>
-                                        </p:tgtEl>
-                                        <p:attrNameLst>
-                                          <p:attrName>ppt_y</p:attrName>
-                                        </p:attrNameLst>
-                                      </p:cBhvr>
-                                      <p:tavLst>
-                                        <p:tav tm="0">
-                                          <p:val>
-                                            <p:strVal val="1+#ppt_h/2"/>
-                                          </p:val>
-                                        </p:tav>
-                                        <p:tav tm="100000">
-                                          <p:val>
-                                            <p:strVal val="#ppt_y"/>
-                                          </p:val>
-                                        </p:tav>
-                                      </p:tavLst>
-                                    </p:anim>
-                                  </p:childTnLst>
-                                </p:cTn>
-                              </p:par>
-                              <p:par>
-                                <p:cTn id="23" presetID="2" presetClass="entr" presetSubtype="4" fill="hold" grpId="0" nodeType="withEffect">
-                                  <p:stCondLst>
-                                    <p:cond delay="0"/>
-                                  </p:stCondLst>
-                                  <p:childTnLst>
-                                    <p:set>
-                                      <p:cBhvr>
-                                        <p:cTn id="24" dur="1" fill="hold">
-                                          <p:stCondLst>
-                                            <p:cond delay="0"/>
-                                          </p:stCondLst>
-                                        </p:cTn>
-                                        <p:tgtEl>
-                                          <p:spTgt spid="62"/>
-                                        </p:tgtEl>
-                                        <p:attrNameLst>
-                                          <p:attrName>style.visibility</p:attrName>
-                                        </p:attrNameLst>
-                                      </p:cBhvr>
-                                      <p:to>
-                                        <p:strVal val="visible"/>
-                                      </p:to>
-                                    </p:set>
-                                    <p:anim calcmode="lin" valueType="num">
-                                      <p:cBhvr additive="base">
-                                        <p:cTn id="25" dur="500" fill="hold"/>
-                                        <p:tgtEl>
-                                          <p:spTgt spid="62"/>
-                                        </p:tgtEl>
-                                        <p:attrNameLst>
-                                          <p:attrName>ppt_x</p:attrName>
-                                        </p:attrNameLst>
-                                      </p:cBhvr>
-                                      <p:tavLst>
-                                        <p:tav tm="0">
-                                          <p:val>
-                                            <p:strVal val="#ppt_x"/>
-                                          </p:val>
-                                        </p:tav>
-                                        <p:tav tm="100000">
-                                          <p:val>
-                                            <p:strVal val="#ppt_x"/>
-                                          </p:val>
-                                        </p:tav>
-                                      </p:tavLst>
-                                    </p:anim>
-                                    <p:anim calcmode="lin" valueType="num">
-                                      <p:cBhvr additive="base">
-                                        <p:cTn id="26" dur="500" fill="hold"/>
-                                        <p:tgtEl>
-                                          <p:spTgt spid="62"/>
-                                        </p:tgtEl>
-                                        <p:attrNameLst>
-                                          <p:attrName>ppt_y</p:attrName>
-                                        </p:attrNameLst>
-                                      </p:cBhvr>
-                                      <p:tavLst>
-                                        <p:tav tm="0">
-                                          <p:val>
-                                            <p:strVal val="1+#ppt_h/2"/>
-                                          </p:val>
-                                        </p:tav>
-                                        <p:tav tm="100000">
-                                          <p:val>
-                                            <p:strVal val="#ppt_y"/>
-                                          </p:val>
-                                        </p:tav>
-                                      </p:tavLst>
-                                    </p:anim>
-                                  </p:childTnLst>
-                                </p:cTn>
-                              </p:par>
-                              <p:par>
-                                <p:cTn id="27" presetID="2" presetClass="entr" presetSubtype="4" fill="hold" grpId="0" nodeType="withEffect">
-                                  <p:stCondLst>
-                                    <p:cond delay="0"/>
-                                  </p:stCondLst>
-                                  <p:childTnLst>
-                                    <p:set>
-                                      <p:cBhvr>
-                                        <p:cTn id="28" dur="1" fill="hold">
-                                          <p:stCondLst>
-                                            <p:cond delay="0"/>
-                                          </p:stCondLst>
-                                        </p:cTn>
-                                        <p:tgtEl>
-                                          <p:spTgt spid="64"/>
-                                        </p:tgtEl>
-                                        <p:attrNameLst>
-                                          <p:attrName>style.visibility</p:attrName>
-                                        </p:attrNameLst>
-                                      </p:cBhvr>
-                                      <p:to>
-                                        <p:strVal val="visible"/>
-                                      </p:to>
-                                    </p:set>
-                                    <p:anim calcmode="lin" valueType="num">
-                                      <p:cBhvr additive="base">
-                                        <p:cTn id="29" dur="500" fill="hold"/>
-                                        <p:tgtEl>
-                                          <p:spTgt spid="64"/>
-                                        </p:tgtEl>
-                                        <p:attrNameLst>
-                                          <p:attrName>ppt_x</p:attrName>
-                                        </p:attrNameLst>
-                                      </p:cBhvr>
-                                      <p:tavLst>
-                                        <p:tav tm="0">
-                                          <p:val>
-                                            <p:strVal val="#ppt_x"/>
-                                          </p:val>
-                                        </p:tav>
-                                        <p:tav tm="100000">
-                                          <p:val>
-                                            <p:strVal val="#ppt_x"/>
-                                          </p:val>
-                                        </p:tav>
-                                      </p:tavLst>
-                                    </p:anim>
-                                    <p:anim calcmode="lin" valueType="num">
-                                      <p:cBhvr additive="base">
-                                        <p:cTn id="30" dur="500" fill="hold"/>
-                                        <p:tgtEl>
-                                          <p:spTgt spid="64"/>
-                                        </p:tgtEl>
-                                        <p:attrNameLst>
-                                          <p:attrName>ppt_y</p:attrName>
-                                        </p:attrNameLst>
-                                      </p:cBhvr>
-                                      <p:tavLst>
-                                        <p:tav tm="0">
-                                          <p:val>
-                                            <p:strVal val="1+#ppt_h/2"/>
-                                          </p:val>
-                                        </p:tav>
-                                        <p:tav tm="100000">
-                                          <p:val>
-                                            <p:strVal val="#ppt_y"/>
-                                          </p:val>
-                                        </p:tav>
-                                      </p:tavLst>
-                                    </p:anim>
-                                  </p:childTnLst>
-                                </p:cTn>
-                              </p:par>
-                            </p:childTnLst>
-                          </p:cTn>
-                        </p:par>
-                      </p:childTnLst>
-                    </p:cTn>
-                  </p:par>
-                </p:childTnLst>
-              </p:cTn>
-              <p:prevCondLst>
-                <p:cond evt="onPrev" delay="0">
-                  <p:tgtEl>
-                    <p:sldTgt/>
-                  </p:tgtEl>
-                </p:cond>
-              </p:prevCondLst>
-              <p:nextCondLst>
-                <p:cond evt="onNext" delay="0">
-                  <p:tgtEl>
-                    <p:sldTgt/>
-                  </p:tgtEl>
-                </p:cond>
-              </p:nextCondLst>
-            </p:seq>
-          </p:childTnLst>
-        </p:cTn>
+        <p:cTn id="1" dur="indefinite" restart="never" nodeType="tmRoot"/>
       </p:par>
     </p:tnLst>
-    <p:bldLst>
-      <p:bldP spid="62" grpId="0"/>
-      <p:bldP spid="64" grpId="0"/>
-      <p:bldP spid="4" grpId="0"/>
-      <p:bldP spid="6" grpId="0"/>
-    </p:bldLst>
   </p:timing>
 </p:sld>
 </file>
@@ -30097,7 +28101,7 @@
                 <a14:useLocalDpi xmlns:a14="http://schemas.microsoft.com/office/drawing/2010/main" val="0"/>
               </a:ext>
               <a:ext uri="{96DAC541-7B7A-43D3-8B79-37D633B846F1}">
-                <asvg:svgBlip xmlns:asvg="http://schemas.microsoft.com/office/drawing/2016/SVG/main" xmlns="" r:embed="rId4"/>
+                <asvg:svgBlip xmlns="" xmlns:asvg="http://schemas.microsoft.com/office/drawing/2016/SVG/main" r:embed="rId4"/>
               </a:ext>
             </a:extLst>
           </a:blip>
@@ -30271,23 +28275,35 @@
           <a:p>
             <a:r>
               <a:rPr lang="en-US" sz="1600" dirty="0" smtClean="0">
+                <a:solidFill>
+                  <a:schemeClr val="bg1"/>
+                </a:solidFill>
                 <a:latin typeface="AdvP41153C"/>
               </a:rPr>
               <a:t>Figure Above: Protein </a:t>
             </a:r>
             <a:r>
               <a:rPr lang="en-US" sz="1600" dirty="0">
+                <a:solidFill>
+                  <a:schemeClr val="bg1"/>
+                </a:solidFill>
                 <a:latin typeface="AdvP41153C"/>
               </a:rPr>
               <a:t>images from a glioblastoma </a:t>
             </a:r>
             <a:r>
               <a:rPr lang="en-US" sz="1600" dirty="0" smtClean="0">
+                <a:solidFill>
+                  <a:schemeClr val="bg1"/>
+                </a:solidFill>
                 <a:latin typeface="AdvP41153C"/>
               </a:rPr>
               <a:t>section</a:t>
             </a:r>
             <a:endParaRPr lang="en-US" sz="1600" dirty="0">
+              <a:solidFill>
+                <a:schemeClr val="bg1"/>
+              </a:solidFill>
               <a:latin typeface="AdvP41153C"/>
             </a:endParaRPr>
           </a:p>
@@ -30297,18 +28313,27 @@
             </a:pPr>
             <a:r>
               <a:rPr lang="en-US" sz="1600" dirty="0" smtClean="0">
+                <a:solidFill>
+                  <a:schemeClr val="bg1"/>
+                </a:solidFill>
                 <a:latin typeface="AdvP41153C"/>
               </a:rPr>
               <a:t>Tissue </a:t>
             </a:r>
             <a:r>
               <a:rPr lang="en-US" sz="1600" dirty="0">
+                <a:solidFill>
+                  <a:schemeClr val="bg1"/>
+                </a:solidFill>
                 <a:latin typeface="AdvP41153C"/>
               </a:rPr>
               <a:t>section mounted on a metal plate, coated </a:t>
             </a:r>
             <a:r>
               <a:rPr lang="en-US" sz="1600" dirty="0" smtClean="0">
+                <a:solidFill>
+                  <a:schemeClr val="bg1"/>
+                </a:solidFill>
                 <a:latin typeface="AdvP41153C"/>
               </a:rPr>
               <a:t>with matrix</a:t>
@@ -30320,18 +28345,27 @@
             </a:pPr>
             <a:r>
               <a:rPr lang="en-US" sz="1600" dirty="0" smtClean="0">
+                <a:solidFill>
+                  <a:schemeClr val="bg1"/>
+                </a:solidFill>
                 <a:latin typeface="AdvP41153C"/>
               </a:rPr>
               <a:t>Distribution of </a:t>
             </a:r>
             <a:r>
               <a:rPr lang="en-US" sz="1600" dirty="0" smtClean="0">
+                <a:solidFill>
+                  <a:schemeClr val="bg1"/>
+                </a:solidFill>
                 <a:latin typeface="AdvPi1"/>
               </a:rPr>
               <a:t>b </a:t>
             </a:r>
             <a:r>
               <a:rPr lang="en-US" sz="1600" dirty="0" smtClean="0">
+                <a:solidFill>
+                  <a:schemeClr val="bg1"/>
+                </a:solidFill>
                 <a:latin typeface="AdvP41153C"/>
               </a:rPr>
               <a:t>Actin</a:t>
@@ -30343,12 +28377,18 @@
             </a:pPr>
             <a:r>
               <a:rPr lang="en-US" sz="1600" dirty="0">
+                <a:solidFill>
+                  <a:schemeClr val="bg1"/>
+                </a:solidFill>
                 <a:latin typeface="AdvP41153C"/>
               </a:rPr>
               <a:t>Distribution of </a:t>
             </a:r>
             <a:r>
               <a:rPr lang="en-US" sz="1600" dirty="0" smtClean="0">
+                <a:solidFill>
+                  <a:schemeClr val="bg1"/>
+                </a:solidFill>
                 <a:latin typeface="AdvP41153C"/>
               </a:rPr>
               <a:t>S100A4</a:t>
@@ -30360,47 +28400,72 @@
             </a:pPr>
             <a:r>
               <a:rPr lang="en-US" sz="1600" dirty="0">
+                <a:solidFill>
+                  <a:schemeClr val="bg1"/>
+                </a:solidFill>
                 <a:latin typeface="AdvP41153C"/>
               </a:rPr>
               <a:t>Distribution of </a:t>
             </a:r>
             <a:r>
               <a:rPr lang="en-US" sz="1600" dirty="0" err="1" smtClean="0">
+                <a:solidFill>
+                  <a:schemeClr val="bg1"/>
+                </a:solidFill>
                 <a:latin typeface="AdvP41153C"/>
               </a:rPr>
               <a:t>Thymosin</a:t>
             </a:r>
             <a:r>
               <a:rPr lang="en-US" sz="1600" dirty="0" smtClean="0">
+                <a:solidFill>
+                  <a:schemeClr val="bg1"/>
+                </a:solidFill>
                 <a:latin typeface="AdvP41153C"/>
               </a:rPr>
               <a:t> </a:t>
             </a:r>
             <a:r>
               <a:rPr lang="en-US" sz="1600" dirty="0" smtClean="0">
+                <a:solidFill>
+                  <a:schemeClr val="bg1"/>
+                </a:solidFill>
                 <a:latin typeface="AdvPi1"/>
               </a:rPr>
               <a:t>b</a:t>
             </a:r>
             <a:r>
               <a:rPr lang="en-US" sz="1600" dirty="0" smtClean="0">
+                <a:solidFill>
+                  <a:schemeClr val="bg1"/>
+                </a:solidFill>
                 <a:latin typeface="AdvP41153C"/>
               </a:rPr>
               <a:t>4 within </a:t>
             </a:r>
             <a:r>
               <a:rPr lang="en-US" sz="1600" dirty="0">
+                <a:solidFill>
+                  <a:schemeClr val="bg1"/>
+                </a:solidFill>
                 <a:latin typeface="AdvP41153C"/>
               </a:rPr>
               <a:t>the tissue </a:t>
             </a:r>
             <a:r>
               <a:rPr lang="en-US" sz="1600" dirty="0" smtClean="0">
+                <a:solidFill>
+                  <a:schemeClr val="bg1"/>
+                </a:solidFill>
                 <a:latin typeface="AdvP41153C"/>
               </a:rPr>
               <a:t>section</a:t>
             </a:r>
-            <a:endParaRPr lang="en-US" sz="1600" dirty="0"/>
+            <a:endParaRPr lang="en-US" sz="1600" dirty="0">
+              <a:solidFill>
+                <a:schemeClr val="bg1"/>
+              </a:solidFill>
+            </a:endParaRPr>
           </a:p>
         </p:txBody>
       </p:sp>
@@ -30427,18 +28492,27 @@
           <a:p>
             <a:r>
               <a:rPr lang="en-US" sz="1600" dirty="0" smtClean="0">
+                <a:solidFill>
+                  <a:schemeClr val="bg1"/>
+                </a:solidFill>
                 <a:latin typeface="AdvP41153C"/>
               </a:rPr>
               <a:t>Figure Above: Spatial Variation </a:t>
             </a:r>
             <a:r>
               <a:rPr lang="en-US" sz="1600" dirty="0">
+                <a:solidFill>
+                  <a:schemeClr val="bg1"/>
+                </a:solidFill>
                 <a:latin typeface="AdvP41153C"/>
               </a:rPr>
               <a:t>of the intensity </a:t>
             </a:r>
             <a:r>
               <a:rPr lang="en-US" sz="1600" dirty="0" smtClean="0">
+                <a:solidFill>
+                  <a:schemeClr val="bg1"/>
+                </a:solidFill>
                 <a:latin typeface="AdvP41153C"/>
               </a:rPr>
               <a:t>of specific ions</a:t>
@@ -30450,36 +28524,54 @@
             </a:pPr>
             <a:r>
               <a:rPr lang="en-US" sz="1600" dirty="0" smtClean="0">
+                <a:solidFill>
+                  <a:schemeClr val="bg1"/>
+                </a:solidFill>
                 <a:latin typeface="AdvP41153C"/>
               </a:rPr>
               <a:t>Distribution of </a:t>
             </a:r>
             <a:r>
               <a:rPr lang="en-US" sz="1600" dirty="0">
+                <a:solidFill>
+                  <a:schemeClr val="bg1"/>
+                </a:solidFill>
                 <a:latin typeface="AdvP41153C"/>
               </a:rPr>
               <a:t>choline fragment </a:t>
             </a:r>
             <a:r>
               <a:rPr lang="en-US" sz="1600" dirty="0" smtClean="0">
+                <a:solidFill>
+                  <a:schemeClr val="bg1"/>
+                </a:solidFill>
                 <a:latin typeface="AdvP41153C"/>
               </a:rPr>
               <a:t> (</a:t>
             </a:r>
             <a:r>
               <a:rPr lang="en-US" sz="1600" dirty="0" smtClean="0">
+                <a:solidFill>
+                  <a:schemeClr val="bg1"/>
+                </a:solidFill>
                 <a:latin typeface="AdvP4B2E3F"/>
               </a:rPr>
               <a:t>m/z</a:t>
             </a:r>
             <a:r>
               <a:rPr lang="en-US" sz="1600" dirty="0" smtClean="0">
+                <a:solidFill>
+                  <a:schemeClr val="bg1"/>
+                </a:solidFill>
                 <a:latin typeface="AdvP4C4E74"/>
               </a:rPr>
               <a:t> = </a:t>
             </a:r>
             <a:r>
               <a:rPr lang="en-US" sz="1600" dirty="0" smtClean="0">
+                <a:solidFill>
+                  <a:schemeClr val="bg1"/>
+                </a:solidFill>
                 <a:latin typeface="AdvP41153C"/>
               </a:rPr>
               <a:t>86)</a:t>
@@ -30491,54 +28583,81 @@
             </a:pPr>
             <a:r>
               <a:rPr lang="en-US" sz="1600" dirty="0" smtClean="0">
+                <a:solidFill>
+                  <a:schemeClr val="bg1"/>
+                </a:solidFill>
                 <a:latin typeface="AdvP41153C"/>
               </a:rPr>
               <a:t>Distribution </a:t>
             </a:r>
             <a:r>
               <a:rPr lang="en-US" sz="1600" dirty="0">
+                <a:solidFill>
+                  <a:schemeClr val="bg1"/>
+                </a:solidFill>
                 <a:latin typeface="AdvP41153C"/>
               </a:rPr>
               <a:t>of </a:t>
             </a:r>
             <a:r>
               <a:rPr lang="en-US" sz="1600" dirty="0" smtClean="0">
+                <a:solidFill>
+                  <a:schemeClr val="bg1"/>
+                </a:solidFill>
                 <a:latin typeface="AdvP41153C"/>
               </a:rPr>
               <a:t>acyl </a:t>
             </a:r>
             <a:r>
               <a:rPr lang="en-US" sz="1600" dirty="0">
+                <a:solidFill>
+                  <a:schemeClr val="bg1"/>
+                </a:solidFill>
                 <a:latin typeface="AdvP41153C"/>
               </a:rPr>
               <a:t>chain </a:t>
             </a:r>
             <a:r>
               <a:rPr lang="en-US" sz="1600" dirty="0" smtClean="0">
+                <a:solidFill>
+                  <a:schemeClr val="bg1"/>
+                </a:solidFill>
                 <a:latin typeface="AdvP41153C"/>
               </a:rPr>
               <a:t>fragment (</a:t>
             </a:r>
             <a:r>
               <a:rPr lang="en-US" sz="1600" dirty="0" smtClean="0">
+                <a:solidFill>
+                  <a:schemeClr val="bg1"/>
+                </a:solidFill>
                 <a:latin typeface="AdvP4B2E3F"/>
               </a:rPr>
               <a:t>m</a:t>
             </a:r>
             <a:r>
               <a:rPr lang="en-US" sz="1600" dirty="0" smtClean="0">
+                <a:solidFill>
+                  <a:schemeClr val="bg1"/>
+                </a:solidFill>
                 <a:latin typeface="AdvP41153C"/>
               </a:rPr>
               <a:t>/</a:t>
             </a:r>
             <a:r>
               <a:rPr lang="en-US" sz="1600" dirty="0" smtClean="0">
+                <a:solidFill>
+                  <a:schemeClr val="bg1"/>
+                </a:solidFill>
                 <a:latin typeface="AdvP4B2E3F"/>
               </a:rPr>
               <a:t>z = </a:t>
             </a:r>
             <a:r>
               <a:rPr lang="en-US" sz="1600" dirty="0" smtClean="0">
+                <a:solidFill>
+                  <a:schemeClr val="bg1"/>
+                </a:solidFill>
                 <a:latin typeface="AdvP41153C"/>
               </a:rPr>
               <a:t>69)</a:t>
@@ -30550,42 +28669,63 @@
             </a:pPr>
             <a:r>
               <a:rPr lang="en-US" sz="1600" dirty="0">
+                <a:solidFill>
+                  <a:schemeClr val="bg1"/>
+                </a:solidFill>
                 <a:latin typeface="AdvP41153C"/>
               </a:rPr>
               <a:t>V</a:t>
             </a:r>
             <a:r>
               <a:rPr lang="en-US" sz="1600" dirty="0" smtClean="0">
+                <a:solidFill>
+                  <a:schemeClr val="bg1"/>
+                </a:solidFill>
                 <a:latin typeface="AdvP41153C"/>
               </a:rPr>
               <a:t>ariation </a:t>
             </a:r>
             <a:r>
               <a:rPr lang="en-US" sz="1600" dirty="0">
+                <a:solidFill>
+                  <a:schemeClr val="bg1"/>
+                </a:solidFill>
                 <a:latin typeface="AdvP41153C"/>
               </a:rPr>
               <a:t>of vitamin E using the molecular ion (</a:t>
             </a:r>
             <a:r>
               <a:rPr lang="en-US" sz="1600" dirty="0" smtClean="0">
+                <a:solidFill>
+                  <a:schemeClr val="bg1"/>
+                </a:solidFill>
                 <a:latin typeface="AdvP4B2E3F"/>
               </a:rPr>
               <a:t>m</a:t>
             </a:r>
             <a:r>
               <a:rPr lang="en-US" sz="1600" dirty="0" smtClean="0">
+                <a:solidFill>
+                  <a:schemeClr val="bg1"/>
+                </a:solidFill>
                 <a:latin typeface="AdvP41153C"/>
               </a:rPr>
               <a:t>/</a:t>
             </a:r>
             <a:r>
               <a:rPr lang="en-US" sz="1600" dirty="0" smtClean="0">
+                <a:solidFill>
+                  <a:schemeClr val="bg1"/>
+                </a:solidFill>
                 <a:latin typeface="AdvP4B2E3F"/>
               </a:rPr>
               <a:t>z = </a:t>
             </a:r>
             <a:r>
               <a:rPr lang="en-US" sz="1600" dirty="0" smtClean="0">
+                <a:solidFill>
+                  <a:schemeClr val="bg1"/>
+                </a:solidFill>
                 <a:latin typeface="AdvP41153C"/>
               </a:rPr>
               <a:t>430)</a:t>
@@ -30597,41 +28737,63 @@
             </a:pPr>
             <a:r>
               <a:rPr lang="en-US" sz="1600" dirty="0">
+                <a:solidFill>
+                  <a:schemeClr val="bg1"/>
+                </a:solidFill>
                 <a:latin typeface="AdvP41153C"/>
               </a:rPr>
               <a:t>V</a:t>
             </a:r>
             <a:r>
               <a:rPr lang="en-US" sz="1600" dirty="0" smtClean="0">
+                <a:solidFill>
+                  <a:schemeClr val="bg1"/>
+                </a:solidFill>
                 <a:latin typeface="AdvP41153C"/>
               </a:rPr>
               <a:t>itamin </a:t>
             </a:r>
             <a:r>
               <a:rPr lang="en-US" sz="1600" dirty="0">
+                <a:solidFill>
+                  <a:schemeClr val="bg1"/>
+                </a:solidFill>
                 <a:latin typeface="AdvP41153C"/>
               </a:rPr>
               <a:t>E </a:t>
             </a:r>
             <a:r>
               <a:rPr lang="en-US" sz="1600" dirty="0" smtClean="0">
+                <a:solidFill>
+                  <a:schemeClr val="bg1"/>
+                </a:solidFill>
                 <a:latin typeface="AdvP41153C"/>
               </a:rPr>
               <a:t>is localized at the </a:t>
             </a:r>
             <a:r>
               <a:rPr lang="en-US" sz="1600" dirty="0">
+                <a:solidFill>
+                  <a:schemeClr val="bg1"/>
+                </a:solidFill>
                 <a:latin typeface="AdvP41153C"/>
               </a:rPr>
               <a:t>soma-neurite </a:t>
             </a:r>
             <a:r>
               <a:rPr lang="en-US" sz="1600" dirty="0" smtClean="0">
+                <a:solidFill>
+                  <a:schemeClr val="bg1"/>
+                </a:solidFill>
                 <a:latin typeface="AdvP41153C"/>
               </a:rPr>
               <a:t>junction</a:t>
             </a:r>
-            <a:endParaRPr lang="en-US" sz="1600" dirty="0"/>
+            <a:endParaRPr lang="en-US" sz="1600" dirty="0">
+              <a:solidFill>
+                <a:schemeClr val="bg1"/>
+              </a:solidFill>
+            </a:endParaRPr>
           </a:p>
         </p:txBody>
       </p:sp>
@@ -31878,6 +30040,14 @@
 </file>
 
 <file path=customXml/item1.xml><?xml version="1.0" encoding="utf-8"?>
+<p:properties xmlns:p="http://schemas.microsoft.com/office/2006/metadata/properties" xmlns:xsi="http://www.w3.org/2001/XMLSchema-instance" xmlns:pc="http://schemas.microsoft.com/office/infopath/2007/PartnerControls">
+  <documentManagement>
+    <MediaServiceKeyPoints xmlns="71af3243-3dd4-4a8d-8c0d-dd76da1f02a5" xsi:nil="true"/>
+  </documentManagement>
+</p:properties>
+</file>
+
+<file path=customXml/item2.xml><?xml version="1.0" encoding="utf-8"?>
 <ct:contentTypeSchema xmlns:ct="http://schemas.microsoft.com/office/2006/metadata/contentType" xmlns:ma="http://schemas.microsoft.com/office/2006/metadata/properties/metaAttributes" ct:_="" ma:_="" ma:contentTypeName="Document" ma:contentTypeID="0x01010079F111ED35F8CC479449609E8A0923A6" ma:contentTypeVersion="11" ma:contentTypeDescription="Create a new document." ma:contentTypeScope="" ma:versionID="96291512c1ee715ab617f4c07df79fc1">
   <xsd:schema xmlns:xsd="http://www.w3.org/2001/XMLSchema" xmlns:xs="http://www.w3.org/2001/XMLSchema" xmlns:p="http://schemas.microsoft.com/office/2006/metadata/properties" xmlns:ns2="71af3243-3dd4-4a8d-8c0d-dd76da1f02a5" xmlns:ns3="16c05727-aa75-4e4a-9b5f-8a80a1165891" targetNamespace="http://schemas.microsoft.com/office/2006/metadata/properties" ma:root="true" ma:fieldsID="8256c27c40ca5c40ce1cf6c44f0205df" ns2:_="" ns3:_="">
     <xsd:import namespace="71af3243-3dd4-4a8d-8c0d-dd76da1f02a5"/>
@@ -32088,14 +30258,6 @@
 </ct:contentTypeSchema>
 </file>
 
-<file path=customXml/item2.xml><?xml version="1.0" encoding="utf-8"?>
-<p:properties xmlns:p="http://schemas.microsoft.com/office/2006/metadata/properties" xmlns:xsi="http://www.w3.org/2001/XMLSchema-instance" xmlns:pc="http://schemas.microsoft.com/office/infopath/2007/PartnerControls">
-  <documentManagement>
-    <MediaServiceKeyPoints xmlns="71af3243-3dd4-4a8d-8c0d-dd76da1f02a5" xsi:nil="true"/>
-  </documentManagement>
-</p:properties>
-</file>
-
 <file path=customXml/item3.xml><?xml version="1.0" encoding="utf-8"?>
 <?mso-contentType ?>
 <FormTemplates xmlns="http://schemas.microsoft.com/sharepoint/v3/contenttype/forms">
@@ -32106,6 +30268,16 @@
 </file>
 
 <file path=customXml/itemProps1.xml><?xml version="1.0" encoding="utf-8"?>
+<ds:datastoreItem xmlns:ds="http://schemas.openxmlformats.org/officeDocument/2006/customXml" ds:itemID="{FCF1D2AC-2735-457E-B639-07E13F9A629B}">
+  <ds:schemaRefs>
+    <ds:schemaRef ds:uri="http://schemas.microsoft.com/office/2006/metadata/properties"/>
+    <ds:schemaRef ds:uri="http://schemas.microsoft.com/office/infopath/2007/PartnerControls"/>
+    <ds:schemaRef ds:uri="71af3243-3dd4-4a8d-8c0d-dd76da1f02a5"/>
+  </ds:schemaRefs>
+</ds:datastoreItem>
+</file>
+
+<file path=customXml/itemProps2.xml><?xml version="1.0" encoding="utf-8"?>
 <ds:datastoreItem xmlns:ds="http://schemas.openxmlformats.org/officeDocument/2006/customXml" ds:itemID="{B18699A2-1304-4DB0-887E-96D5B0474647}">
   <ds:schemaRefs>
     <ds:schemaRef ds:uri="http://schemas.microsoft.com/office/2006/metadata/contentType"/>
@@ -32124,16 +30296,6 @@
 </ds:datastoreItem>
 </file>
 
-<file path=customXml/itemProps2.xml><?xml version="1.0" encoding="utf-8"?>
-<ds:datastoreItem xmlns:ds="http://schemas.openxmlformats.org/officeDocument/2006/customXml" ds:itemID="{FCF1D2AC-2735-457E-B639-07E13F9A629B}">
-  <ds:schemaRefs>
-    <ds:schemaRef ds:uri="http://schemas.microsoft.com/office/2006/metadata/properties"/>
-    <ds:schemaRef ds:uri="http://schemas.microsoft.com/office/infopath/2007/PartnerControls"/>
-    <ds:schemaRef ds:uri="71af3243-3dd4-4a8d-8c0d-dd76da1f02a5"/>
-  </ds:schemaRefs>
-</ds:datastoreItem>
-</file>
-
 <file path=customXml/itemProps3.xml><?xml version="1.0" encoding="utf-8"?>
 <ds:datastoreItem xmlns:ds="http://schemas.openxmlformats.org/officeDocument/2006/customXml" ds:itemID="{B12AB9FA-5EE8-4111-B873-E09ACA2BC395}">
   <ds:schemaRefs>

--- a/Presentations/Technical Presentation (20-12-2020).pptx
+++ b/Presentations/Technical Presentation (20-12-2020).pptx
@@ -3013,7 +3013,7 @@
           <a:p>
             <a:fld id="{C1866161-D383-45DC-9645-1D21647A8641}" type="datetimeFigureOut">
               <a:rPr lang="en-US" smtClean="0"/>
-              <a:t>1/10/2021</a:t>
+              <a:t>1/16/2021</a:t>
             </a:fld>
             <a:endParaRPr lang="en-US" dirty="0"/>
           </a:p>
@@ -3190,7 +3190,7 @@
           <a:p>
             <a:fld id="{733789D0-CA34-4934-A369-C3113E12A3EF}" type="datetimeFigureOut">
               <a:rPr lang="en-US" smtClean="0"/>
-              <a:t>1/10/2021</a:t>
+              <a:t>1/16/2021</a:t>
             </a:fld>
             <a:endParaRPr lang="en-US" dirty="0"/>
           </a:p>
@@ -4281,7 +4281,7 @@
                   <a14:useLocalDpi xmlns:a14="http://schemas.microsoft.com/office/drawing/2010/main" val="0"/>
                 </a:ext>
                 <a:ext uri="{96DAC541-7B7A-43D3-8B79-37D633B846F1}">
-                  <asvg:svgBlip xmlns="" xmlns:asvg="http://schemas.microsoft.com/office/drawing/2016/SVG/main" r:embed="rId3"/>
+                  <asvg:svgBlip xmlns:asvg="http://schemas.microsoft.com/office/drawing/2016/SVG/main" xmlns="" r:embed="rId3"/>
                 </a:ext>
               </a:extLst>
             </a:blip>
@@ -4319,7 +4319,7 @@
                   <a14:useLocalDpi xmlns:a14="http://schemas.microsoft.com/office/drawing/2010/main" val="0"/>
                 </a:ext>
                 <a:ext uri="{96DAC541-7B7A-43D3-8B79-37D633B846F1}">
-                  <asvg:svgBlip xmlns="" xmlns:asvg="http://schemas.microsoft.com/office/drawing/2016/SVG/main" r:embed="rId3"/>
+                  <asvg:svgBlip xmlns:asvg="http://schemas.microsoft.com/office/drawing/2016/SVG/main" xmlns="" r:embed="rId3"/>
                 </a:ext>
               </a:extLst>
             </a:blip>
@@ -4358,7 +4358,7 @@
                   <a14:useLocalDpi xmlns:a14="http://schemas.microsoft.com/office/drawing/2010/main" val="0"/>
                 </a:ext>
                 <a:ext uri="{96DAC541-7B7A-43D3-8B79-37D633B846F1}">
-                  <asvg:svgBlip xmlns="" xmlns:asvg="http://schemas.microsoft.com/office/drawing/2016/SVG/main" r:embed="rId3"/>
+                  <asvg:svgBlip xmlns:asvg="http://schemas.microsoft.com/office/drawing/2016/SVG/main" xmlns="" r:embed="rId3"/>
                 </a:ext>
               </a:extLst>
             </a:blip>
@@ -4397,7 +4397,7 @@
                   <a14:useLocalDpi xmlns:a14="http://schemas.microsoft.com/office/drawing/2010/main" val="0"/>
                 </a:ext>
                 <a:ext uri="{96DAC541-7B7A-43D3-8B79-37D633B846F1}">
-                  <asvg:svgBlip xmlns="" xmlns:asvg="http://schemas.microsoft.com/office/drawing/2016/SVG/main" r:embed="rId3"/>
+                  <asvg:svgBlip xmlns:asvg="http://schemas.microsoft.com/office/drawing/2016/SVG/main" xmlns="" r:embed="rId3"/>
                 </a:ext>
               </a:extLst>
             </a:blip>
@@ -4587,7 +4587,7 @@
           <a:p>
             <a:fld id="{616D6166-2B42-4F11-BAA6-8ABAE1BE810C}" type="datetimeFigureOut">
               <a:rPr lang="en-US" noProof="0" smtClean="0"/>
-              <a:t>1/10/2021</a:t>
+              <a:t>1/16/2021</a:t>
             </a:fld>
             <a:endParaRPr lang="en-US" noProof="0" dirty="0"/>
           </a:p>
@@ -4826,7 +4826,7 @@
                   <a14:useLocalDpi xmlns:a14="http://schemas.microsoft.com/office/drawing/2010/main" val="0"/>
                 </a:ext>
                 <a:ext uri="{96DAC541-7B7A-43D3-8B79-37D633B846F1}">
-                  <asvg:svgBlip xmlns="" xmlns:asvg="http://schemas.microsoft.com/office/drawing/2016/SVG/main" r:embed="rId3"/>
+                  <asvg:svgBlip xmlns:asvg="http://schemas.microsoft.com/office/drawing/2016/SVG/main" xmlns="" r:embed="rId3"/>
                 </a:ext>
               </a:extLst>
             </a:blip>
@@ -4864,7 +4864,7 @@
                   <a14:useLocalDpi xmlns:a14="http://schemas.microsoft.com/office/drawing/2010/main" val="0"/>
                 </a:ext>
                 <a:ext uri="{96DAC541-7B7A-43D3-8B79-37D633B846F1}">
-                  <asvg:svgBlip xmlns="" xmlns:asvg="http://schemas.microsoft.com/office/drawing/2016/SVG/main" r:embed="rId3"/>
+                  <asvg:svgBlip xmlns:asvg="http://schemas.microsoft.com/office/drawing/2016/SVG/main" xmlns="" r:embed="rId3"/>
                 </a:ext>
               </a:extLst>
             </a:blip>
@@ -4903,7 +4903,7 @@
                   <a14:useLocalDpi xmlns:a14="http://schemas.microsoft.com/office/drawing/2010/main" val="0"/>
                 </a:ext>
                 <a:ext uri="{96DAC541-7B7A-43D3-8B79-37D633B846F1}">
-                  <asvg:svgBlip xmlns="" xmlns:asvg="http://schemas.microsoft.com/office/drawing/2016/SVG/main" r:embed="rId3"/>
+                  <asvg:svgBlip xmlns:asvg="http://schemas.microsoft.com/office/drawing/2016/SVG/main" xmlns="" r:embed="rId3"/>
                 </a:ext>
               </a:extLst>
             </a:blip>
@@ -4942,7 +4942,7 @@
                   <a14:useLocalDpi xmlns:a14="http://schemas.microsoft.com/office/drawing/2010/main" val="0"/>
                 </a:ext>
                 <a:ext uri="{96DAC541-7B7A-43D3-8B79-37D633B846F1}">
-                  <asvg:svgBlip xmlns="" xmlns:asvg="http://schemas.microsoft.com/office/drawing/2016/SVG/main" r:embed="rId3"/>
+                  <asvg:svgBlip xmlns:asvg="http://schemas.microsoft.com/office/drawing/2016/SVG/main" xmlns="" r:embed="rId3"/>
                 </a:ext>
               </a:extLst>
             </a:blip>
@@ -5046,7 +5046,7 @@
           <a:p>
             <a:fld id="{616D6166-2B42-4F11-BAA6-8ABAE1BE810C}" type="datetimeFigureOut">
               <a:rPr lang="en-US" noProof="0" smtClean="0"/>
-              <a:t>1/10/2021</a:t>
+              <a:t>1/16/2021</a:t>
             </a:fld>
             <a:endParaRPr lang="en-US" noProof="0" dirty="0"/>
           </a:p>
@@ -5173,7 +5173,7 @@
                   <a14:useLocalDpi xmlns:a14="http://schemas.microsoft.com/office/drawing/2010/main" val="0"/>
                 </a:ext>
                 <a:ext uri="{96DAC541-7B7A-43D3-8B79-37D633B846F1}">
-                  <asvg:svgBlip xmlns="" xmlns:asvg="http://schemas.microsoft.com/office/drawing/2016/SVG/main" r:embed="rId3"/>
+                  <asvg:svgBlip xmlns:asvg="http://schemas.microsoft.com/office/drawing/2016/SVG/main" xmlns="" r:embed="rId3"/>
                 </a:ext>
               </a:extLst>
             </a:blip>
@@ -5211,7 +5211,7 @@
                   <a14:useLocalDpi xmlns:a14="http://schemas.microsoft.com/office/drawing/2010/main" val="0"/>
                 </a:ext>
                 <a:ext uri="{96DAC541-7B7A-43D3-8B79-37D633B846F1}">
-                  <asvg:svgBlip xmlns="" xmlns:asvg="http://schemas.microsoft.com/office/drawing/2016/SVG/main" r:embed="rId3"/>
+                  <asvg:svgBlip xmlns:asvg="http://schemas.microsoft.com/office/drawing/2016/SVG/main" xmlns="" r:embed="rId3"/>
                 </a:ext>
               </a:extLst>
             </a:blip>
@@ -5250,7 +5250,7 @@
                   <a14:useLocalDpi xmlns:a14="http://schemas.microsoft.com/office/drawing/2010/main" val="0"/>
                 </a:ext>
                 <a:ext uri="{96DAC541-7B7A-43D3-8B79-37D633B846F1}">
-                  <asvg:svgBlip xmlns="" xmlns:asvg="http://schemas.microsoft.com/office/drawing/2016/SVG/main" r:embed="rId3"/>
+                  <asvg:svgBlip xmlns:asvg="http://schemas.microsoft.com/office/drawing/2016/SVG/main" xmlns="" r:embed="rId3"/>
                 </a:ext>
               </a:extLst>
             </a:blip>
@@ -5289,7 +5289,7 @@
                   <a14:useLocalDpi xmlns:a14="http://schemas.microsoft.com/office/drawing/2010/main" val="0"/>
                 </a:ext>
                 <a:ext uri="{96DAC541-7B7A-43D3-8B79-37D633B846F1}">
-                  <asvg:svgBlip xmlns="" xmlns:asvg="http://schemas.microsoft.com/office/drawing/2016/SVG/main" r:embed="rId3"/>
+                  <asvg:svgBlip xmlns:asvg="http://schemas.microsoft.com/office/drawing/2016/SVG/main" xmlns="" r:embed="rId3"/>
                 </a:ext>
               </a:extLst>
             </a:blip>
@@ -5602,7 +5602,7 @@
           <a:p>
             <a:fld id="{616D6166-2B42-4F11-BAA6-8ABAE1BE810C}" type="datetimeFigureOut">
               <a:rPr lang="en-US" noProof="0" smtClean="0"/>
-              <a:t>1/10/2021</a:t>
+              <a:t>1/16/2021</a:t>
             </a:fld>
             <a:endParaRPr lang="en-US" noProof="0" dirty="0"/>
           </a:p>
@@ -5739,7 +5739,7 @@
                   <a14:useLocalDpi xmlns:a14="http://schemas.microsoft.com/office/drawing/2010/main" val="0"/>
                 </a:ext>
                 <a:ext uri="{96DAC541-7B7A-43D3-8B79-37D633B846F1}">
-                  <asvg:svgBlip xmlns="" xmlns:asvg="http://schemas.microsoft.com/office/drawing/2016/SVG/main" r:embed="rId3"/>
+                  <asvg:svgBlip xmlns:asvg="http://schemas.microsoft.com/office/drawing/2016/SVG/main" xmlns="" r:embed="rId3"/>
                 </a:ext>
               </a:extLst>
             </a:blip>
@@ -5777,7 +5777,7 @@
                   <a14:useLocalDpi xmlns:a14="http://schemas.microsoft.com/office/drawing/2010/main" val="0"/>
                 </a:ext>
                 <a:ext uri="{96DAC541-7B7A-43D3-8B79-37D633B846F1}">
-                  <asvg:svgBlip xmlns="" xmlns:asvg="http://schemas.microsoft.com/office/drawing/2016/SVG/main" r:embed="rId3"/>
+                  <asvg:svgBlip xmlns:asvg="http://schemas.microsoft.com/office/drawing/2016/SVG/main" xmlns="" r:embed="rId3"/>
                 </a:ext>
               </a:extLst>
             </a:blip>
@@ -5816,7 +5816,7 @@
                   <a14:useLocalDpi xmlns:a14="http://schemas.microsoft.com/office/drawing/2010/main" val="0"/>
                 </a:ext>
                 <a:ext uri="{96DAC541-7B7A-43D3-8B79-37D633B846F1}">
-                  <asvg:svgBlip xmlns="" xmlns:asvg="http://schemas.microsoft.com/office/drawing/2016/SVG/main" r:embed="rId3"/>
+                  <asvg:svgBlip xmlns:asvg="http://schemas.microsoft.com/office/drawing/2016/SVG/main" xmlns="" r:embed="rId3"/>
                 </a:ext>
               </a:extLst>
             </a:blip>
@@ -5855,7 +5855,7 @@
                   <a14:useLocalDpi xmlns:a14="http://schemas.microsoft.com/office/drawing/2010/main" val="0"/>
                 </a:ext>
                 <a:ext uri="{96DAC541-7B7A-43D3-8B79-37D633B846F1}">
-                  <asvg:svgBlip xmlns="" xmlns:asvg="http://schemas.microsoft.com/office/drawing/2016/SVG/main" r:embed="rId3"/>
+                  <asvg:svgBlip xmlns:asvg="http://schemas.microsoft.com/office/drawing/2016/SVG/main" xmlns="" r:embed="rId3"/>
                 </a:ext>
               </a:extLst>
             </a:blip>
@@ -6111,7 +6111,7 @@
           <a:p>
             <a:fld id="{616D6166-2B42-4F11-BAA6-8ABAE1BE810C}" type="datetimeFigureOut">
               <a:rPr lang="en-US" noProof="0" smtClean="0"/>
-              <a:t>1/10/2021</a:t>
+              <a:t>1/16/2021</a:t>
             </a:fld>
             <a:endParaRPr lang="en-US" noProof="0" dirty="0"/>
           </a:p>
@@ -6463,7 +6463,7 @@
           <a:p>
             <a:fld id="{616D6166-2B42-4F11-BAA6-8ABAE1BE810C}" type="datetimeFigureOut">
               <a:rPr lang="en-US" noProof="0" smtClean="0"/>
-              <a:t>1/10/2021</a:t>
+              <a:t>1/16/2021</a:t>
             </a:fld>
             <a:endParaRPr lang="en-US" noProof="0" dirty="0"/>
           </a:p>
@@ -6629,7 +6629,7 @@
                   <a14:useLocalDpi xmlns:a14="http://schemas.microsoft.com/office/drawing/2010/main" val="0"/>
                 </a:ext>
                 <a:ext uri="{96DAC541-7B7A-43D3-8B79-37D633B846F1}">
-                  <asvg:svgBlip xmlns="" xmlns:asvg="http://schemas.microsoft.com/office/drawing/2016/SVG/main" r:embed="rId3"/>
+                  <asvg:svgBlip xmlns:asvg="http://schemas.microsoft.com/office/drawing/2016/SVG/main" xmlns="" r:embed="rId3"/>
                 </a:ext>
               </a:extLst>
             </a:blip>
@@ -6667,7 +6667,7 @@
                   <a14:useLocalDpi xmlns:a14="http://schemas.microsoft.com/office/drawing/2010/main" val="0"/>
                 </a:ext>
                 <a:ext uri="{96DAC541-7B7A-43D3-8B79-37D633B846F1}">
-                  <asvg:svgBlip xmlns="" xmlns:asvg="http://schemas.microsoft.com/office/drawing/2016/SVG/main" r:embed="rId3"/>
+                  <asvg:svgBlip xmlns:asvg="http://schemas.microsoft.com/office/drawing/2016/SVG/main" xmlns="" r:embed="rId3"/>
                 </a:ext>
               </a:extLst>
             </a:blip>
@@ -6706,7 +6706,7 @@
                   <a14:useLocalDpi xmlns:a14="http://schemas.microsoft.com/office/drawing/2010/main" val="0"/>
                 </a:ext>
                 <a:ext uri="{96DAC541-7B7A-43D3-8B79-37D633B846F1}">
-                  <asvg:svgBlip xmlns="" xmlns:asvg="http://schemas.microsoft.com/office/drawing/2016/SVG/main" r:embed="rId3"/>
+                  <asvg:svgBlip xmlns:asvg="http://schemas.microsoft.com/office/drawing/2016/SVG/main" xmlns="" r:embed="rId3"/>
                 </a:ext>
               </a:extLst>
             </a:blip>
@@ -6745,7 +6745,7 @@
                   <a14:useLocalDpi xmlns:a14="http://schemas.microsoft.com/office/drawing/2010/main" val="0"/>
                 </a:ext>
                 <a:ext uri="{96DAC541-7B7A-43D3-8B79-37D633B846F1}">
-                  <asvg:svgBlip xmlns="" xmlns:asvg="http://schemas.microsoft.com/office/drawing/2016/SVG/main" r:embed="rId3"/>
+                  <asvg:svgBlip xmlns:asvg="http://schemas.microsoft.com/office/drawing/2016/SVG/main" xmlns="" r:embed="rId3"/>
                 </a:ext>
               </a:extLst>
             </a:blip>
@@ -6784,7 +6784,7 @@
                   <a14:useLocalDpi xmlns:a14="http://schemas.microsoft.com/office/drawing/2010/main" val="0"/>
                 </a:ext>
                 <a:ext uri="{96DAC541-7B7A-43D3-8B79-37D633B846F1}">
-                  <asvg:svgBlip xmlns="" xmlns:asvg="http://schemas.microsoft.com/office/drawing/2016/SVG/main" r:embed="rId3"/>
+                  <asvg:svgBlip xmlns:asvg="http://schemas.microsoft.com/office/drawing/2016/SVG/main" xmlns="" r:embed="rId3"/>
                 </a:ext>
               </a:extLst>
             </a:blip>
@@ -7056,7 +7056,7 @@
           <a:p>
             <a:fld id="{616D6166-2B42-4F11-BAA6-8ABAE1BE810C}" type="datetimeFigureOut">
               <a:rPr lang="en-US" noProof="0" smtClean="0"/>
-              <a:t>1/10/2021</a:t>
+              <a:t>1/16/2021</a:t>
             </a:fld>
             <a:endParaRPr lang="en-US" noProof="0" dirty="0"/>
           </a:p>
@@ -7188,7 +7188,7 @@
                   <a14:useLocalDpi xmlns:a14="http://schemas.microsoft.com/office/drawing/2010/main" val="0"/>
                 </a:ext>
                 <a:ext uri="{96DAC541-7B7A-43D3-8B79-37D633B846F1}">
-                  <asvg:svgBlip xmlns="" xmlns:asvg="http://schemas.microsoft.com/office/drawing/2016/SVG/main" r:embed="rId3"/>
+                  <asvg:svgBlip xmlns:asvg="http://schemas.microsoft.com/office/drawing/2016/SVG/main" xmlns="" r:embed="rId3"/>
                 </a:ext>
               </a:extLst>
             </a:blip>
@@ -7226,7 +7226,7 @@
                   <a14:useLocalDpi xmlns:a14="http://schemas.microsoft.com/office/drawing/2010/main" val="0"/>
                 </a:ext>
                 <a:ext uri="{96DAC541-7B7A-43D3-8B79-37D633B846F1}">
-                  <asvg:svgBlip xmlns="" xmlns:asvg="http://schemas.microsoft.com/office/drawing/2016/SVG/main" r:embed="rId3"/>
+                  <asvg:svgBlip xmlns:asvg="http://schemas.microsoft.com/office/drawing/2016/SVG/main" xmlns="" r:embed="rId3"/>
                 </a:ext>
               </a:extLst>
             </a:blip>
@@ -7265,7 +7265,7 @@
                   <a14:useLocalDpi xmlns:a14="http://schemas.microsoft.com/office/drawing/2010/main" val="0"/>
                 </a:ext>
                 <a:ext uri="{96DAC541-7B7A-43D3-8B79-37D633B846F1}">
-                  <asvg:svgBlip xmlns="" xmlns:asvg="http://schemas.microsoft.com/office/drawing/2016/SVG/main" r:embed="rId3"/>
+                  <asvg:svgBlip xmlns:asvg="http://schemas.microsoft.com/office/drawing/2016/SVG/main" xmlns="" r:embed="rId3"/>
                 </a:ext>
               </a:extLst>
             </a:blip>
@@ -7304,7 +7304,7 @@
                   <a14:useLocalDpi xmlns:a14="http://schemas.microsoft.com/office/drawing/2010/main" val="0"/>
                 </a:ext>
                 <a:ext uri="{96DAC541-7B7A-43D3-8B79-37D633B846F1}">
-                  <asvg:svgBlip xmlns="" xmlns:asvg="http://schemas.microsoft.com/office/drawing/2016/SVG/main" r:embed="rId3"/>
+                  <asvg:svgBlip xmlns:asvg="http://schemas.microsoft.com/office/drawing/2016/SVG/main" xmlns="" r:embed="rId3"/>
                 </a:ext>
               </a:extLst>
             </a:blip>
@@ -7645,7 +7645,7 @@
           <a:p>
             <a:fld id="{616D6166-2B42-4F11-BAA6-8ABAE1BE810C}" type="datetimeFigureOut">
               <a:rPr lang="en-US" noProof="0" smtClean="0"/>
-              <a:t>1/10/2021</a:t>
+              <a:t>1/16/2021</a:t>
             </a:fld>
             <a:endParaRPr lang="en-US" noProof="0" dirty="0"/>
           </a:p>
@@ -8009,7 +8009,7 @@
                   <a14:useLocalDpi xmlns:a14="http://schemas.microsoft.com/office/drawing/2010/main" val="0"/>
                 </a:ext>
                 <a:ext uri="{96DAC541-7B7A-43D3-8B79-37D633B846F1}">
-                  <asvg:svgBlip xmlns="" xmlns:asvg="http://schemas.microsoft.com/office/drawing/2016/SVG/main" r:embed="rId3"/>
+                  <asvg:svgBlip xmlns:asvg="http://schemas.microsoft.com/office/drawing/2016/SVG/main" xmlns="" r:embed="rId3"/>
                 </a:ext>
               </a:extLst>
             </a:blip>
@@ -8047,7 +8047,7 @@
                   <a14:useLocalDpi xmlns:a14="http://schemas.microsoft.com/office/drawing/2010/main" val="0"/>
                 </a:ext>
                 <a:ext uri="{96DAC541-7B7A-43D3-8B79-37D633B846F1}">
-                  <asvg:svgBlip xmlns="" xmlns:asvg="http://schemas.microsoft.com/office/drawing/2016/SVG/main" r:embed="rId3"/>
+                  <asvg:svgBlip xmlns:asvg="http://schemas.microsoft.com/office/drawing/2016/SVG/main" xmlns="" r:embed="rId3"/>
                 </a:ext>
               </a:extLst>
             </a:blip>
@@ -8086,7 +8086,7 @@
                   <a14:useLocalDpi xmlns:a14="http://schemas.microsoft.com/office/drawing/2010/main" val="0"/>
                 </a:ext>
                 <a:ext uri="{96DAC541-7B7A-43D3-8B79-37D633B846F1}">
-                  <asvg:svgBlip xmlns="" xmlns:asvg="http://schemas.microsoft.com/office/drawing/2016/SVG/main" r:embed="rId3"/>
+                  <asvg:svgBlip xmlns:asvg="http://schemas.microsoft.com/office/drawing/2016/SVG/main" xmlns="" r:embed="rId3"/>
                 </a:ext>
               </a:extLst>
             </a:blip>
@@ -8125,7 +8125,7 @@
                   <a14:useLocalDpi xmlns:a14="http://schemas.microsoft.com/office/drawing/2010/main" val="0"/>
                 </a:ext>
                 <a:ext uri="{96DAC541-7B7A-43D3-8B79-37D633B846F1}">
-                  <asvg:svgBlip xmlns="" xmlns:asvg="http://schemas.microsoft.com/office/drawing/2016/SVG/main" r:embed="rId3"/>
+                  <asvg:svgBlip xmlns:asvg="http://schemas.microsoft.com/office/drawing/2016/SVG/main" xmlns="" r:embed="rId3"/>
                 </a:ext>
               </a:extLst>
             </a:blip>
@@ -8164,7 +8164,7 @@
                   <a14:useLocalDpi xmlns:a14="http://schemas.microsoft.com/office/drawing/2010/main" val="0"/>
                 </a:ext>
                 <a:ext uri="{96DAC541-7B7A-43D3-8B79-37D633B846F1}">
-                  <asvg:svgBlip xmlns="" xmlns:asvg="http://schemas.microsoft.com/office/drawing/2016/SVG/main" r:embed="rId3"/>
+                  <asvg:svgBlip xmlns:asvg="http://schemas.microsoft.com/office/drawing/2016/SVG/main" xmlns="" r:embed="rId3"/>
                 </a:ext>
               </a:extLst>
             </a:blip>
@@ -8418,7 +8418,7 @@
           <a:p>
             <a:fld id="{616D6166-2B42-4F11-BAA6-8ABAE1BE810C}" type="datetimeFigureOut">
               <a:rPr lang="en-US" noProof="0" smtClean="0"/>
-              <a:t>1/10/2021</a:t>
+              <a:t>1/16/2021</a:t>
             </a:fld>
             <a:endParaRPr lang="en-US" noProof="0" dirty="0"/>
           </a:p>
@@ -8555,7 +8555,7 @@
                   <a14:useLocalDpi xmlns:a14="http://schemas.microsoft.com/office/drawing/2010/main" val="0"/>
                 </a:ext>
                 <a:ext uri="{96DAC541-7B7A-43D3-8B79-37D633B846F1}">
-                  <asvg:svgBlip xmlns="" xmlns:asvg="http://schemas.microsoft.com/office/drawing/2016/SVG/main" r:embed="rId3"/>
+                  <asvg:svgBlip xmlns:asvg="http://schemas.microsoft.com/office/drawing/2016/SVG/main" xmlns="" r:embed="rId3"/>
                 </a:ext>
               </a:extLst>
             </a:blip>
@@ -8593,7 +8593,7 @@
                   <a14:useLocalDpi xmlns:a14="http://schemas.microsoft.com/office/drawing/2010/main" val="0"/>
                 </a:ext>
                 <a:ext uri="{96DAC541-7B7A-43D3-8B79-37D633B846F1}">
-                  <asvg:svgBlip xmlns="" xmlns:asvg="http://schemas.microsoft.com/office/drawing/2016/SVG/main" r:embed="rId3"/>
+                  <asvg:svgBlip xmlns:asvg="http://schemas.microsoft.com/office/drawing/2016/SVG/main" xmlns="" r:embed="rId3"/>
                 </a:ext>
               </a:extLst>
             </a:blip>
@@ -8632,7 +8632,7 @@
                   <a14:useLocalDpi xmlns:a14="http://schemas.microsoft.com/office/drawing/2010/main" val="0"/>
                 </a:ext>
                 <a:ext uri="{96DAC541-7B7A-43D3-8B79-37D633B846F1}">
-                  <asvg:svgBlip xmlns="" xmlns:asvg="http://schemas.microsoft.com/office/drawing/2016/SVG/main" r:embed="rId3"/>
+                  <asvg:svgBlip xmlns:asvg="http://schemas.microsoft.com/office/drawing/2016/SVG/main" xmlns="" r:embed="rId3"/>
                 </a:ext>
               </a:extLst>
             </a:blip>
@@ -8671,7 +8671,7 @@
                   <a14:useLocalDpi xmlns:a14="http://schemas.microsoft.com/office/drawing/2010/main" val="0"/>
                 </a:ext>
                 <a:ext uri="{96DAC541-7B7A-43D3-8B79-37D633B846F1}">
-                  <asvg:svgBlip xmlns="" xmlns:asvg="http://schemas.microsoft.com/office/drawing/2016/SVG/main" r:embed="rId3"/>
+                  <asvg:svgBlip xmlns:asvg="http://schemas.microsoft.com/office/drawing/2016/SVG/main" xmlns="" r:embed="rId3"/>
                 </a:ext>
               </a:extLst>
             </a:blip>
@@ -9288,7 +9288,7 @@
           <a:p>
             <a:fld id="{616D6166-2B42-4F11-BAA6-8ABAE1BE810C}" type="datetimeFigureOut">
               <a:rPr lang="en-US" noProof="0" smtClean="0"/>
-              <a:t>1/10/2021</a:t>
+              <a:t>1/16/2021</a:t>
             </a:fld>
             <a:endParaRPr lang="en-US" noProof="0" dirty="0"/>
           </a:p>
@@ -9415,7 +9415,7 @@
                   <a14:useLocalDpi xmlns:a14="http://schemas.microsoft.com/office/drawing/2010/main" val="0"/>
                 </a:ext>
                 <a:ext uri="{96DAC541-7B7A-43D3-8B79-37D633B846F1}">
-                  <asvg:svgBlip xmlns="" xmlns:asvg="http://schemas.microsoft.com/office/drawing/2016/SVG/main" r:embed="rId3"/>
+                  <asvg:svgBlip xmlns:asvg="http://schemas.microsoft.com/office/drawing/2016/SVG/main" xmlns="" r:embed="rId3"/>
                 </a:ext>
               </a:extLst>
             </a:blip>
@@ -9453,7 +9453,7 @@
                   <a14:useLocalDpi xmlns:a14="http://schemas.microsoft.com/office/drawing/2010/main" val="0"/>
                 </a:ext>
                 <a:ext uri="{96DAC541-7B7A-43D3-8B79-37D633B846F1}">
-                  <asvg:svgBlip xmlns="" xmlns:asvg="http://schemas.microsoft.com/office/drawing/2016/SVG/main" r:embed="rId3"/>
+                  <asvg:svgBlip xmlns:asvg="http://schemas.microsoft.com/office/drawing/2016/SVG/main" xmlns="" r:embed="rId3"/>
                 </a:ext>
               </a:extLst>
             </a:blip>
@@ -9492,7 +9492,7 @@
                   <a14:useLocalDpi xmlns:a14="http://schemas.microsoft.com/office/drawing/2010/main" val="0"/>
                 </a:ext>
                 <a:ext uri="{96DAC541-7B7A-43D3-8B79-37D633B846F1}">
-                  <asvg:svgBlip xmlns="" xmlns:asvg="http://schemas.microsoft.com/office/drawing/2016/SVG/main" r:embed="rId3"/>
+                  <asvg:svgBlip xmlns:asvg="http://schemas.microsoft.com/office/drawing/2016/SVG/main" xmlns="" r:embed="rId3"/>
                 </a:ext>
               </a:extLst>
             </a:blip>
@@ -9531,7 +9531,7 @@
                   <a14:useLocalDpi xmlns:a14="http://schemas.microsoft.com/office/drawing/2010/main" val="0"/>
                 </a:ext>
                 <a:ext uri="{96DAC541-7B7A-43D3-8B79-37D633B846F1}">
-                  <asvg:svgBlip xmlns="" xmlns:asvg="http://schemas.microsoft.com/office/drawing/2016/SVG/main" r:embed="rId3"/>
+                  <asvg:svgBlip xmlns:asvg="http://schemas.microsoft.com/office/drawing/2016/SVG/main" xmlns="" r:embed="rId3"/>
                 </a:ext>
               </a:extLst>
             </a:blip>
@@ -9570,7 +9570,7 @@
                   <a14:useLocalDpi xmlns:a14="http://schemas.microsoft.com/office/drawing/2010/main" val="0"/>
                 </a:ext>
                 <a:ext uri="{96DAC541-7B7A-43D3-8B79-37D633B846F1}">
-                  <asvg:svgBlip xmlns="" xmlns:asvg="http://schemas.microsoft.com/office/drawing/2016/SVG/main" r:embed="rId3"/>
+                  <asvg:svgBlip xmlns:asvg="http://schemas.microsoft.com/office/drawing/2016/SVG/main" xmlns="" r:embed="rId3"/>
                 </a:ext>
               </a:extLst>
             </a:blip>
@@ -9757,7 +9757,7 @@
           <a:p>
             <a:fld id="{616D6166-2B42-4F11-BAA6-8ABAE1BE810C}" type="datetimeFigureOut">
               <a:rPr lang="en-US" noProof="0" smtClean="0"/>
-              <a:t>1/10/2021</a:t>
+              <a:t>1/16/2021</a:t>
             </a:fld>
             <a:endParaRPr lang="en-US" noProof="0" dirty="0"/>
           </a:p>
@@ -10373,7 +10373,7 @@
                   <a14:useLocalDpi xmlns:a14="http://schemas.microsoft.com/office/drawing/2010/main" val="0"/>
                 </a:ext>
                 <a:ext uri="{96DAC541-7B7A-43D3-8B79-37D633B846F1}">
-                  <asvg:svgBlip xmlns="" xmlns:asvg="http://schemas.microsoft.com/office/drawing/2016/SVG/main" r:embed="rId3"/>
+                  <asvg:svgBlip xmlns:asvg="http://schemas.microsoft.com/office/drawing/2016/SVG/main" xmlns="" r:embed="rId3"/>
                 </a:ext>
               </a:extLst>
             </a:blip>
@@ -10411,7 +10411,7 @@
                   <a14:useLocalDpi xmlns:a14="http://schemas.microsoft.com/office/drawing/2010/main" val="0"/>
                 </a:ext>
                 <a:ext uri="{96DAC541-7B7A-43D3-8B79-37D633B846F1}">
-                  <asvg:svgBlip xmlns="" xmlns:asvg="http://schemas.microsoft.com/office/drawing/2016/SVG/main" r:embed="rId3"/>
+                  <asvg:svgBlip xmlns:asvg="http://schemas.microsoft.com/office/drawing/2016/SVG/main" xmlns="" r:embed="rId3"/>
                 </a:ext>
               </a:extLst>
             </a:blip>
@@ -10450,7 +10450,7 @@
                   <a14:useLocalDpi xmlns:a14="http://schemas.microsoft.com/office/drawing/2010/main" val="0"/>
                 </a:ext>
                 <a:ext uri="{96DAC541-7B7A-43D3-8B79-37D633B846F1}">
-                  <asvg:svgBlip xmlns="" xmlns:asvg="http://schemas.microsoft.com/office/drawing/2016/SVG/main" r:embed="rId3"/>
+                  <asvg:svgBlip xmlns:asvg="http://schemas.microsoft.com/office/drawing/2016/SVG/main" xmlns="" r:embed="rId3"/>
                 </a:ext>
               </a:extLst>
             </a:blip>
@@ -10489,7 +10489,7 @@
                   <a14:useLocalDpi xmlns:a14="http://schemas.microsoft.com/office/drawing/2010/main" val="0"/>
                 </a:ext>
                 <a:ext uri="{96DAC541-7B7A-43D3-8B79-37D633B846F1}">
-                  <asvg:svgBlip xmlns="" xmlns:asvg="http://schemas.microsoft.com/office/drawing/2016/SVG/main" r:embed="rId3"/>
+                  <asvg:svgBlip xmlns:asvg="http://schemas.microsoft.com/office/drawing/2016/SVG/main" xmlns="" r:embed="rId3"/>
                 </a:ext>
               </a:extLst>
             </a:blip>
@@ -11343,7 +11343,7 @@
           <a:p>
             <a:fld id="{616D6166-2B42-4F11-BAA6-8ABAE1BE810C}" type="datetimeFigureOut">
               <a:rPr lang="en-US" noProof="0" smtClean="0"/>
-              <a:t>1/10/2021</a:t>
+              <a:t>1/16/2021</a:t>
             </a:fld>
             <a:endParaRPr lang="en-US" noProof="0" dirty="0"/>
           </a:p>
@@ -11549,7 +11549,7 @@
                   <a14:useLocalDpi xmlns:a14="http://schemas.microsoft.com/office/drawing/2010/main" val="0"/>
                 </a:ext>
                 <a:ext uri="{96DAC541-7B7A-43D3-8B79-37D633B846F1}">
-                  <asvg:svgBlip xmlns="" xmlns:asvg="http://schemas.microsoft.com/office/drawing/2016/SVG/main" r:embed="rId3"/>
+                  <asvg:svgBlip xmlns:asvg="http://schemas.microsoft.com/office/drawing/2016/SVG/main" xmlns="" r:embed="rId3"/>
                 </a:ext>
               </a:extLst>
             </a:blip>
@@ -11587,7 +11587,7 @@
                   <a14:useLocalDpi xmlns:a14="http://schemas.microsoft.com/office/drawing/2010/main" val="0"/>
                 </a:ext>
                 <a:ext uri="{96DAC541-7B7A-43D3-8B79-37D633B846F1}">
-                  <asvg:svgBlip xmlns="" xmlns:asvg="http://schemas.microsoft.com/office/drawing/2016/SVG/main" r:embed="rId3"/>
+                  <asvg:svgBlip xmlns:asvg="http://schemas.microsoft.com/office/drawing/2016/SVG/main" xmlns="" r:embed="rId3"/>
                 </a:ext>
               </a:extLst>
             </a:blip>
@@ -11626,7 +11626,7 @@
                   <a14:useLocalDpi xmlns:a14="http://schemas.microsoft.com/office/drawing/2010/main" val="0"/>
                 </a:ext>
                 <a:ext uri="{96DAC541-7B7A-43D3-8B79-37D633B846F1}">
-                  <asvg:svgBlip xmlns="" xmlns:asvg="http://schemas.microsoft.com/office/drawing/2016/SVG/main" r:embed="rId3"/>
+                  <asvg:svgBlip xmlns:asvg="http://schemas.microsoft.com/office/drawing/2016/SVG/main" xmlns="" r:embed="rId3"/>
                 </a:ext>
               </a:extLst>
             </a:blip>
@@ -11665,7 +11665,7 @@
                   <a14:useLocalDpi xmlns:a14="http://schemas.microsoft.com/office/drawing/2010/main" val="0"/>
                 </a:ext>
                 <a:ext uri="{96DAC541-7B7A-43D3-8B79-37D633B846F1}">
-                  <asvg:svgBlip xmlns="" xmlns:asvg="http://schemas.microsoft.com/office/drawing/2016/SVG/main" r:embed="rId3"/>
+                  <asvg:svgBlip xmlns:asvg="http://schemas.microsoft.com/office/drawing/2016/SVG/main" xmlns="" r:embed="rId3"/>
                 </a:ext>
               </a:extLst>
             </a:blip>
@@ -11863,7 +11863,7 @@
           <a:p>
             <a:fld id="{616D6166-2B42-4F11-BAA6-8ABAE1BE810C}" type="datetimeFigureOut">
               <a:rPr lang="en-US" noProof="0" smtClean="0"/>
-              <a:t>1/10/2021</a:t>
+              <a:t>1/16/2021</a:t>
             </a:fld>
             <a:endParaRPr lang="en-US" noProof="0" dirty="0"/>
           </a:p>
@@ -12501,7 +12501,7 @@
                   <a14:useLocalDpi xmlns:a14="http://schemas.microsoft.com/office/drawing/2010/main" val="0"/>
                 </a:ext>
                 <a:ext uri="{96DAC541-7B7A-43D3-8B79-37D633B846F1}">
-                  <asvg:svgBlip xmlns="" xmlns:asvg="http://schemas.microsoft.com/office/drawing/2016/SVG/main" r:embed="rId3"/>
+                  <asvg:svgBlip xmlns:asvg="http://schemas.microsoft.com/office/drawing/2016/SVG/main" xmlns="" r:embed="rId3"/>
                 </a:ext>
               </a:extLst>
             </a:blip>
@@ -12539,7 +12539,7 @@
                   <a14:useLocalDpi xmlns:a14="http://schemas.microsoft.com/office/drawing/2010/main" val="0"/>
                 </a:ext>
                 <a:ext uri="{96DAC541-7B7A-43D3-8B79-37D633B846F1}">
-                  <asvg:svgBlip xmlns="" xmlns:asvg="http://schemas.microsoft.com/office/drawing/2016/SVG/main" r:embed="rId3"/>
+                  <asvg:svgBlip xmlns:asvg="http://schemas.microsoft.com/office/drawing/2016/SVG/main" xmlns="" r:embed="rId3"/>
                 </a:ext>
               </a:extLst>
             </a:blip>
@@ -12578,7 +12578,7 @@
                   <a14:useLocalDpi xmlns:a14="http://schemas.microsoft.com/office/drawing/2010/main" val="0"/>
                 </a:ext>
                 <a:ext uri="{96DAC541-7B7A-43D3-8B79-37D633B846F1}">
-                  <asvg:svgBlip xmlns="" xmlns:asvg="http://schemas.microsoft.com/office/drawing/2016/SVG/main" r:embed="rId3"/>
+                  <asvg:svgBlip xmlns:asvg="http://schemas.microsoft.com/office/drawing/2016/SVG/main" xmlns="" r:embed="rId3"/>
                 </a:ext>
               </a:extLst>
             </a:blip>
@@ -12617,7 +12617,7 @@
                   <a14:useLocalDpi xmlns:a14="http://schemas.microsoft.com/office/drawing/2010/main" val="0"/>
                 </a:ext>
                 <a:ext uri="{96DAC541-7B7A-43D3-8B79-37D633B846F1}">
-                  <asvg:svgBlip xmlns="" xmlns:asvg="http://schemas.microsoft.com/office/drawing/2016/SVG/main" r:embed="rId3"/>
+                  <asvg:svgBlip xmlns:asvg="http://schemas.microsoft.com/office/drawing/2016/SVG/main" xmlns="" r:embed="rId3"/>
                 </a:ext>
               </a:extLst>
             </a:blip>
@@ -12656,7 +12656,7 @@
                   <a14:useLocalDpi xmlns:a14="http://schemas.microsoft.com/office/drawing/2010/main" val="0"/>
                 </a:ext>
                 <a:ext uri="{96DAC541-7B7A-43D3-8B79-37D633B846F1}">
-                  <asvg:svgBlip xmlns="" xmlns:asvg="http://schemas.microsoft.com/office/drawing/2016/SVG/main" r:embed="rId3"/>
+                  <asvg:svgBlip xmlns:asvg="http://schemas.microsoft.com/office/drawing/2016/SVG/main" xmlns="" r:embed="rId3"/>
                 </a:ext>
               </a:extLst>
             </a:blip>
@@ -12986,7 +12986,7 @@
           <a:p>
             <a:fld id="{616D6166-2B42-4F11-BAA6-8ABAE1BE810C}" type="datetimeFigureOut">
               <a:rPr lang="en-US" noProof="0" smtClean="0"/>
-              <a:t>1/10/2021</a:t>
+              <a:t>1/16/2021</a:t>
             </a:fld>
             <a:endParaRPr lang="en-US" noProof="0" dirty="0"/>
           </a:p>
@@ -13118,7 +13118,7 @@
                   <a14:useLocalDpi xmlns:a14="http://schemas.microsoft.com/office/drawing/2010/main" val="0"/>
                 </a:ext>
                 <a:ext uri="{96DAC541-7B7A-43D3-8B79-37D633B846F1}">
-                  <asvg:svgBlip xmlns="" xmlns:asvg="http://schemas.microsoft.com/office/drawing/2016/SVG/main" r:embed="rId3"/>
+                  <asvg:svgBlip xmlns:asvg="http://schemas.microsoft.com/office/drawing/2016/SVG/main" xmlns="" r:embed="rId3"/>
                 </a:ext>
               </a:extLst>
             </a:blip>
@@ -13156,7 +13156,7 @@
                   <a14:useLocalDpi xmlns:a14="http://schemas.microsoft.com/office/drawing/2010/main" val="0"/>
                 </a:ext>
                 <a:ext uri="{96DAC541-7B7A-43D3-8B79-37D633B846F1}">
-                  <asvg:svgBlip xmlns="" xmlns:asvg="http://schemas.microsoft.com/office/drawing/2016/SVG/main" r:embed="rId3"/>
+                  <asvg:svgBlip xmlns:asvg="http://schemas.microsoft.com/office/drawing/2016/SVG/main" xmlns="" r:embed="rId3"/>
                 </a:ext>
               </a:extLst>
             </a:blip>
@@ -13195,7 +13195,7 @@
                   <a14:useLocalDpi xmlns:a14="http://schemas.microsoft.com/office/drawing/2010/main" val="0"/>
                 </a:ext>
                 <a:ext uri="{96DAC541-7B7A-43D3-8B79-37D633B846F1}">
-                  <asvg:svgBlip xmlns="" xmlns:asvg="http://schemas.microsoft.com/office/drawing/2016/SVG/main" r:embed="rId3"/>
+                  <asvg:svgBlip xmlns:asvg="http://schemas.microsoft.com/office/drawing/2016/SVG/main" xmlns="" r:embed="rId3"/>
                 </a:ext>
               </a:extLst>
             </a:blip>
@@ -13234,7 +13234,7 @@
                   <a14:useLocalDpi xmlns:a14="http://schemas.microsoft.com/office/drawing/2010/main" val="0"/>
                 </a:ext>
                 <a:ext uri="{96DAC541-7B7A-43D3-8B79-37D633B846F1}">
-                  <asvg:svgBlip xmlns="" xmlns:asvg="http://schemas.microsoft.com/office/drawing/2016/SVG/main" r:embed="rId3"/>
+                  <asvg:svgBlip xmlns:asvg="http://schemas.microsoft.com/office/drawing/2016/SVG/main" xmlns="" r:embed="rId3"/>
                 </a:ext>
               </a:extLst>
             </a:blip>
@@ -13546,7 +13546,7 @@
           <a:p>
             <a:fld id="{616D6166-2B42-4F11-BAA6-8ABAE1BE810C}" type="datetimeFigureOut">
               <a:rPr lang="en-US" noProof="0" smtClean="0"/>
-              <a:t>1/10/2021</a:t>
+              <a:t>1/16/2021</a:t>
             </a:fld>
             <a:endParaRPr lang="en-US" noProof="0" dirty="0"/>
           </a:p>
@@ -13673,7 +13673,7 @@
                   <a14:useLocalDpi xmlns:a14="http://schemas.microsoft.com/office/drawing/2010/main" val="0"/>
                 </a:ext>
                 <a:ext uri="{96DAC541-7B7A-43D3-8B79-37D633B846F1}">
-                  <asvg:svgBlip xmlns="" xmlns:asvg="http://schemas.microsoft.com/office/drawing/2016/SVG/main" r:embed="rId3"/>
+                  <asvg:svgBlip xmlns:asvg="http://schemas.microsoft.com/office/drawing/2016/SVG/main" xmlns="" r:embed="rId3"/>
                 </a:ext>
               </a:extLst>
             </a:blip>
@@ -13711,7 +13711,7 @@
                   <a14:useLocalDpi xmlns:a14="http://schemas.microsoft.com/office/drawing/2010/main" val="0"/>
                 </a:ext>
                 <a:ext uri="{96DAC541-7B7A-43D3-8B79-37D633B846F1}">
-                  <asvg:svgBlip xmlns="" xmlns:asvg="http://schemas.microsoft.com/office/drawing/2016/SVG/main" r:embed="rId3"/>
+                  <asvg:svgBlip xmlns:asvg="http://schemas.microsoft.com/office/drawing/2016/SVG/main" xmlns="" r:embed="rId3"/>
                 </a:ext>
               </a:extLst>
             </a:blip>
@@ -13750,7 +13750,7 @@
                   <a14:useLocalDpi xmlns:a14="http://schemas.microsoft.com/office/drawing/2010/main" val="0"/>
                 </a:ext>
                 <a:ext uri="{96DAC541-7B7A-43D3-8B79-37D633B846F1}">
-                  <asvg:svgBlip xmlns="" xmlns:asvg="http://schemas.microsoft.com/office/drawing/2016/SVG/main" r:embed="rId3"/>
+                  <asvg:svgBlip xmlns:asvg="http://schemas.microsoft.com/office/drawing/2016/SVG/main" xmlns="" r:embed="rId3"/>
                 </a:ext>
               </a:extLst>
             </a:blip>
@@ -13789,7 +13789,7 @@
                   <a14:useLocalDpi xmlns:a14="http://schemas.microsoft.com/office/drawing/2010/main" val="0"/>
                 </a:ext>
                 <a:ext uri="{96DAC541-7B7A-43D3-8B79-37D633B846F1}">
-                  <asvg:svgBlip xmlns="" xmlns:asvg="http://schemas.microsoft.com/office/drawing/2016/SVG/main" r:embed="rId3"/>
+                  <asvg:svgBlip xmlns:asvg="http://schemas.microsoft.com/office/drawing/2016/SVG/main" xmlns="" r:embed="rId3"/>
                 </a:ext>
               </a:extLst>
             </a:blip>
@@ -13828,7 +13828,7 @@
                   <a14:useLocalDpi xmlns:a14="http://schemas.microsoft.com/office/drawing/2010/main" val="0"/>
                 </a:ext>
                 <a:ext uri="{96DAC541-7B7A-43D3-8B79-37D633B846F1}">
-                  <asvg:svgBlip xmlns="" xmlns:asvg="http://schemas.microsoft.com/office/drawing/2016/SVG/main" r:embed="rId3"/>
+                  <asvg:svgBlip xmlns:asvg="http://schemas.microsoft.com/office/drawing/2016/SVG/main" xmlns="" r:embed="rId3"/>
                 </a:ext>
               </a:extLst>
             </a:blip>
@@ -14143,7 +14143,7 @@
           <a:p>
             <a:fld id="{616D6166-2B42-4F11-BAA6-8ABAE1BE810C}" type="datetimeFigureOut">
               <a:rPr lang="en-US" noProof="0" smtClean="0"/>
-              <a:t>1/10/2021</a:t>
+              <a:t>1/16/2021</a:t>
             </a:fld>
             <a:endParaRPr lang="en-US" noProof="0" dirty="0"/>
           </a:p>
@@ -14280,7 +14280,7 @@
                   <a14:useLocalDpi xmlns:a14="http://schemas.microsoft.com/office/drawing/2010/main" val="0"/>
                 </a:ext>
                 <a:ext uri="{96DAC541-7B7A-43D3-8B79-37D633B846F1}">
-                  <asvg:svgBlip xmlns="" xmlns:asvg="http://schemas.microsoft.com/office/drawing/2016/SVG/main" r:embed="rId3"/>
+                  <asvg:svgBlip xmlns:asvg="http://schemas.microsoft.com/office/drawing/2016/SVG/main" xmlns="" r:embed="rId3"/>
                 </a:ext>
               </a:extLst>
             </a:blip>
@@ -14318,7 +14318,7 @@
                   <a14:useLocalDpi xmlns:a14="http://schemas.microsoft.com/office/drawing/2010/main" val="0"/>
                 </a:ext>
                 <a:ext uri="{96DAC541-7B7A-43D3-8B79-37D633B846F1}">
-                  <asvg:svgBlip xmlns="" xmlns:asvg="http://schemas.microsoft.com/office/drawing/2016/SVG/main" r:embed="rId3"/>
+                  <asvg:svgBlip xmlns:asvg="http://schemas.microsoft.com/office/drawing/2016/SVG/main" xmlns="" r:embed="rId3"/>
                 </a:ext>
               </a:extLst>
             </a:blip>
@@ -14357,7 +14357,7 @@
                   <a14:useLocalDpi xmlns:a14="http://schemas.microsoft.com/office/drawing/2010/main" val="0"/>
                 </a:ext>
                 <a:ext uri="{96DAC541-7B7A-43D3-8B79-37D633B846F1}">
-                  <asvg:svgBlip xmlns="" xmlns:asvg="http://schemas.microsoft.com/office/drawing/2016/SVG/main" r:embed="rId3"/>
+                  <asvg:svgBlip xmlns:asvg="http://schemas.microsoft.com/office/drawing/2016/SVG/main" xmlns="" r:embed="rId3"/>
                 </a:ext>
               </a:extLst>
             </a:blip>
@@ -14396,7 +14396,7 @@
                   <a14:useLocalDpi xmlns:a14="http://schemas.microsoft.com/office/drawing/2010/main" val="0"/>
                 </a:ext>
                 <a:ext uri="{96DAC541-7B7A-43D3-8B79-37D633B846F1}">
-                  <asvg:svgBlip xmlns="" xmlns:asvg="http://schemas.microsoft.com/office/drawing/2016/SVG/main" r:embed="rId3"/>
+                  <asvg:svgBlip xmlns:asvg="http://schemas.microsoft.com/office/drawing/2016/SVG/main" xmlns="" r:embed="rId3"/>
                 </a:ext>
               </a:extLst>
             </a:blip>
@@ -14435,7 +14435,7 @@
                   <a14:useLocalDpi xmlns:a14="http://schemas.microsoft.com/office/drawing/2010/main" val="0"/>
                 </a:ext>
                 <a:ext uri="{96DAC541-7B7A-43D3-8B79-37D633B846F1}">
-                  <asvg:svgBlip xmlns="" xmlns:asvg="http://schemas.microsoft.com/office/drawing/2016/SVG/main" r:embed="rId3"/>
+                  <asvg:svgBlip xmlns:asvg="http://schemas.microsoft.com/office/drawing/2016/SVG/main" xmlns="" r:embed="rId3"/>
                 </a:ext>
               </a:extLst>
             </a:blip>
@@ -14882,7 +14882,7 @@
           <a:p>
             <a:fld id="{616D6166-2B42-4F11-BAA6-8ABAE1BE810C}" type="datetimeFigureOut">
               <a:rPr lang="en-US" noProof="0" smtClean="0"/>
-              <a:t>1/10/2021</a:t>
+              <a:t>1/16/2021</a:t>
             </a:fld>
             <a:endParaRPr lang="en-US" noProof="0" dirty="0"/>
           </a:p>
@@ -15009,7 +15009,7 @@
                   <a14:useLocalDpi xmlns:a14="http://schemas.microsoft.com/office/drawing/2010/main" val="0"/>
                 </a:ext>
                 <a:ext uri="{96DAC541-7B7A-43D3-8B79-37D633B846F1}">
-                  <asvg:svgBlip xmlns="" xmlns:asvg="http://schemas.microsoft.com/office/drawing/2016/SVG/main" r:embed="rId3"/>
+                  <asvg:svgBlip xmlns:asvg="http://schemas.microsoft.com/office/drawing/2016/SVG/main" xmlns="" r:embed="rId3"/>
                 </a:ext>
               </a:extLst>
             </a:blip>
@@ -15047,7 +15047,7 @@
                   <a14:useLocalDpi xmlns:a14="http://schemas.microsoft.com/office/drawing/2010/main" val="0"/>
                 </a:ext>
                 <a:ext uri="{96DAC541-7B7A-43D3-8B79-37D633B846F1}">
-                  <asvg:svgBlip xmlns="" xmlns:asvg="http://schemas.microsoft.com/office/drawing/2016/SVG/main" r:embed="rId3"/>
+                  <asvg:svgBlip xmlns:asvg="http://schemas.microsoft.com/office/drawing/2016/SVG/main" xmlns="" r:embed="rId3"/>
                 </a:ext>
               </a:extLst>
             </a:blip>
@@ -15086,7 +15086,7 @@
                   <a14:useLocalDpi xmlns:a14="http://schemas.microsoft.com/office/drawing/2010/main" val="0"/>
                 </a:ext>
                 <a:ext uri="{96DAC541-7B7A-43D3-8B79-37D633B846F1}">
-                  <asvg:svgBlip xmlns="" xmlns:asvg="http://schemas.microsoft.com/office/drawing/2016/SVG/main" r:embed="rId3"/>
+                  <asvg:svgBlip xmlns:asvg="http://schemas.microsoft.com/office/drawing/2016/SVG/main" xmlns="" r:embed="rId3"/>
                 </a:ext>
               </a:extLst>
             </a:blip>
@@ -15125,7 +15125,7 @@
                   <a14:useLocalDpi xmlns:a14="http://schemas.microsoft.com/office/drawing/2010/main" val="0"/>
                 </a:ext>
                 <a:ext uri="{96DAC541-7B7A-43D3-8B79-37D633B846F1}">
-                  <asvg:svgBlip xmlns="" xmlns:asvg="http://schemas.microsoft.com/office/drawing/2016/SVG/main" r:embed="rId3"/>
+                  <asvg:svgBlip xmlns:asvg="http://schemas.microsoft.com/office/drawing/2016/SVG/main" xmlns="" r:embed="rId3"/>
                 </a:ext>
               </a:extLst>
             </a:blip>
@@ -15164,7 +15164,7 @@
                   <a14:useLocalDpi xmlns:a14="http://schemas.microsoft.com/office/drawing/2010/main" val="0"/>
                 </a:ext>
                 <a:ext uri="{96DAC541-7B7A-43D3-8B79-37D633B846F1}">
-                  <asvg:svgBlip xmlns="" xmlns:asvg="http://schemas.microsoft.com/office/drawing/2016/SVG/main" r:embed="rId3"/>
+                  <asvg:svgBlip xmlns:asvg="http://schemas.microsoft.com/office/drawing/2016/SVG/main" xmlns="" r:embed="rId3"/>
                 </a:ext>
               </a:extLst>
             </a:blip>
@@ -15349,7 +15349,7 @@
           <a:p>
             <a:fld id="{616D6166-2B42-4F11-BAA6-8ABAE1BE810C}" type="datetimeFigureOut">
               <a:rPr lang="en-US" noProof="0" smtClean="0"/>
-              <a:t>1/10/2021</a:t>
+              <a:t>1/16/2021</a:t>
             </a:fld>
             <a:endParaRPr lang="en-US" noProof="0" dirty="0"/>
           </a:p>
@@ -15549,7 +15549,7 @@
                   <a14:useLocalDpi xmlns:a14="http://schemas.microsoft.com/office/drawing/2010/main" val="0"/>
                 </a:ext>
                 <a:ext uri="{96DAC541-7B7A-43D3-8B79-37D633B846F1}">
-                  <asvg:svgBlip xmlns="" xmlns:asvg="http://schemas.microsoft.com/office/drawing/2016/SVG/main" r:embed="rId3"/>
+                  <asvg:svgBlip xmlns:asvg="http://schemas.microsoft.com/office/drawing/2016/SVG/main" xmlns="" r:embed="rId3"/>
                 </a:ext>
               </a:extLst>
             </a:blip>
@@ -15587,7 +15587,7 @@
                   <a14:useLocalDpi xmlns:a14="http://schemas.microsoft.com/office/drawing/2010/main" val="0"/>
                 </a:ext>
                 <a:ext uri="{96DAC541-7B7A-43D3-8B79-37D633B846F1}">
-                  <asvg:svgBlip xmlns="" xmlns:asvg="http://schemas.microsoft.com/office/drawing/2016/SVG/main" r:embed="rId3"/>
+                  <asvg:svgBlip xmlns:asvg="http://schemas.microsoft.com/office/drawing/2016/SVG/main" xmlns="" r:embed="rId3"/>
                 </a:ext>
               </a:extLst>
             </a:blip>
@@ -15626,7 +15626,7 @@
                   <a14:useLocalDpi xmlns:a14="http://schemas.microsoft.com/office/drawing/2010/main" val="0"/>
                 </a:ext>
                 <a:ext uri="{96DAC541-7B7A-43D3-8B79-37D633B846F1}">
-                  <asvg:svgBlip xmlns="" xmlns:asvg="http://schemas.microsoft.com/office/drawing/2016/SVG/main" r:embed="rId3"/>
+                  <asvg:svgBlip xmlns:asvg="http://schemas.microsoft.com/office/drawing/2016/SVG/main" xmlns="" r:embed="rId3"/>
                 </a:ext>
               </a:extLst>
             </a:blip>
@@ -15665,7 +15665,7 @@
                   <a14:useLocalDpi xmlns:a14="http://schemas.microsoft.com/office/drawing/2010/main" val="0"/>
                 </a:ext>
                 <a:ext uri="{96DAC541-7B7A-43D3-8B79-37D633B846F1}">
-                  <asvg:svgBlip xmlns="" xmlns:asvg="http://schemas.microsoft.com/office/drawing/2016/SVG/main" r:embed="rId3"/>
+                  <asvg:svgBlip xmlns:asvg="http://schemas.microsoft.com/office/drawing/2016/SVG/main" xmlns="" r:embed="rId3"/>
                 </a:ext>
               </a:extLst>
             </a:blip>
@@ -15704,7 +15704,7 @@
                   <a14:useLocalDpi xmlns:a14="http://schemas.microsoft.com/office/drawing/2010/main" val="0"/>
                 </a:ext>
                 <a:ext uri="{96DAC541-7B7A-43D3-8B79-37D633B846F1}">
-                  <asvg:svgBlip xmlns="" xmlns:asvg="http://schemas.microsoft.com/office/drawing/2016/SVG/main" r:embed="rId3"/>
+                  <asvg:svgBlip xmlns:asvg="http://schemas.microsoft.com/office/drawing/2016/SVG/main" xmlns="" r:embed="rId3"/>
                 </a:ext>
               </a:extLst>
             </a:blip>
@@ -15902,7 +15902,7 @@
           <a:p>
             <a:fld id="{616D6166-2B42-4F11-BAA6-8ABAE1BE810C}" type="datetimeFigureOut">
               <a:rPr lang="en-US" noProof="0" smtClean="0"/>
-              <a:t>1/10/2021</a:t>
+              <a:t>1/16/2021</a:t>
             </a:fld>
             <a:endParaRPr lang="en-US" noProof="0" dirty="0"/>
           </a:p>
@@ -16029,7 +16029,7 @@
                   <a14:useLocalDpi xmlns:a14="http://schemas.microsoft.com/office/drawing/2010/main" val="0"/>
                 </a:ext>
                 <a:ext uri="{96DAC541-7B7A-43D3-8B79-37D633B846F1}">
-                  <asvg:svgBlip xmlns="" xmlns:asvg="http://schemas.microsoft.com/office/drawing/2016/SVG/main" r:embed="rId3"/>
+                  <asvg:svgBlip xmlns:asvg="http://schemas.microsoft.com/office/drawing/2016/SVG/main" xmlns="" r:embed="rId3"/>
                 </a:ext>
               </a:extLst>
             </a:blip>
@@ -16067,7 +16067,7 @@
                   <a14:useLocalDpi xmlns:a14="http://schemas.microsoft.com/office/drawing/2010/main" val="0"/>
                 </a:ext>
                 <a:ext uri="{96DAC541-7B7A-43D3-8B79-37D633B846F1}">
-                  <asvg:svgBlip xmlns="" xmlns:asvg="http://schemas.microsoft.com/office/drawing/2016/SVG/main" r:embed="rId3"/>
+                  <asvg:svgBlip xmlns:asvg="http://schemas.microsoft.com/office/drawing/2016/SVG/main" xmlns="" r:embed="rId3"/>
                 </a:ext>
               </a:extLst>
             </a:blip>
@@ -16106,7 +16106,7 @@
                   <a14:useLocalDpi xmlns:a14="http://schemas.microsoft.com/office/drawing/2010/main" val="0"/>
                 </a:ext>
                 <a:ext uri="{96DAC541-7B7A-43D3-8B79-37D633B846F1}">
-                  <asvg:svgBlip xmlns="" xmlns:asvg="http://schemas.microsoft.com/office/drawing/2016/SVG/main" r:embed="rId3"/>
+                  <asvg:svgBlip xmlns:asvg="http://schemas.microsoft.com/office/drawing/2016/SVG/main" xmlns="" r:embed="rId3"/>
                 </a:ext>
               </a:extLst>
             </a:blip>
@@ -16145,7 +16145,7 @@
                   <a14:useLocalDpi xmlns:a14="http://schemas.microsoft.com/office/drawing/2010/main" val="0"/>
                 </a:ext>
                 <a:ext uri="{96DAC541-7B7A-43D3-8B79-37D633B846F1}">
-                  <asvg:svgBlip xmlns="" xmlns:asvg="http://schemas.microsoft.com/office/drawing/2016/SVG/main" r:embed="rId3"/>
+                  <asvg:svgBlip xmlns:asvg="http://schemas.microsoft.com/office/drawing/2016/SVG/main" xmlns="" r:embed="rId3"/>
                 </a:ext>
               </a:extLst>
             </a:blip>
@@ -16184,7 +16184,7 @@
                   <a14:useLocalDpi xmlns:a14="http://schemas.microsoft.com/office/drawing/2010/main" val="0"/>
                 </a:ext>
                 <a:ext uri="{96DAC541-7B7A-43D3-8B79-37D633B846F1}">
-                  <asvg:svgBlip xmlns="" xmlns:asvg="http://schemas.microsoft.com/office/drawing/2016/SVG/main" r:embed="rId3"/>
+                  <asvg:svgBlip xmlns:asvg="http://schemas.microsoft.com/office/drawing/2016/SVG/main" xmlns="" r:embed="rId3"/>
                 </a:ext>
               </a:extLst>
             </a:blip>
@@ -16382,7 +16382,7 @@
           <a:p>
             <a:fld id="{616D6166-2B42-4F11-BAA6-8ABAE1BE810C}" type="datetimeFigureOut">
               <a:rPr lang="en-US" noProof="0" smtClean="0"/>
-              <a:t>1/10/2021</a:t>
+              <a:t>1/16/2021</a:t>
             </a:fld>
             <a:endParaRPr lang="en-US" noProof="0" dirty="0"/>
           </a:p>
@@ -16673,7 +16673,7 @@
           <a:p>
             <a:fld id="{616D6166-2B42-4F11-BAA6-8ABAE1BE810C}" type="datetimeFigureOut">
               <a:rPr lang="en-US" noProof="0" smtClean="0"/>
-              <a:t>1/10/2021</a:t>
+              <a:t>1/16/2021</a:t>
             </a:fld>
             <a:endParaRPr lang="en-US" noProof="0" dirty="0"/>
           </a:p>
@@ -17112,7 +17112,7 @@
                 <a14:useLocalDpi xmlns:a14="http://schemas.microsoft.com/office/drawing/2010/main" val="0"/>
               </a:ext>
               <a:ext uri="{96DAC541-7B7A-43D3-8B79-37D633B846F1}">
-                <asvg:svgBlip xmlns="" xmlns:asvg="http://schemas.microsoft.com/office/drawing/2016/SVG/main" r:embed="rId3"/>
+                <asvg:svgBlip xmlns:asvg="http://schemas.microsoft.com/office/drawing/2016/SVG/main" xmlns="" r:embed="rId3"/>
               </a:ext>
             </a:extLst>
           </a:blip>
@@ -17423,7 +17423,7 @@
                 <a14:useLocalDpi xmlns:a14="http://schemas.microsoft.com/office/drawing/2010/main" val="0"/>
               </a:ext>
               <a:ext uri="{96DAC541-7B7A-43D3-8B79-37D633B846F1}">
-                <asvg:svgBlip xmlns="" xmlns:asvg="http://schemas.microsoft.com/office/drawing/2016/SVG/main" r:embed="rId4"/>
+                <asvg:svgBlip xmlns:asvg="http://schemas.microsoft.com/office/drawing/2016/SVG/main" xmlns="" r:embed="rId4"/>
               </a:ext>
             </a:extLst>
           </a:blip>
@@ -18440,7 +18440,7 @@
                 <a16:creationId xmlns:a16="http://schemas.microsoft.com/office/drawing/2014/main" id="{6EB24599-0719-48BC-AB48-E49D34953116}"/>
               </a:ext>
               <a:ext uri="{C183D7F6-B498-43B3-948B-1728B52AA6E4}">
-                <adec:decorative xmlns="" xmlns:adec="http://schemas.microsoft.com/office/drawing/2017/decorative" val="1"/>
+                <adec:decorative xmlns:adec="http://schemas.microsoft.com/office/drawing/2017/decorative" xmlns="" val="1"/>
               </a:ext>
             </a:extLst>
           </p:cNvPr>
@@ -24399,7 +24399,7 @@
                 <a14:useLocalDpi xmlns:a14="http://schemas.microsoft.com/office/drawing/2010/main" val="0"/>
               </a:ext>
               <a:ext uri="{96DAC541-7B7A-43D3-8B79-37D633B846F1}">
-                <asvg:svgBlip xmlns="" xmlns:asvg="http://schemas.microsoft.com/office/drawing/2016/SVG/main" r:embed="rId4"/>
+                <asvg:svgBlip xmlns:asvg="http://schemas.microsoft.com/office/drawing/2016/SVG/main" xmlns="" r:embed="rId4"/>
               </a:ext>
             </a:extLst>
           </a:blip>
@@ -26842,7 +26842,7 @@
                 <a14:useLocalDpi xmlns:a14="http://schemas.microsoft.com/office/drawing/2010/main" val="0"/>
               </a:ext>
               <a:ext uri="{96DAC541-7B7A-43D3-8B79-37D633B846F1}">
-                <asvg:svgBlip xmlns="" xmlns:asvg="http://schemas.microsoft.com/office/drawing/2016/SVG/main" r:embed="rId4"/>
+                <asvg:svgBlip xmlns:asvg="http://schemas.microsoft.com/office/drawing/2016/SVG/main" xmlns="" r:embed="rId4"/>
               </a:ext>
             </a:extLst>
           </a:blip>
@@ -27678,7 +27678,7 @@
                 <a14:useLocalDpi xmlns:a14="http://schemas.microsoft.com/office/drawing/2010/main" val="0"/>
               </a:ext>
               <a:ext uri="{96DAC541-7B7A-43D3-8B79-37D633B846F1}">
-                <asvg:svgBlip xmlns="" xmlns:asvg="http://schemas.microsoft.com/office/drawing/2016/SVG/main" r:embed="rId4"/>
+                <asvg:svgBlip xmlns:asvg="http://schemas.microsoft.com/office/drawing/2016/SVG/main" xmlns="" r:embed="rId4"/>
               </a:ext>
             </a:extLst>
           </a:blip>
@@ -27725,7 +27725,7 @@
         </p:blipFill>
         <p:spPr>
           <a:xfrm>
-            <a:off x="1033677" y="1335201"/>
+            <a:off x="1033677" y="1324184"/>
             <a:ext cx="2843583" cy="1727200"/>
           </a:xfrm>
           <a:prstGeom prst="roundRect">
@@ -27762,7 +27762,7 @@
         </p:blipFill>
         <p:spPr>
           <a:xfrm>
-            <a:off x="8228567" y="1335200"/>
+            <a:off x="8228567" y="1324183"/>
             <a:ext cx="2843583" cy="1727201"/>
           </a:xfrm>
           <a:prstGeom prst="roundRect">
@@ -28101,7 +28101,7 @@
                 <a14:useLocalDpi xmlns:a14="http://schemas.microsoft.com/office/drawing/2010/main" val="0"/>
               </a:ext>
               <a:ext uri="{96DAC541-7B7A-43D3-8B79-37D633B846F1}">
-                <asvg:svgBlip xmlns="" xmlns:asvg="http://schemas.microsoft.com/office/drawing/2016/SVG/main" r:embed="rId4"/>
+                <asvg:svgBlip xmlns:asvg="http://schemas.microsoft.com/office/drawing/2016/SVG/main" xmlns="" r:embed="rId4"/>
               </a:ext>
             </a:extLst>
           </a:blip>
@@ -30040,14 +30040,6 @@
 </file>
 
 <file path=customXml/item1.xml><?xml version="1.0" encoding="utf-8"?>
-<p:properties xmlns:p="http://schemas.microsoft.com/office/2006/metadata/properties" xmlns:xsi="http://www.w3.org/2001/XMLSchema-instance" xmlns:pc="http://schemas.microsoft.com/office/infopath/2007/PartnerControls">
-  <documentManagement>
-    <MediaServiceKeyPoints xmlns="71af3243-3dd4-4a8d-8c0d-dd76da1f02a5" xsi:nil="true"/>
-  </documentManagement>
-</p:properties>
-</file>
-
-<file path=customXml/item2.xml><?xml version="1.0" encoding="utf-8"?>
 <ct:contentTypeSchema xmlns:ct="http://schemas.microsoft.com/office/2006/metadata/contentType" xmlns:ma="http://schemas.microsoft.com/office/2006/metadata/properties/metaAttributes" ct:_="" ma:_="" ma:contentTypeName="Document" ma:contentTypeID="0x01010079F111ED35F8CC479449609E8A0923A6" ma:contentTypeVersion="11" ma:contentTypeDescription="Create a new document." ma:contentTypeScope="" ma:versionID="96291512c1ee715ab617f4c07df79fc1">
   <xsd:schema xmlns:xsd="http://www.w3.org/2001/XMLSchema" xmlns:xs="http://www.w3.org/2001/XMLSchema" xmlns:p="http://schemas.microsoft.com/office/2006/metadata/properties" xmlns:ns2="71af3243-3dd4-4a8d-8c0d-dd76da1f02a5" xmlns:ns3="16c05727-aa75-4e4a-9b5f-8a80a1165891" targetNamespace="http://schemas.microsoft.com/office/2006/metadata/properties" ma:root="true" ma:fieldsID="8256c27c40ca5c40ce1cf6c44f0205df" ns2:_="" ns3:_="">
     <xsd:import namespace="71af3243-3dd4-4a8d-8c0d-dd76da1f02a5"/>
@@ -30258,6 +30250,14 @@
 </ct:contentTypeSchema>
 </file>
 
+<file path=customXml/item2.xml><?xml version="1.0" encoding="utf-8"?>
+<p:properties xmlns:p="http://schemas.microsoft.com/office/2006/metadata/properties" xmlns:xsi="http://www.w3.org/2001/XMLSchema-instance" xmlns:pc="http://schemas.microsoft.com/office/infopath/2007/PartnerControls">
+  <documentManagement>
+    <MediaServiceKeyPoints xmlns="71af3243-3dd4-4a8d-8c0d-dd76da1f02a5" xsi:nil="true"/>
+  </documentManagement>
+</p:properties>
+</file>
+
 <file path=customXml/item3.xml><?xml version="1.0" encoding="utf-8"?>
 <?mso-contentType ?>
 <FormTemplates xmlns="http://schemas.microsoft.com/sharepoint/v3/contenttype/forms">
@@ -30268,16 +30268,6 @@
 </file>
 
 <file path=customXml/itemProps1.xml><?xml version="1.0" encoding="utf-8"?>
-<ds:datastoreItem xmlns:ds="http://schemas.openxmlformats.org/officeDocument/2006/customXml" ds:itemID="{FCF1D2AC-2735-457E-B639-07E13F9A629B}">
-  <ds:schemaRefs>
-    <ds:schemaRef ds:uri="http://schemas.microsoft.com/office/2006/metadata/properties"/>
-    <ds:schemaRef ds:uri="http://schemas.microsoft.com/office/infopath/2007/PartnerControls"/>
-    <ds:schemaRef ds:uri="71af3243-3dd4-4a8d-8c0d-dd76da1f02a5"/>
-  </ds:schemaRefs>
-</ds:datastoreItem>
-</file>
-
-<file path=customXml/itemProps2.xml><?xml version="1.0" encoding="utf-8"?>
 <ds:datastoreItem xmlns:ds="http://schemas.openxmlformats.org/officeDocument/2006/customXml" ds:itemID="{B18699A2-1304-4DB0-887E-96D5B0474647}">
   <ds:schemaRefs>
     <ds:schemaRef ds:uri="http://schemas.microsoft.com/office/2006/metadata/contentType"/>
@@ -30296,6 +30286,16 @@
 </ds:datastoreItem>
 </file>
 
+<file path=customXml/itemProps2.xml><?xml version="1.0" encoding="utf-8"?>
+<ds:datastoreItem xmlns:ds="http://schemas.openxmlformats.org/officeDocument/2006/customXml" ds:itemID="{FCF1D2AC-2735-457E-B639-07E13F9A629B}">
+  <ds:schemaRefs>
+    <ds:schemaRef ds:uri="http://schemas.microsoft.com/office/2006/metadata/properties"/>
+    <ds:schemaRef ds:uri="http://schemas.microsoft.com/office/infopath/2007/PartnerControls"/>
+    <ds:schemaRef ds:uri="71af3243-3dd4-4a8d-8c0d-dd76da1f02a5"/>
+  </ds:schemaRefs>
+</ds:datastoreItem>
+</file>
+
 <file path=customXml/itemProps3.xml><?xml version="1.0" encoding="utf-8"?>
 <ds:datastoreItem xmlns:ds="http://schemas.openxmlformats.org/officeDocument/2006/customXml" ds:itemID="{B12AB9FA-5EE8-4111-B873-E09ACA2BC395}">
   <ds:schemaRefs>
